--- a/PowerPoint Slides/01 - Overview of Compilers.pptx
+++ b/PowerPoint Slides/01 - Overview of Compilers.pptx
@@ -7075,60 +7075,6 @@
       </p:grpSpPr>
       <p:sp>
         <p:nvSpPr>
-          <p:cNvPr id="12290" name="Footer Placeholder 3"/>
-          <p:cNvSpPr>
-            <a:spLocks noGrp="1"/>
-          </p:cNvSpPr>
-          <p:nvPr>
-            <p:ph type="ftr" sz="quarter" idx="10"/>
-          </p:nvPr>
-        </p:nvSpPr>
-        <p:spPr>
-          <a:noFill/>
-        </p:spPr>
-        <p:txBody>
-          <a:bodyPr/>
-          <a:lstStyle/>
-          <a:p>
-            <a:r>
-              <a:rPr lang="en-US"/>
-              <a:t>©SoftMoore Consulting</a:t>
-            </a:r>
-          </a:p>
-        </p:txBody>
-      </p:sp>
-      <p:sp>
-        <p:nvSpPr>
-          <p:cNvPr id="12291" name="Slide Number Placeholder 4"/>
-          <p:cNvSpPr>
-            <a:spLocks noGrp="1"/>
-          </p:cNvSpPr>
-          <p:nvPr>
-            <p:ph type="sldNum" sz="quarter" idx="11"/>
-          </p:nvPr>
-        </p:nvSpPr>
-        <p:spPr>
-          <a:noFill/>
-        </p:spPr>
-        <p:txBody>
-          <a:bodyPr/>
-          <a:lstStyle/>
-          <a:p>
-            <a:r>
-              <a:rPr lang="en-US"/>
-              <a:t>Slide </a:t>
-            </a:r>
-            <a:fld id="{12AD52E1-D5AA-46F0-8084-63A2D1158803}" type="slidenum">
-              <a:rPr lang="en-US" smtClean="0"/>
-              <a:pPr/>
-              <a:t>10</a:t>
-            </a:fld>
-            <a:endParaRPr lang="en-US"/>
-          </a:p>
-        </p:txBody>
-      </p:sp>
-      <p:sp>
-        <p:nvSpPr>
           <p:cNvPr id="12292" name="Rectangle 2"/>
           <p:cNvSpPr>
             <a:spLocks noGrp="1" noChangeArrowheads="1"/>
@@ -7143,8 +7089,8 @@
           <a:lstStyle/>
           <a:p>
             <a:r>
-              <a:rPr lang="en-US"/>
-              <a:t>Diagnostic Tools</a:t>
+              <a:rPr lang="en-US" dirty="0"/>
+              <a:t>Integrated Development Environment (IDE) </a:t>
             </a:r>
           </a:p>
         </p:txBody>
@@ -7166,39 +7112,91 @@
           <a:p>
             <a:r>
               <a:rPr lang="en-US" dirty="0"/>
-              <a:t>Error reports</a:t>
+              <a:t>Syntax-directed editor</a:t>
             </a:r>
           </a:p>
           <a:p>
             <a:r>
               <a:rPr lang="en-US" dirty="0"/>
-              <a:t>Cross reference maps</a:t>
+              <a:t>Source code formatter</a:t>
             </a:r>
           </a:p>
           <a:p>
             <a:r>
               <a:rPr lang="en-US" dirty="0"/>
-              <a:t>Run time profilers</a:t>
+              <a:t>Error reporting</a:t>
             </a:r>
           </a:p>
           <a:p>
             <a:r>
               <a:rPr lang="en-US" dirty="0"/>
-              <a:t>Source level debuggers</a:t>
+              <a:t>Refactoring</a:t>
             </a:r>
           </a:p>
           <a:p>
             <a:r>
               <a:rPr lang="en-US" dirty="0"/>
-              <a:t>Disassemblers</a:t>
+              <a:t>Source level debugger</a:t>
             </a:r>
           </a:p>
           <a:p>
             <a:r>
-              <a:rPr lang="en-US" dirty="0" err="1"/>
-              <a:t>Decompilers</a:t>
+              <a:rPr lang="en-US" dirty="0"/>
+              <a:t>Run time profiler</a:t>
             </a:r>
+          </a:p>
+          <a:p>
             <a:endParaRPr lang="en-US" dirty="0"/>
+          </a:p>
+        </p:txBody>
+      </p:sp>
+      <p:sp>
+        <p:nvSpPr>
+          <p:cNvPr id="12290" name="Footer Placeholder 3"/>
+          <p:cNvSpPr>
+            <a:spLocks noGrp="1"/>
+          </p:cNvSpPr>
+          <p:nvPr>
+            <p:ph type="ftr" sz="quarter" idx="10"/>
+          </p:nvPr>
+        </p:nvSpPr>
+        <p:spPr/>
+        <p:txBody>
+          <a:bodyPr/>
+          <a:lstStyle/>
+          <a:p>
+            <a:r>
+              <a:rPr lang="en-US"/>
+              <a:t>©SoftMoore Consulting</a:t>
+            </a:r>
+          </a:p>
+        </p:txBody>
+      </p:sp>
+      <p:sp>
+        <p:nvSpPr>
+          <p:cNvPr id="12291" name="Slide Number Placeholder 4"/>
+          <p:cNvSpPr>
+            <a:spLocks noGrp="1"/>
+          </p:cNvSpPr>
+          <p:nvPr>
+            <p:ph type="sldNum" sz="quarter" idx="11"/>
+          </p:nvPr>
+        </p:nvSpPr>
+        <p:spPr/>
+        <p:txBody>
+          <a:bodyPr/>
+          <a:lstStyle/>
+          <a:p>
+            <a:r>
+              <a:rPr lang="en-US"/>
+              <a:t>Slide </a:t>
+            </a:r>
+            <a:fld id="{12AD52E1-D5AA-46F0-8084-63A2D1158803}" type="slidenum">
+              <a:rPr lang="en-US" smtClean="0"/>
+              <a:pPr/>
+              <a:t>10</a:t>
+            </a:fld>
+            <a:endParaRPr lang="en-US"/>
           </a:p>
         </p:txBody>
       </p:sp>
@@ -33753,7 +33751,7 @@
           </p:nvSpPr>
           <p:spPr bwMode="auto">
             <a:xfrm>
-              <a:off x="4114800" y="4419600"/>
+              <a:off x="4116972" y="4419600"/>
               <a:ext cx="914400" cy="914400"/>
             </a:xfrm>
             <a:prstGeom prst="rect">
@@ -34257,7 +34255,7 @@
           </p:nvSpPr>
           <p:spPr bwMode="auto">
             <a:xfrm>
-              <a:off x="4114596" y="5334000"/>
+              <a:off x="4116972" y="5334000"/>
               <a:ext cx="914400" cy="731520"/>
             </a:xfrm>
             <a:prstGeom prst="flowChartOffpageConnector">
@@ -42783,60 +42781,6 @@
       </p:grpSpPr>
       <p:sp>
         <p:nvSpPr>
-          <p:cNvPr id="11266" name="Footer Placeholder 3"/>
-          <p:cNvSpPr>
-            <a:spLocks noGrp="1"/>
-          </p:cNvSpPr>
-          <p:nvPr>
-            <p:ph type="ftr" sz="quarter" idx="10"/>
-          </p:nvPr>
-        </p:nvSpPr>
-        <p:spPr>
-          <a:noFill/>
-        </p:spPr>
-        <p:txBody>
-          <a:bodyPr/>
-          <a:lstStyle/>
-          <a:p>
-            <a:r>
-              <a:rPr lang="en-US"/>
-              <a:t>©SoftMoore Consulting</a:t>
-            </a:r>
-          </a:p>
-        </p:txBody>
-      </p:sp>
-      <p:sp>
-        <p:nvSpPr>
-          <p:cNvPr id="11267" name="Slide Number Placeholder 4"/>
-          <p:cNvSpPr>
-            <a:spLocks noGrp="1"/>
-          </p:cNvSpPr>
-          <p:nvPr>
-            <p:ph type="sldNum" sz="quarter" idx="11"/>
-          </p:nvPr>
-        </p:nvSpPr>
-        <p:spPr>
-          <a:noFill/>
-        </p:spPr>
-        <p:txBody>
-          <a:bodyPr/>
-          <a:lstStyle/>
-          <a:p>
-            <a:r>
-              <a:rPr lang="en-US"/>
-              <a:t>Slide </a:t>
-            </a:r>
-            <a:fld id="{7109F165-252E-40CA-B102-7EB147AE6585}" type="slidenum">
-              <a:rPr lang="en-US" smtClean="0"/>
-              <a:pPr/>
-              <a:t>9</a:t>
-            </a:fld>
-            <a:endParaRPr lang="en-US"/>
-          </a:p>
-        </p:txBody>
-      </p:sp>
-      <p:sp>
-        <p:nvSpPr>
           <p:cNvPr id="11268" name="Rectangle 2"/>
           <p:cNvSpPr>
             <a:spLocks noGrp="1" noChangeArrowheads="1"/>
@@ -42873,7 +42817,7 @@
           <a:lstStyle/>
           <a:p>
             <a:r>
-              <a:rPr lang="en-US" sz="2300" dirty="0"/>
+              <a:rPr lang="en-US" dirty="0"/>
               <a:t>Assembler</a:t>
             </a:r>
           </a:p>
@@ -42886,7 +42830,7 @@
           </a:p>
           <a:p>
             <a:r>
-              <a:rPr lang="en-US" sz="2300" dirty="0"/>
+              <a:rPr lang="en-US" dirty="0"/>
               <a:t>High-level language translator (a.k.a., transpiler)</a:t>
             </a:r>
           </a:p>
@@ -42899,39 +42843,84 @@
           </a:p>
           <a:p>
             <a:r>
-              <a:rPr lang="en-US" sz="2300" dirty="0"/>
+              <a:rPr lang="en-US" dirty="0"/>
               <a:t>Interpreter (more on this topic in subsequent slides)</a:t>
             </a:r>
           </a:p>
           <a:p>
             <a:r>
-              <a:rPr lang="en-US" sz="2300" dirty="0"/>
-              <a:t>Syntax-directed editors</a:t>
-            </a:r>
-          </a:p>
-          <a:p>
-            <a:r>
-              <a:rPr lang="en-US" sz="2300" dirty="0"/>
-              <a:t>Source code formatters/pretty printers</a:t>
-            </a:r>
-          </a:p>
-          <a:p>
-            <a:r>
-              <a:rPr lang="en-US" sz="2300" dirty="0"/>
+              <a:rPr lang="en-US" dirty="0"/>
               <a:t>Testing/Re-engineering tools</a:t>
             </a:r>
           </a:p>
           <a:p>
             <a:r>
-              <a:rPr lang="en-US" sz="2300" dirty="0"/>
+              <a:rPr lang="en-US" dirty="0"/>
               <a:t>Macro preprocessors</a:t>
             </a:r>
           </a:p>
           <a:p>
             <a:r>
-              <a:rPr lang="en-US" sz="2300" dirty="0"/>
-              <a:t>Linker/Loader</a:t>
+              <a:rPr lang="en-US" dirty="0"/>
+              <a:t>Disassemblers</a:t>
             </a:r>
+          </a:p>
+          <a:p>
+            <a:r>
+              <a:rPr lang="en-US" dirty="0" err="1"/>
+              <a:t>Decompilers</a:t>
+            </a:r>
+            <a:endParaRPr lang="en-US" dirty="0"/>
+          </a:p>
+        </p:txBody>
+      </p:sp>
+      <p:sp>
+        <p:nvSpPr>
+          <p:cNvPr id="11266" name="Footer Placeholder 3"/>
+          <p:cNvSpPr>
+            <a:spLocks noGrp="1"/>
+          </p:cNvSpPr>
+          <p:nvPr>
+            <p:ph type="ftr" sz="quarter" idx="10"/>
+          </p:nvPr>
+        </p:nvSpPr>
+        <p:spPr/>
+        <p:txBody>
+          <a:bodyPr/>
+          <a:lstStyle/>
+          <a:p>
+            <a:r>
+              <a:rPr lang="en-US"/>
+              <a:t>©SoftMoore Consulting</a:t>
+            </a:r>
+          </a:p>
+        </p:txBody>
+      </p:sp>
+      <p:sp>
+        <p:nvSpPr>
+          <p:cNvPr id="11267" name="Slide Number Placeholder 4"/>
+          <p:cNvSpPr>
+            <a:spLocks noGrp="1"/>
+          </p:cNvSpPr>
+          <p:nvPr>
+            <p:ph type="sldNum" sz="quarter" idx="11"/>
+          </p:nvPr>
+        </p:nvSpPr>
+        <p:spPr/>
+        <p:txBody>
+          <a:bodyPr/>
+          <a:lstStyle/>
+          <a:p>
+            <a:r>
+              <a:rPr lang="en-US"/>
+              <a:t>Slide </a:t>
+            </a:r>
+            <a:fld id="{7109F165-252E-40CA-B102-7EB147AE6585}" type="slidenum">
+              <a:rPr lang="en-US" smtClean="0"/>
+              <a:pPr/>
+              <a:t>9</a:t>
+            </a:fld>
+            <a:endParaRPr lang="en-US"/>
           </a:p>
         </p:txBody>
       </p:sp>

--- a/PowerPoint Slides/01 - Overview of Compilers.pptx
+++ b/PowerPoint Slides/01 - Overview of Compilers.pptx
@@ -5,10 +5,10 @@
     <p:sldMasterId id="2147483651" r:id="rId1"/>
   </p:sldMasterIdLst>
   <p:notesMasterIdLst>
-    <p:notesMasterId r:id="rId42"/>
+    <p:notesMasterId r:id="rId41"/>
   </p:notesMasterIdLst>
   <p:handoutMasterIdLst>
-    <p:handoutMasterId r:id="rId43"/>
+    <p:handoutMasterId r:id="rId42"/>
   </p:handoutMasterIdLst>
   <p:sldIdLst>
     <p:sldId id="256" r:id="rId2"/>
@@ -41,19 +41,18 @@
     <p:sldId id="300" r:id="rId29"/>
     <p:sldId id="301" r:id="rId30"/>
     <p:sldId id="302" r:id="rId31"/>
-    <p:sldId id="303" r:id="rId32"/>
-    <p:sldId id="305" r:id="rId33"/>
-    <p:sldId id="304" r:id="rId34"/>
-    <p:sldId id="280" r:id="rId35"/>
-    <p:sldId id="283" r:id="rId36"/>
-    <p:sldId id="281" r:id="rId37"/>
-    <p:sldId id="279" r:id="rId38"/>
-    <p:sldId id="314" r:id="rId39"/>
-    <p:sldId id="299" r:id="rId40"/>
-    <p:sldId id="286" r:id="rId41"/>
+    <p:sldId id="305" r:id="rId32"/>
+    <p:sldId id="304" r:id="rId33"/>
+    <p:sldId id="280" r:id="rId34"/>
+    <p:sldId id="283" r:id="rId35"/>
+    <p:sldId id="281" r:id="rId36"/>
+    <p:sldId id="279" r:id="rId37"/>
+    <p:sldId id="314" r:id="rId38"/>
+    <p:sldId id="299" r:id="rId39"/>
+    <p:sldId id="286" r:id="rId40"/>
   </p:sldIdLst>
   <p:sldSz cx="9144000" cy="6858000" type="screen4x3"/>
-  <p:notesSz cx="7010400" cy="9296400"/>
+  <p:notesSz cx="6881813" cy="9296400"/>
   <p:defaultTextStyle>
     <a:defPPr>
       <a:defRPr lang="en-US"/>
@@ -196,12 +195,12 @@
     </p:ext>
     <p:ext uri="{2D200454-40CA-4A62-9FC3-DE9A4176ACB9}">
       <p15:notesGuideLst xmlns:p15="http://schemas.microsoft.com/office/powerpoint/2012/main">
-        <p15:guide id="1" orient="horz" pos="2928">
+        <p15:guide id="1" orient="horz" pos="2928" userDrawn="1">
           <p15:clr>
             <a:srgbClr val="A4A3A4"/>
           </p15:clr>
         </p15:guide>
-        <p15:guide id="2" pos="2208">
+        <p15:guide id="2" pos="2168" userDrawn="1">
           <p15:clr>
             <a:srgbClr val="A4A3A4"/>
           </p15:clr>
@@ -249,8 +248,8 @@
         </p:nvSpPr>
         <p:spPr bwMode="auto">
           <a:xfrm>
-            <a:off x="3971925" y="0"/>
-            <a:ext cx="3038475" cy="465138"/>
+            <a:off x="3899072" y="0"/>
+            <a:ext cx="2982743" cy="465138"/>
           </a:xfrm>
           <a:prstGeom prst="rect">
             <a:avLst/>
@@ -265,14 +264,14 @@
           <a:effectLst/>
         </p:spPr>
         <p:txBody>
-          <a:bodyPr vert="horz" wrap="square" lIns="93177" tIns="46589" rIns="93177" bIns="46589" numCol="1" anchor="t" anchorCtr="0" compatLnSpc="1">
+          <a:bodyPr vert="horz" wrap="square" lIns="92429" tIns="46215" rIns="92429" bIns="46215" numCol="1" anchor="t" anchorCtr="0" compatLnSpc="1">
             <a:prstTxWarp prst="textNoShape">
               <a:avLst/>
             </a:prstTxWarp>
           </a:bodyPr>
           <a:lstStyle>
-            <a:lvl1pPr algn="r" defTabSz="931863">
-              <a:defRPr sz="1200"/>
+            <a:lvl1pPr algn="r" defTabSz="924380">
+              <a:defRPr sz="1100"/>
             </a:lvl1pPr>
           </a:lstStyle>
           <a:p>
@@ -280,7 +279,7 @@
               <a:defRPr/>
             </a:pPr>
             <a:r>
-              <a:rPr lang="en-US" sz="1100" dirty="0">
+              <a:rPr lang="en-US" dirty="0">
                 <a:latin typeface="+mn-lt"/>
               </a:rPr>
               <a:t>Overview of Compilers</a:t>
@@ -300,8 +299,8 @@
         </p:nvSpPr>
         <p:spPr bwMode="auto">
           <a:xfrm>
-            <a:off x="3971925" y="8831263"/>
-            <a:ext cx="3038475" cy="465137"/>
+            <a:off x="3899072" y="8831264"/>
+            <a:ext cx="2982743" cy="465137"/>
           </a:xfrm>
           <a:prstGeom prst="rect">
             <a:avLst/>
@@ -316,14 +315,14 @@
           <a:effectLst/>
         </p:spPr>
         <p:txBody>
-          <a:bodyPr vert="horz" wrap="square" lIns="93177" tIns="46589" rIns="93177" bIns="46589" numCol="1" anchor="b" anchorCtr="0" compatLnSpc="1">
+          <a:bodyPr vert="horz" wrap="square" lIns="92429" tIns="46215" rIns="92429" bIns="46215" numCol="1" anchor="b" anchorCtr="0" compatLnSpc="1">
             <a:prstTxWarp prst="textNoShape">
               <a:avLst/>
             </a:prstTxWarp>
           </a:bodyPr>
           <a:lstStyle>
-            <a:lvl1pPr algn="r" defTabSz="931863">
-              <a:defRPr sz="1200"/>
+            <a:lvl1pPr algn="r" defTabSz="924380">
+              <a:defRPr sz="1100"/>
             </a:lvl1pPr>
           </a:lstStyle>
           <a:p>
@@ -331,13 +330,13 @@
               <a:defRPr/>
             </a:pPr>
             <a:r>
-              <a:rPr lang="en-US" sz="1100">
+              <a:rPr lang="en-US">
                 <a:latin typeface="+mn-lt"/>
               </a:rPr>
               <a:t>1-</a:t>
             </a:r>
             <a:fld id="{CF1715FB-A982-4256-96DA-A09F3747366A}" type="slidenum">
-              <a:rPr lang="en-US" sz="1100">
+              <a:rPr lang="en-US">
                 <a:latin typeface="+mn-lt"/>
               </a:rPr>
               <a:pPr>
@@ -345,7 +344,7 @@
               </a:pPr>
               <a:t>‹#›</a:t>
             </a:fld>
-            <a:endParaRPr lang="en-US" sz="1100">
+            <a:endParaRPr lang="en-US">
               <a:latin typeface="+mn-lt"/>
             </a:endParaRPr>
           </a:p>
@@ -400,7 +399,7 @@
         <p:spPr bwMode="auto">
           <a:xfrm>
             <a:off x="0" y="0"/>
-            <a:ext cx="3038475" cy="465138"/>
+            <a:ext cx="2982743" cy="465138"/>
           </a:xfrm>
           <a:prstGeom prst="rect">
             <a:avLst/>
@@ -415,14 +414,14 @@
           <a:effectLst/>
         </p:spPr>
         <p:txBody>
-          <a:bodyPr vert="horz" wrap="square" lIns="93177" tIns="46589" rIns="93177" bIns="46589" numCol="1" anchor="t" anchorCtr="0" compatLnSpc="1">
+          <a:bodyPr vert="horz" wrap="square" lIns="92429" tIns="46215" rIns="92429" bIns="46215" numCol="1" anchor="t" anchorCtr="0" compatLnSpc="1">
             <a:prstTxWarp prst="textNoShape">
               <a:avLst/>
             </a:prstTxWarp>
           </a:bodyPr>
           <a:lstStyle>
-            <a:lvl1pPr algn="l" defTabSz="931863">
-              <a:defRPr sz="1200"/>
+            <a:lvl1pPr algn="l" defTabSz="924380">
+              <a:defRPr sz="1100"/>
             </a:lvl1pPr>
           </a:lstStyle>
           <a:p>
@@ -448,8 +447,8 @@
         </p:nvSpPr>
         <p:spPr bwMode="auto">
           <a:xfrm>
-            <a:off x="3971925" y="0"/>
-            <a:ext cx="3038475" cy="465138"/>
+            <a:off x="3899072" y="0"/>
+            <a:ext cx="2982743" cy="465138"/>
           </a:xfrm>
           <a:prstGeom prst="rect">
             <a:avLst/>
@@ -464,14 +463,14 @@
           <a:effectLst/>
         </p:spPr>
         <p:txBody>
-          <a:bodyPr vert="horz" wrap="square" lIns="93177" tIns="46589" rIns="93177" bIns="46589" numCol="1" anchor="t" anchorCtr="0" compatLnSpc="1">
+          <a:bodyPr vert="horz" wrap="square" lIns="92429" tIns="46215" rIns="92429" bIns="46215" numCol="1" anchor="t" anchorCtr="0" compatLnSpc="1">
             <a:prstTxWarp prst="textNoShape">
               <a:avLst/>
             </a:prstTxWarp>
           </a:bodyPr>
           <a:lstStyle>
-            <a:lvl1pPr algn="r" defTabSz="931863">
-              <a:defRPr sz="1200"/>
+            <a:lvl1pPr algn="r" defTabSz="924380">
+              <a:defRPr sz="1100"/>
             </a:lvl1pPr>
           </a:lstStyle>
           <a:p>
@@ -494,8 +493,8 @@
         </p:nvSpPr>
         <p:spPr bwMode="auto">
           <a:xfrm>
-            <a:off x="1181100" y="696913"/>
-            <a:ext cx="4648200" cy="3486150"/>
+            <a:off x="1117600" y="696913"/>
+            <a:ext cx="4646613" cy="3486150"/>
           </a:xfrm>
           <a:prstGeom prst="rect">
             <a:avLst/>
@@ -523,8 +522,8 @@
         </p:nvSpPr>
         <p:spPr bwMode="auto">
           <a:xfrm>
-            <a:off x="935038" y="4416425"/>
-            <a:ext cx="5140325" cy="4183063"/>
+            <a:off x="917889" y="4416426"/>
+            <a:ext cx="5046039" cy="4183063"/>
           </a:xfrm>
           <a:prstGeom prst="rect">
             <a:avLst/>
@@ -539,7 +538,7 @@
           <a:effectLst/>
         </p:spPr>
         <p:txBody>
-          <a:bodyPr vert="horz" wrap="square" lIns="93177" tIns="46589" rIns="93177" bIns="46589" numCol="1" anchor="t" anchorCtr="0" compatLnSpc="1">
+          <a:bodyPr vert="horz" wrap="square" lIns="92429" tIns="46215" rIns="92429" bIns="46215" numCol="1" anchor="t" anchorCtr="0" compatLnSpc="1">
             <a:prstTxWarp prst="textNoShape">
               <a:avLst/>
             </a:prstTxWarp>
@@ -594,8 +593,8 @@
         </p:nvSpPr>
         <p:spPr bwMode="auto">
           <a:xfrm>
-            <a:off x="0" y="8831263"/>
-            <a:ext cx="3038475" cy="465137"/>
+            <a:off x="0" y="8831264"/>
+            <a:ext cx="2982743" cy="465137"/>
           </a:xfrm>
           <a:prstGeom prst="rect">
             <a:avLst/>
@@ -610,14 +609,14 @@
           <a:effectLst/>
         </p:spPr>
         <p:txBody>
-          <a:bodyPr vert="horz" wrap="square" lIns="93177" tIns="46589" rIns="93177" bIns="46589" numCol="1" anchor="b" anchorCtr="0" compatLnSpc="1">
+          <a:bodyPr vert="horz" wrap="square" lIns="92429" tIns="46215" rIns="92429" bIns="46215" numCol="1" anchor="b" anchorCtr="0" compatLnSpc="1">
             <a:prstTxWarp prst="textNoShape">
               <a:avLst/>
             </a:prstTxWarp>
           </a:bodyPr>
           <a:lstStyle>
-            <a:lvl1pPr algn="l" defTabSz="931863">
-              <a:defRPr sz="1200"/>
+            <a:lvl1pPr algn="l" defTabSz="924380">
+              <a:defRPr sz="1100"/>
             </a:lvl1pPr>
           </a:lstStyle>
           <a:p>
@@ -640,8 +639,8 @@
         </p:nvSpPr>
         <p:spPr bwMode="auto">
           <a:xfrm>
-            <a:off x="3971925" y="8831263"/>
-            <a:ext cx="3038475" cy="465137"/>
+            <a:off x="3899072" y="8831264"/>
+            <a:ext cx="2982743" cy="465137"/>
           </a:xfrm>
           <a:prstGeom prst="rect">
             <a:avLst/>
@@ -656,14 +655,14 @@
           <a:effectLst/>
         </p:spPr>
         <p:txBody>
-          <a:bodyPr vert="horz" wrap="square" lIns="93177" tIns="46589" rIns="93177" bIns="46589" numCol="1" anchor="b" anchorCtr="0" compatLnSpc="1">
+          <a:bodyPr vert="horz" wrap="square" lIns="92429" tIns="46215" rIns="92429" bIns="46215" numCol="1" anchor="b" anchorCtr="0" compatLnSpc="1">
             <a:prstTxWarp prst="textNoShape">
               <a:avLst/>
             </a:prstTxWarp>
           </a:bodyPr>
           <a:lstStyle>
-            <a:lvl1pPr algn="r" defTabSz="931863">
-              <a:defRPr sz="1200"/>
+            <a:lvl1pPr algn="r" defTabSz="924380">
+              <a:defRPr sz="1100"/>
             </a:lvl1pPr>
           </a:lstStyle>
           <a:p>
@@ -3503,122 +3502,6 @@
       </p:grpSpPr>
       <p:sp>
         <p:nvSpPr>
-          <p:cNvPr id="70658" name="Slide Image Placeholder 1"/>
-          <p:cNvSpPr>
-            <a:spLocks noGrp="1" noRot="1" noChangeAspect="1" noTextEdit="1"/>
-          </p:cNvSpPr>
-          <p:nvPr>
-            <p:ph type="sldImg"/>
-          </p:nvPr>
-        </p:nvSpPr>
-        <p:spPr>
-          <a:ln/>
-        </p:spPr>
-      </p:sp>
-      <p:sp>
-        <p:nvSpPr>
-          <p:cNvPr id="70659" name="Notes Placeholder 2"/>
-          <p:cNvSpPr>
-            <a:spLocks noGrp="1"/>
-          </p:cNvSpPr>
-          <p:nvPr>
-            <p:ph type="body" idx="1"/>
-          </p:nvPr>
-        </p:nvSpPr>
-        <p:spPr>
-          <a:noFill/>
-          <a:ln/>
-        </p:spPr>
-        <p:txBody>
-          <a:bodyPr/>
-          <a:lstStyle/>
-          <a:p>
-            <a:endParaRPr lang="en-US"/>
-          </a:p>
-        </p:txBody>
-      </p:sp>
-      <p:sp>
-        <p:nvSpPr>
-          <p:cNvPr id="70660" name="Header Placeholder 3"/>
-          <p:cNvSpPr>
-            <a:spLocks noGrp="1"/>
-          </p:cNvSpPr>
-          <p:nvPr>
-            <p:ph type="hdr" sz="quarter"/>
-          </p:nvPr>
-        </p:nvSpPr>
-        <p:spPr>
-          <a:noFill/>
-        </p:spPr>
-        <p:txBody>
-          <a:bodyPr/>
-          <a:lstStyle/>
-          <a:p>
-            <a:r>
-              <a:rPr lang="en-US"/>
-              <a:t>Overview</a:t>
-            </a:r>
-          </a:p>
-        </p:txBody>
-      </p:sp>
-      <p:sp>
-        <p:nvSpPr>
-          <p:cNvPr id="70661" name="Slide Number Placeholder 4"/>
-          <p:cNvSpPr>
-            <a:spLocks noGrp="1"/>
-          </p:cNvSpPr>
-          <p:nvPr>
-            <p:ph type="sldNum" sz="quarter" idx="5"/>
-          </p:nvPr>
-        </p:nvSpPr>
-        <p:spPr>
-          <a:noFill/>
-        </p:spPr>
-        <p:txBody>
-          <a:bodyPr/>
-          <a:lstStyle/>
-          <a:p>
-            <a:fld id="{C18841B5-4CBF-465F-9059-0FA29D3D7607}" type="slidenum">
-              <a:rPr lang="en-US" smtClean="0"/>
-              <a:pPr/>
-              <a:t>31</a:t>
-            </a:fld>
-            <a:endParaRPr lang="en-US"/>
-          </a:p>
-        </p:txBody>
-      </p:sp>
-    </p:spTree>
-    <p:extLst>
-      <p:ext uri="{BB962C8B-B14F-4D97-AF65-F5344CB8AC3E}">
-        <p14:creationId xmlns:p14="http://schemas.microsoft.com/office/powerpoint/2010/main" val="2894514420"/>
-      </p:ext>
-    </p:extLst>
-  </p:cSld>
-  <p:clrMapOvr>
-    <a:masterClrMapping/>
-  </p:clrMapOvr>
-</p:notes>
-</file>
-
-<file path=ppt/notesSlides/notesSlide31.xml><?xml version="1.0" encoding="utf-8"?>
-<p:notes xmlns:a="http://schemas.openxmlformats.org/drawingml/2006/main" xmlns:r="http://schemas.openxmlformats.org/officeDocument/2006/relationships" xmlns:p="http://schemas.openxmlformats.org/presentationml/2006/main">
-  <p:cSld>
-    <p:spTree>
-      <p:nvGrpSpPr>
-        <p:cNvPr id="1" name=""/>
-        <p:cNvGrpSpPr/>
-        <p:nvPr/>
-      </p:nvGrpSpPr>
-      <p:grpSpPr>
-        <a:xfrm>
-          <a:off x="0" y="0"/>
-          <a:ext cx="0" cy="0"/>
-          <a:chOff x="0" y="0"/>
-          <a:chExt cx="0" cy="0"/>
-        </a:xfrm>
-      </p:grpSpPr>
-      <p:sp>
-        <p:nvSpPr>
           <p:cNvPr id="71682" name="Slide Image Placeholder 1"/>
           <p:cNvSpPr>
             <a:spLocks noGrp="1" noRot="1" noChangeAspect="1" noTextEdit="1"/>
@@ -3697,7 +3580,7 @@
             <a:fld id="{354A762B-23FC-4D9C-9319-E32DE86B7413}" type="slidenum">
               <a:rPr lang="en-US" smtClean="0"/>
               <a:pPr/>
-              <a:t>32</a:t>
+              <a:t>31</a:t>
             </a:fld>
             <a:endParaRPr lang="en-US"/>
           </a:p>
@@ -3716,7 +3599,7 @@
 </p:notes>
 </file>
 
-<file path=ppt/notesSlides/notesSlide32.xml><?xml version="1.0" encoding="utf-8"?>
+<file path=ppt/notesSlides/notesSlide31.xml><?xml version="1.0" encoding="utf-8"?>
 <p:notes xmlns:a="http://schemas.openxmlformats.org/drawingml/2006/main" xmlns:r="http://schemas.openxmlformats.org/officeDocument/2006/relationships" xmlns:p="http://schemas.openxmlformats.org/presentationml/2006/main">
   <p:cSld>
     <p:spTree>
@@ -3813,7 +3696,7 @@
             <a:fld id="{09D79773-CB6F-4D89-AF3C-07F6CE881356}" type="slidenum">
               <a:rPr lang="en-US" smtClean="0"/>
               <a:pPr/>
-              <a:t>33</a:t>
+              <a:t>32</a:t>
             </a:fld>
             <a:endParaRPr lang="en-US"/>
           </a:p>
@@ -3832,7 +3715,7 @@
 </p:notes>
 </file>
 
-<file path=ppt/notesSlides/notesSlide33.xml><?xml version="1.0" encoding="utf-8"?>
+<file path=ppt/notesSlides/notesSlide32.xml><?xml version="1.0" encoding="utf-8"?>
 <p:notes xmlns:a="http://schemas.openxmlformats.org/drawingml/2006/main" xmlns:r="http://schemas.openxmlformats.org/officeDocument/2006/relationships" xmlns:p="http://schemas.openxmlformats.org/presentationml/2006/main">
   <p:cSld>
     <p:spTree>
@@ -3929,7 +3812,7 @@
             <a:fld id="{1F1285EA-4A9D-4B15-B096-1494399431D9}" type="slidenum">
               <a:rPr lang="en-US" smtClean="0"/>
               <a:pPr/>
-              <a:t>34</a:t>
+              <a:t>33</a:t>
             </a:fld>
             <a:endParaRPr lang="en-US"/>
           </a:p>
@@ -3948,7 +3831,7 @@
 </p:notes>
 </file>
 
-<file path=ppt/notesSlides/notesSlide34.xml><?xml version="1.0" encoding="utf-8"?>
+<file path=ppt/notesSlides/notesSlide33.xml><?xml version="1.0" encoding="utf-8"?>
 <p:notes xmlns:a="http://schemas.openxmlformats.org/drawingml/2006/main" xmlns:r="http://schemas.openxmlformats.org/officeDocument/2006/relationships" xmlns:p="http://schemas.openxmlformats.org/presentationml/2006/main">
   <p:cSld>
     <p:spTree>
@@ -4045,7 +3928,7 @@
             <a:fld id="{F0F645E5-B9F7-4648-B3AC-98A592BFCAD0}" type="slidenum">
               <a:rPr lang="en-US" smtClean="0"/>
               <a:pPr/>
-              <a:t>35</a:t>
+              <a:t>34</a:t>
             </a:fld>
             <a:endParaRPr lang="en-US"/>
           </a:p>
@@ -4064,7 +3947,7 @@
 </p:notes>
 </file>
 
-<file path=ppt/notesSlides/notesSlide35.xml><?xml version="1.0" encoding="utf-8"?>
+<file path=ppt/notesSlides/notesSlide34.xml><?xml version="1.0" encoding="utf-8"?>
 <p:notes xmlns:a="http://schemas.openxmlformats.org/drawingml/2006/main" xmlns:r="http://schemas.openxmlformats.org/officeDocument/2006/relationships" xmlns:p="http://schemas.openxmlformats.org/presentationml/2006/main">
   <p:cSld>
     <p:spTree>
@@ -4161,7 +4044,7 @@
             <a:fld id="{40F15E97-BBB5-46F5-8553-0D64B963256E}" type="slidenum">
               <a:rPr lang="en-US" smtClean="0"/>
               <a:pPr/>
-              <a:t>36</a:t>
+              <a:t>35</a:t>
             </a:fld>
             <a:endParaRPr lang="en-US"/>
           </a:p>
@@ -4171,6 +4054,122 @@
     <p:extLst>
       <p:ext uri="{BB962C8B-B14F-4D97-AF65-F5344CB8AC3E}">
         <p14:creationId xmlns:p14="http://schemas.microsoft.com/office/powerpoint/2010/main" val="3194553735"/>
+      </p:ext>
+    </p:extLst>
+  </p:cSld>
+  <p:clrMapOvr>
+    <a:masterClrMapping/>
+  </p:clrMapOvr>
+</p:notes>
+</file>
+
+<file path=ppt/notesSlides/notesSlide35.xml><?xml version="1.0" encoding="utf-8"?>
+<p:notes xmlns:a="http://schemas.openxmlformats.org/drawingml/2006/main" xmlns:r="http://schemas.openxmlformats.org/officeDocument/2006/relationships" xmlns:p="http://schemas.openxmlformats.org/presentationml/2006/main">
+  <p:cSld>
+    <p:spTree>
+      <p:nvGrpSpPr>
+        <p:cNvPr id="1" name=""/>
+        <p:cNvGrpSpPr/>
+        <p:nvPr/>
+      </p:nvGrpSpPr>
+      <p:grpSpPr>
+        <a:xfrm>
+          <a:off x="0" y="0"/>
+          <a:ext cx="0" cy="0"/>
+          <a:chOff x="0" y="0"/>
+          <a:chExt cx="0" cy="0"/>
+        </a:xfrm>
+      </p:grpSpPr>
+      <p:sp>
+        <p:nvSpPr>
+          <p:cNvPr id="76802" name="Slide Image Placeholder 1"/>
+          <p:cNvSpPr>
+            <a:spLocks noGrp="1" noRot="1" noChangeAspect="1" noTextEdit="1"/>
+          </p:cNvSpPr>
+          <p:nvPr>
+            <p:ph type="sldImg"/>
+          </p:nvPr>
+        </p:nvSpPr>
+        <p:spPr>
+          <a:ln/>
+        </p:spPr>
+      </p:sp>
+      <p:sp>
+        <p:nvSpPr>
+          <p:cNvPr id="76803" name="Notes Placeholder 2"/>
+          <p:cNvSpPr>
+            <a:spLocks noGrp="1"/>
+          </p:cNvSpPr>
+          <p:nvPr>
+            <p:ph type="body" idx="1"/>
+          </p:nvPr>
+        </p:nvSpPr>
+        <p:spPr>
+          <a:noFill/>
+          <a:ln/>
+        </p:spPr>
+        <p:txBody>
+          <a:bodyPr/>
+          <a:lstStyle/>
+          <a:p>
+            <a:endParaRPr lang="en-US"/>
+          </a:p>
+        </p:txBody>
+      </p:sp>
+      <p:sp>
+        <p:nvSpPr>
+          <p:cNvPr id="76804" name="Header Placeholder 3"/>
+          <p:cNvSpPr>
+            <a:spLocks noGrp="1"/>
+          </p:cNvSpPr>
+          <p:nvPr>
+            <p:ph type="hdr" sz="quarter"/>
+          </p:nvPr>
+        </p:nvSpPr>
+        <p:spPr>
+          <a:noFill/>
+        </p:spPr>
+        <p:txBody>
+          <a:bodyPr/>
+          <a:lstStyle/>
+          <a:p>
+            <a:r>
+              <a:rPr lang="en-US"/>
+              <a:t>Overview</a:t>
+            </a:r>
+          </a:p>
+        </p:txBody>
+      </p:sp>
+      <p:sp>
+        <p:nvSpPr>
+          <p:cNvPr id="76805" name="Slide Number Placeholder 4"/>
+          <p:cNvSpPr>
+            <a:spLocks noGrp="1"/>
+          </p:cNvSpPr>
+          <p:nvPr>
+            <p:ph type="sldNum" sz="quarter" idx="5"/>
+          </p:nvPr>
+        </p:nvSpPr>
+        <p:spPr>
+          <a:noFill/>
+        </p:spPr>
+        <p:txBody>
+          <a:bodyPr/>
+          <a:lstStyle/>
+          <a:p>
+            <a:fld id="{1CD4857E-C895-4437-BF03-1B106071D256}" type="slidenum">
+              <a:rPr lang="en-US" smtClean="0"/>
+              <a:pPr/>
+              <a:t>36</a:t>
+            </a:fld>
+            <a:endParaRPr lang="en-US"/>
+          </a:p>
+        </p:txBody>
+      </p:sp>
+    </p:spTree>
+    <p:extLst>
+      <p:ext uri="{BB962C8B-B14F-4D97-AF65-F5344CB8AC3E}">
+        <p14:creationId xmlns:p14="http://schemas.microsoft.com/office/powerpoint/2010/main" val="2095944674"/>
       </p:ext>
     </p:extLst>
   </p:cSld>
@@ -4286,7 +4285,7 @@
     </p:spTree>
     <p:extLst>
       <p:ext uri="{BB962C8B-B14F-4D97-AF65-F5344CB8AC3E}">
-        <p14:creationId xmlns:p14="http://schemas.microsoft.com/office/powerpoint/2010/main" val="2095944674"/>
+        <p14:creationId xmlns:p14="http://schemas.microsoft.com/office/powerpoint/2010/main" val="1958639721"/>
       </p:ext>
     </p:extLst>
   </p:cSld>
@@ -4297,122 +4296,6 @@
 </file>
 
 <file path=ppt/notesSlides/notesSlide37.xml><?xml version="1.0" encoding="utf-8"?>
-<p:notes xmlns:a="http://schemas.openxmlformats.org/drawingml/2006/main" xmlns:r="http://schemas.openxmlformats.org/officeDocument/2006/relationships" xmlns:p="http://schemas.openxmlformats.org/presentationml/2006/main">
-  <p:cSld>
-    <p:spTree>
-      <p:nvGrpSpPr>
-        <p:cNvPr id="1" name=""/>
-        <p:cNvGrpSpPr/>
-        <p:nvPr/>
-      </p:nvGrpSpPr>
-      <p:grpSpPr>
-        <a:xfrm>
-          <a:off x="0" y="0"/>
-          <a:ext cx="0" cy="0"/>
-          <a:chOff x="0" y="0"/>
-          <a:chExt cx="0" cy="0"/>
-        </a:xfrm>
-      </p:grpSpPr>
-      <p:sp>
-        <p:nvSpPr>
-          <p:cNvPr id="76802" name="Slide Image Placeholder 1"/>
-          <p:cNvSpPr>
-            <a:spLocks noGrp="1" noRot="1" noChangeAspect="1" noTextEdit="1"/>
-          </p:cNvSpPr>
-          <p:nvPr>
-            <p:ph type="sldImg"/>
-          </p:nvPr>
-        </p:nvSpPr>
-        <p:spPr>
-          <a:ln/>
-        </p:spPr>
-      </p:sp>
-      <p:sp>
-        <p:nvSpPr>
-          <p:cNvPr id="76803" name="Notes Placeholder 2"/>
-          <p:cNvSpPr>
-            <a:spLocks noGrp="1"/>
-          </p:cNvSpPr>
-          <p:nvPr>
-            <p:ph type="body" idx="1"/>
-          </p:nvPr>
-        </p:nvSpPr>
-        <p:spPr>
-          <a:noFill/>
-          <a:ln/>
-        </p:spPr>
-        <p:txBody>
-          <a:bodyPr/>
-          <a:lstStyle/>
-          <a:p>
-            <a:endParaRPr lang="en-US"/>
-          </a:p>
-        </p:txBody>
-      </p:sp>
-      <p:sp>
-        <p:nvSpPr>
-          <p:cNvPr id="76804" name="Header Placeholder 3"/>
-          <p:cNvSpPr>
-            <a:spLocks noGrp="1"/>
-          </p:cNvSpPr>
-          <p:nvPr>
-            <p:ph type="hdr" sz="quarter"/>
-          </p:nvPr>
-        </p:nvSpPr>
-        <p:spPr>
-          <a:noFill/>
-        </p:spPr>
-        <p:txBody>
-          <a:bodyPr/>
-          <a:lstStyle/>
-          <a:p>
-            <a:r>
-              <a:rPr lang="en-US"/>
-              <a:t>Overview</a:t>
-            </a:r>
-          </a:p>
-        </p:txBody>
-      </p:sp>
-      <p:sp>
-        <p:nvSpPr>
-          <p:cNvPr id="76805" name="Slide Number Placeholder 4"/>
-          <p:cNvSpPr>
-            <a:spLocks noGrp="1"/>
-          </p:cNvSpPr>
-          <p:nvPr>
-            <p:ph type="sldNum" sz="quarter" idx="5"/>
-          </p:nvPr>
-        </p:nvSpPr>
-        <p:spPr>
-          <a:noFill/>
-        </p:spPr>
-        <p:txBody>
-          <a:bodyPr/>
-          <a:lstStyle/>
-          <a:p>
-            <a:fld id="{1CD4857E-C895-4437-BF03-1B106071D256}" type="slidenum">
-              <a:rPr lang="en-US" smtClean="0"/>
-              <a:pPr/>
-              <a:t>38</a:t>
-            </a:fld>
-            <a:endParaRPr lang="en-US"/>
-          </a:p>
-        </p:txBody>
-      </p:sp>
-    </p:spTree>
-    <p:extLst>
-      <p:ext uri="{BB962C8B-B14F-4D97-AF65-F5344CB8AC3E}">
-        <p14:creationId xmlns:p14="http://schemas.microsoft.com/office/powerpoint/2010/main" val="1958639721"/>
-      </p:ext>
-    </p:extLst>
-  </p:cSld>
-  <p:clrMapOvr>
-    <a:masterClrMapping/>
-  </p:clrMapOvr>
-</p:notes>
-</file>
-
-<file path=ppt/notesSlides/notesSlide38.xml><?xml version="1.0" encoding="utf-8"?>
 <p:notes xmlns:a="http://schemas.openxmlformats.org/drawingml/2006/main" xmlns:r="http://schemas.openxmlformats.org/officeDocument/2006/relationships" xmlns:p="http://schemas.openxmlformats.org/presentationml/2006/main">
   <p:cSld>
     <p:spTree>
@@ -4509,7 +4392,7 @@
             <a:fld id="{891F7CF7-5ECF-4AF8-8F03-7616AB30EBD0}" type="slidenum">
               <a:rPr lang="en-US" smtClean="0"/>
               <a:pPr/>
-              <a:t>39</a:t>
+              <a:t>38</a:t>
             </a:fld>
             <a:endParaRPr lang="en-US"/>
           </a:p>
@@ -4528,7 +4411,7 @@
 </p:notes>
 </file>
 
-<file path=ppt/notesSlides/notesSlide39.xml><?xml version="1.0" encoding="utf-8"?>
+<file path=ppt/notesSlides/notesSlide38.xml><?xml version="1.0" encoding="utf-8"?>
 <p:notes xmlns:a="http://schemas.openxmlformats.org/drawingml/2006/main" xmlns:r="http://schemas.openxmlformats.org/officeDocument/2006/relationships" xmlns:p="http://schemas.openxmlformats.org/presentationml/2006/main">
   <p:cSld>
     <p:spTree>
@@ -4625,7 +4508,7 @@
             <a:fld id="{9B0ACD02-6F40-4E73-B8A6-AB01A613B27D}" type="slidenum">
               <a:rPr lang="en-US" smtClean="0"/>
               <a:pPr/>
-              <a:t>40</a:t>
+              <a:t>39</a:t>
             </a:fld>
             <a:endParaRPr lang="en-US"/>
           </a:p>
@@ -25881,7 +25764,7 @@
         </p:nvGrpSpPr>
         <p:grpSpPr>
           <a:xfrm>
-            <a:off x="1474209" y="3200400"/>
+            <a:off x="1584621" y="3048000"/>
             <a:ext cx="5974758" cy="2305752"/>
             <a:chOff x="1474209" y="3200400"/>
             <a:chExt cx="5974758" cy="2305752"/>
@@ -27871,17 +27754,7 @@
           <a:p>
             <a:r>
               <a:rPr lang="en-US" dirty="0"/>
-              <a:t>Write another compiler for C#/</a:t>
-            </a:r>
-            <a:r>
-              <a:rPr lang="en-US" dirty="0">
-                <a:latin typeface="Consolas" panose="020B0609020204030204" pitchFamily="49" charset="0"/>
-              </a:rPr>
-              <a:t>0</a:t>
-            </a:r>
-            <a:r>
-              <a:rPr lang="en-US" dirty="0"/>
-              <a:t> in the language C#/</a:t>
+              <a:t>Write the full compiler for C# in C#/</a:t>
             </a:r>
             <a:r>
               <a:rPr lang="en-US" dirty="0">
@@ -27897,14 +27770,7 @@
           <a:p>
             <a:r>
               <a:rPr lang="en-US" dirty="0"/>
-              <a:t>Compile it using the compiler obtained from step 1.</a:t>
-            </a:r>
-            <a:br>
-              <a:rPr lang="en-US" dirty="0"/>
-            </a:br>
-            <a:r>
-              <a:rPr lang="en-US" dirty="0"/>
-              <a:t>(At this point we no longer need the C compiler.)</a:t>
+              <a:t>Compile it using the compiler obtained from step 1</a:t>
             </a:r>
           </a:p>
         </p:txBody>
@@ -27917,7 +27783,7 @@
         </p:nvGrpSpPr>
         <p:grpSpPr>
           <a:xfrm>
-            <a:off x="1474209" y="3067050"/>
+            <a:off x="1584621" y="2667000"/>
             <a:ext cx="5974758" cy="2705405"/>
             <a:chOff x="1474209" y="3067050"/>
             <a:chExt cx="5974758" cy="2705405"/>
@@ -28281,8 +28147,8 @@
             </p:nvSpPr>
             <p:spPr bwMode="auto">
               <a:xfrm>
-                <a:off x="755" y="2557"/>
-                <a:ext cx="659" cy="204"/>
+                <a:off x="805" y="2557"/>
+                <a:ext cx="559" cy="204"/>
               </a:xfrm>
               <a:prstGeom prst="rect">
                 <a:avLst/>
@@ -28303,17 +28169,7 @@
               <a:p>
                 <a:r>
                   <a:rPr lang="en-US" sz="1500" dirty="0"/>
-                  <a:t>C#/</a:t>
-                </a:r>
-                <a:r>
-                  <a:rPr lang="en-US" sz="1500" dirty="0">
-                    <a:latin typeface="Consolas" panose="020B0609020204030204" pitchFamily="49" charset="0"/>
-                  </a:rPr>
-                  <a:t>0</a:t>
-                </a:r>
-                <a:r>
-                  <a:rPr lang="en-US" sz="1500" dirty="0"/>
-                  <a:t> </a:t>
+                  <a:t>C# </a:t>
                 </a:r>
                 <a:r>
                   <a:rPr lang="en-US" sz="1500" dirty="0">
@@ -29073,8 +28929,8 @@
             </p:nvSpPr>
             <p:spPr bwMode="auto">
               <a:xfrm>
-                <a:off x="755" y="2557"/>
-                <a:ext cx="659" cy="204"/>
+                <a:off x="805" y="2557"/>
+                <a:ext cx="559" cy="204"/>
               </a:xfrm>
               <a:prstGeom prst="rect">
                 <a:avLst/>
@@ -29095,17 +28951,7 @@
               <a:p>
                 <a:r>
                   <a:rPr lang="en-US" sz="1500" dirty="0"/>
-                  <a:t>C#/</a:t>
-                </a:r>
-                <a:r>
-                  <a:rPr lang="en-US" sz="1500" dirty="0">
-                    <a:latin typeface="Consolas" panose="020B0609020204030204" pitchFamily="49" charset="0"/>
-                  </a:rPr>
-                  <a:t>0</a:t>
-                </a:r>
-                <a:r>
-                  <a:rPr lang="en-US" sz="1500" dirty="0"/>
-                  <a:t> </a:t>
+                  <a:t>C# </a:t>
                 </a:r>
                 <a:r>
                   <a:rPr lang="en-US" sz="1500" dirty="0">
@@ -29487,1688 +29333,6 @@
       </p:grpSpPr>
       <p:sp>
         <p:nvSpPr>
-          <p:cNvPr id="31746" name="Footer Placeholder 3"/>
-          <p:cNvSpPr>
-            <a:spLocks noGrp="1"/>
-          </p:cNvSpPr>
-          <p:nvPr>
-            <p:ph type="ftr" sz="quarter" idx="10"/>
-          </p:nvPr>
-        </p:nvSpPr>
-        <p:spPr>
-          <a:noFill/>
-        </p:spPr>
-        <p:txBody>
-          <a:bodyPr/>
-          <a:lstStyle/>
-          <a:p>
-            <a:r>
-              <a:rPr lang="en-US"/>
-              <a:t>©SoftMoore Consulting</a:t>
-            </a:r>
-          </a:p>
-        </p:txBody>
-      </p:sp>
-      <p:sp>
-        <p:nvSpPr>
-          <p:cNvPr id="31747" name="Slide Number Placeholder 4"/>
-          <p:cNvSpPr>
-            <a:spLocks noGrp="1"/>
-          </p:cNvSpPr>
-          <p:nvPr>
-            <p:ph type="sldNum" sz="quarter" idx="11"/>
-          </p:nvPr>
-        </p:nvSpPr>
-        <p:spPr>
-          <a:noFill/>
-        </p:spPr>
-        <p:txBody>
-          <a:bodyPr/>
-          <a:lstStyle/>
-          <a:p>
-            <a:r>
-              <a:rPr lang="en-US"/>
-              <a:t>Slide </a:t>
-            </a:r>
-            <a:fld id="{682BC4F9-C1FD-4BB9-9A3B-8B2B231F18EC}" type="slidenum">
-              <a:rPr lang="en-US" smtClean="0"/>
-              <a:pPr/>
-              <a:t>31</a:t>
-            </a:fld>
-            <a:endParaRPr lang="en-US"/>
-          </a:p>
-        </p:txBody>
-      </p:sp>
-      <p:sp>
-        <p:nvSpPr>
-          <p:cNvPr id="31748" name="Rectangle 2"/>
-          <p:cNvSpPr>
-            <a:spLocks noGrp="1" noChangeArrowheads="1"/>
-          </p:cNvSpPr>
-          <p:nvPr>
-            <p:ph type="title"/>
-          </p:nvPr>
-        </p:nvSpPr>
-        <p:spPr/>
-        <p:txBody>
-          <a:bodyPr/>
-          <a:lstStyle/>
-          <a:p>
-            <a:r>
-              <a:rPr lang="en-US" dirty="0"/>
-              <a:t>Bootstrapping a Compiler: Step 3</a:t>
-            </a:r>
-          </a:p>
-        </p:txBody>
-      </p:sp>
-      <p:sp>
-        <p:nvSpPr>
-          <p:cNvPr id="31749" name="Rectangle 3"/>
-          <p:cNvSpPr>
-            <a:spLocks noGrp="1" noChangeArrowheads="1"/>
-          </p:cNvSpPr>
-          <p:nvPr>
-            <p:ph type="body" idx="1"/>
-          </p:nvPr>
-        </p:nvSpPr>
-        <p:spPr/>
-        <p:txBody>
-          <a:bodyPr/>
-          <a:lstStyle/>
-          <a:p>
-            <a:r>
-              <a:rPr lang="en-US" dirty="0"/>
-              <a:t>Write the full compiler for C# in C#/</a:t>
-            </a:r>
-            <a:r>
-              <a:rPr lang="en-US" dirty="0">
-                <a:latin typeface="Consolas" panose="020B0609020204030204" pitchFamily="49" charset="0"/>
-              </a:rPr>
-              <a:t>0</a:t>
-            </a:r>
-            <a:r>
-              <a:rPr lang="en-US" dirty="0"/>
-              <a:t>.</a:t>
-            </a:r>
-          </a:p>
-          <a:p>
-            <a:r>
-              <a:rPr lang="en-US" dirty="0"/>
-              <a:t>Compile it using the compiler obtained from step 2.</a:t>
-            </a:r>
-          </a:p>
-        </p:txBody>
-      </p:sp>
-      <p:grpSp>
-        <p:nvGrpSpPr>
-          <p:cNvPr id="4" name="Group 3">
-            <a:extLst>
-              <a:ext uri="{FF2B5EF4-FFF2-40B4-BE49-F238E27FC236}">
-                <a16:creationId xmlns:a16="http://schemas.microsoft.com/office/drawing/2014/main" id="{FC27BC0C-657B-4E67-9E54-AC081B981532}"/>
-              </a:ext>
-            </a:extLst>
-          </p:cNvPr>
-          <p:cNvGrpSpPr/>
-          <p:nvPr/>
-        </p:nvGrpSpPr>
-        <p:grpSpPr>
-          <a:xfrm>
-            <a:off x="1584621" y="2743200"/>
-            <a:ext cx="5974758" cy="2616505"/>
-            <a:chOff x="1474209" y="2971800"/>
-            <a:chExt cx="5974758" cy="2616505"/>
-          </a:xfrm>
-        </p:grpSpPr>
-        <p:grpSp>
-          <p:nvGrpSpPr>
-            <p:cNvPr id="31750" name="Group 4"/>
-            <p:cNvGrpSpPr>
-              <a:grpSpLocks/>
-            </p:cNvGrpSpPr>
-            <p:nvPr/>
-          </p:nvGrpSpPr>
-          <p:grpSpPr bwMode="auto">
-            <a:xfrm>
-              <a:off x="2667000" y="2971800"/>
-              <a:ext cx="1462088" cy="730250"/>
-              <a:chOff x="624" y="2544"/>
-              <a:chExt cx="921" cy="460"/>
-            </a:xfrm>
-          </p:grpSpPr>
-          <p:grpSp>
-            <p:nvGrpSpPr>
-              <p:cNvPr id="31784" name="Group 5"/>
-              <p:cNvGrpSpPr>
-                <a:grpSpLocks/>
-              </p:cNvGrpSpPr>
-              <p:nvPr/>
-            </p:nvGrpSpPr>
-            <p:grpSpPr bwMode="auto">
-              <a:xfrm>
-                <a:off x="624" y="2544"/>
-                <a:ext cx="921" cy="460"/>
-                <a:chOff x="624" y="2544"/>
-                <a:chExt cx="921" cy="460"/>
-              </a:xfrm>
-            </p:grpSpPr>
-            <p:sp>
-              <p:nvSpPr>
-                <p:cNvPr id="31787" name="Line 6"/>
-                <p:cNvSpPr>
-                  <a:spLocks noChangeShapeType="1"/>
-                </p:cNvSpPr>
-                <p:nvPr/>
-              </p:nvSpPr>
-              <p:spPr bwMode="auto">
-                <a:xfrm>
-                  <a:off x="624" y="2544"/>
-                  <a:ext cx="921" cy="0"/>
-                </a:xfrm>
-                <a:prstGeom prst="line">
-                  <a:avLst/>
-                </a:prstGeom>
-                <a:noFill/>
-                <a:ln w="9525">
-                  <a:solidFill>
-                    <a:schemeClr val="tx1"/>
-                  </a:solidFill>
-                  <a:round/>
-                  <a:headEnd/>
-                  <a:tailEnd/>
-                </a:ln>
-              </p:spPr>
-              <p:txBody>
-                <a:bodyPr wrap="none" lIns="92075" tIns="46038" rIns="92075" bIns="46038" anchor="ctr"/>
-                <a:lstStyle/>
-                <a:p>
-                  <a:endParaRPr lang="en-US"/>
-                </a:p>
-              </p:txBody>
-            </p:sp>
-            <p:sp>
-              <p:nvSpPr>
-                <p:cNvPr id="31788" name="Line 7"/>
-                <p:cNvSpPr>
-                  <a:spLocks noChangeShapeType="1"/>
-                </p:cNvSpPr>
-                <p:nvPr/>
-              </p:nvSpPr>
-              <p:spPr bwMode="auto">
-                <a:xfrm>
-                  <a:off x="797" y="3004"/>
-                  <a:ext cx="576" cy="0"/>
-                </a:xfrm>
-                <a:prstGeom prst="line">
-                  <a:avLst/>
-                </a:prstGeom>
-                <a:noFill/>
-                <a:ln w="9525">
-                  <a:solidFill>
-                    <a:schemeClr val="tx1"/>
-                  </a:solidFill>
-                  <a:round/>
-                  <a:headEnd/>
-                  <a:tailEnd/>
-                </a:ln>
-              </p:spPr>
-              <p:txBody>
-                <a:bodyPr wrap="none" lIns="92075" tIns="46038" rIns="92075" bIns="46038" anchor="ctr"/>
-                <a:lstStyle/>
-                <a:p>
-                  <a:endParaRPr lang="en-US"/>
-                </a:p>
-              </p:txBody>
-            </p:sp>
-            <p:sp>
-              <p:nvSpPr>
-                <p:cNvPr id="31789" name="Line 8"/>
-                <p:cNvSpPr>
-                  <a:spLocks noChangeShapeType="1"/>
-                </p:cNvSpPr>
-                <p:nvPr/>
-              </p:nvSpPr>
-              <p:spPr bwMode="auto">
-                <a:xfrm>
-                  <a:off x="625" y="2544"/>
-                  <a:ext cx="0" cy="230"/>
-                </a:xfrm>
-                <a:prstGeom prst="line">
-                  <a:avLst/>
-                </a:prstGeom>
-                <a:noFill/>
-                <a:ln w="9525">
-                  <a:solidFill>
-                    <a:schemeClr val="tx1"/>
-                  </a:solidFill>
-                  <a:round/>
-                  <a:headEnd/>
-                  <a:tailEnd/>
-                </a:ln>
-              </p:spPr>
-              <p:txBody>
-                <a:bodyPr wrap="none" lIns="92075" tIns="46038" rIns="92075" bIns="46038" anchor="ctr"/>
-                <a:lstStyle/>
-                <a:p>
-                  <a:endParaRPr lang="en-US"/>
-                </a:p>
-              </p:txBody>
-            </p:sp>
-            <p:sp>
-              <p:nvSpPr>
-                <p:cNvPr id="31790" name="Line 9"/>
-                <p:cNvSpPr>
-                  <a:spLocks noChangeShapeType="1"/>
-                </p:cNvSpPr>
-                <p:nvPr/>
-              </p:nvSpPr>
-              <p:spPr bwMode="auto">
-                <a:xfrm>
-                  <a:off x="1545" y="2544"/>
-                  <a:ext cx="0" cy="230"/>
-                </a:xfrm>
-                <a:prstGeom prst="line">
-                  <a:avLst/>
-                </a:prstGeom>
-                <a:noFill/>
-                <a:ln w="9525">
-                  <a:solidFill>
-                    <a:schemeClr val="tx1"/>
-                  </a:solidFill>
-                  <a:round/>
-                  <a:headEnd/>
-                  <a:tailEnd/>
-                </a:ln>
-              </p:spPr>
-              <p:txBody>
-                <a:bodyPr wrap="none" lIns="92075" tIns="46038" rIns="92075" bIns="46038" anchor="ctr"/>
-                <a:lstStyle/>
-                <a:p>
-                  <a:endParaRPr lang="en-US"/>
-                </a:p>
-              </p:txBody>
-            </p:sp>
-            <p:sp>
-              <p:nvSpPr>
-                <p:cNvPr id="31791" name="Line 10"/>
-                <p:cNvSpPr>
-                  <a:spLocks noChangeShapeType="1"/>
-                </p:cNvSpPr>
-                <p:nvPr/>
-              </p:nvSpPr>
-              <p:spPr bwMode="auto">
-                <a:xfrm>
-                  <a:off x="797" y="2774"/>
-                  <a:ext cx="0" cy="230"/>
-                </a:xfrm>
-                <a:prstGeom prst="line">
-                  <a:avLst/>
-                </a:prstGeom>
-                <a:noFill/>
-                <a:ln w="9525">
-                  <a:solidFill>
-                    <a:schemeClr val="tx1"/>
-                  </a:solidFill>
-                  <a:round/>
-                  <a:headEnd/>
-                  <a:tailEnd/>
-                </a:ln>
-              </p:spPr>
-              <p:txBody>
-                <a:bodyPr wrap="none" lIns="92075" tIns="46038" rIns="92075" bIns="46038" anchor="ctr"/>
-                <a:lstStyle/>
-                <a:p>
-                  <a:endParaRPr lang="en-US"/>
-                </a:p>
-              </p:txBody>
-            </p:sp>
-            <p:sp>
-              <p:nvSpPr>
-                <p:cNvPr id="31792" name="Line 11"/>
-                <p:cNvSpPr>
-                  <a:spLocks noChangeShapeType="1"/>
-                </p:cNvSpPr>
-                <p:nvPr/>
-              </p:nvSpPr>
-              <p:spPr bwMode="auto">
-                <a:xfrm>
-                  <a:off x="1373" y="2774"/>
-                  <a:ext cx="0" cy="230"/>
-                </a:xfrm>
-                <a:prstGeom prst="line">
-                  <a:avLst/>
-                </a:prstGeom>
-                <a:noFill/>
-                <a:ln w="9525">
-                  <a:solidFill>
-                    <a:schemeClr val="tx1"/>
-                  </a:solidFill>
-                  <a:round/>
-                  <a:headEnd/>
-                  <a:tailEnd/>
-                </a:ln>
-              </p:spPr>
-              <p:txBody>
-                <a:bodyPr wrap="none" lIns="92075" tIns="46038" rIns="92075" bIns="46038" anchor="ctr"/>
-                <a:lstStyle/>
-                <a:p>
-                  <a:endParaRPr lang="en-US"/>
-                </a:p>
-              </p:txBody>
-            </p:sp>
-            <p:sp>
-              <p:nvSpPr>
-                <p:cNvPr id="31793" name="Line 12"/>
-                <p:cNvSpPr>
-                  <a:spLocks noChangeShapeType="1"/>
-                </p:cNvSpPr>
-                <p:nvPr/>
-              </p:nvSpPr>
-              <p:spPr bwMode="auto">
-                <a:xfrm>
-                  <a:off x="624" y="2774"/>
-                  <a:ext cx="173" cy="0"/>
-                </a:xfrm>
-                <a:prstGeom prst="line">
-                  <a:avLst/>
-                </a:prstGeom>
-                <a:noFill/>
-                <a:ln w="9525">
-                  <a:solidFill>
-                    <a:schemeClr val="tx1"/>
-                  </a:solidFill>
-                  <a:round/>
-                  <a:headEnd/>
-                  <a:tailEnd/>
-                </a:ln>
-              </p:spPr>
-              <p:txBody>
-                <a:bodyPr wrap="none" lIns="92075" tIns="46038" rIns="92075" bIns="46038" anchor="ctr"/>
-                <a:lstStyle/>
-                <a:p>
-                  <a:endParaRPr lang="en-US"/>
-                </a:p>
-              </p:txBody>
-            </p:sp>
-            <p:sp>
-              <p:nvSpPr>
-                <p:cNvPr id="31794" name="Line 13"/>
-                <p:cNvSpPr>
-                  <a:spLocks noChangeShapeType="1"/>
-                </p:cNvSpPr>
-                <p:nvPr/>
-              </p:nvSpPr>
-              <p:spPr bwMode="auto">
-                <a:xfrm>
-                  <a:off x="1372" y="2774"/>
-                  <a:ext cx="173" cy="0"/>
-                </a:xfrm>
-                <a:prstGeom prst="line">
-                  <a:avLst/>
-                </a:prstGeom>
-                <a:noFill/>
-                <a:ln w="9525">
-                  <a:solidFill>
-                    <a:schemeClr val="tx1"/>
-                  </a:solidFill>
-                  <a:round/>
-                  <a:headEnd/>
-                  <a:tailEnd/>
-                </a:ln>
-              </p:spPr>
-              <p:txBody>
-                <a:bodyPr wrap="none" lIns="92075" tIns="46038" rIns="92075" bIns="46038" anchor="ctr"/>
-                <a:lstStyle/>
-                <a:p>
-                  <a:endParaRPr lang="en-US"/>
-                </a:p>
-              </p:txBody>
-            </p:sp>
-          </p:grpSp>
-          <p:sp>
-            <p:nvSpPr>
-              <p:cNvPr id="31785" name="Text Box 14"/>
-              <p:cNvSpPr txBox="1">
-                <a:spLocks noChangeArrowheads="1"/>
-              </p:cNvSpPr>
-              <p:nvPr/>
-            </p:nvSpPr>
-            <p:spPr bwMode="auto">
-              <a:xfrm>
-                <a:off x="899" y="2784"/>
-                <a:ext cx="374" cy="204"/>
-              </a:xfrm>
-              <a:prstGeom prst="rect">
-                <a:avLst/>
-              </a:prstGeom>
-              <a:noFill/>
-              <a:ln w="9525">
-                <a:noFill/>
-                <a:miter lim="800000"/>
-                <a:headEnd/>
-                <a:tailEnd/>
-              </a:ln>
-            </p:spPr>
-            <p:txBody>
-              <a:bodyPr wrap="none" lIns="92075" tIns="46038" rIns="92075" bIns="46038">
-                <a:spAutoFit/>
-              </a:bodyPr>
-              <a:lstStyle/>
-              <a:p>
-                <a:r>
-                  <a:rPr lang="en-US" sz="1500" dirty="0"/>
-                  <a:t>C#/</a:t>
-                </a:r>
-                <a:r>
-                  <a:rPr lang="en-US" sz="1500" dirty="0">
-                    <a:latin typeface="Consolas" panose="020B0609020204030204" pitchFamily="49" charset="0"/>
-                  </a:rPr>
-                  <a:t>0</a:t>
-                </a:r>
-              </a:p>
-            </p:txBody>
-          </p:sp>
-          <p:sp>
-            <p:nvSpPr>
-              <p:cNvPr id="31786" name="Text Box 15"/>
-              <p:cNvSpPr txBox="1">
-                <a:spLocks noChangeArrowheads="1"/>
-              </p:cNvSpPr>
-              <p:nvPr/>
-            </p:nvSpPr>
-            <p:spPr bwMode="auto">
-              <a:xfrm>
-                <a:off x="807" y="2557"/>
-                <a:ext cx="554" cy="202"/>
-              </a:xfrm>
-              <a:prstGeom prst="rect">
-                <a:avLst/>
-              </a:prstGeom>
-              <a:noFill/>
-              <a:ln w="9525">
-                <a:noFill/>
-                <a:miter lim="800000"/>
-                <a:headEnd/>
-                <a:tailEnd/>
-              </a:ln>
-            </p:spPr>
-            <p:txBody>
-              <a:bodyPr wrap="none" lIns="92075" tIns="46038" rIns="92075" bIns="46038">
-                <a:spAutoFit/>
-              </a:bodyPr>
-              <a:lstStyle/>
-              <a:p>
-                <a:r>
-                  <a:rPr lang="en-US" sz="1500"/>
-                  <a:t>C# </a:t>
-                </a:r>
-                <a:r>
-                  <a:rPr lang="en-US" sz="1500">
-                    <a:sym typeface="Symbol" pitchFamily="18" charset="2"/>
-                  </a:rPr>
-                  <a:t> M</a:t>
-                </a:r>
-              </a:p>
-            </p:txBody>
-          </p:sp>
-        </p:grpSp>
-        <p:grpSp>
-          <p:nvGrpSpPr>
-            <p:cNvPr id="31751" name="Group 16"/>
-            <p:cNvGrpSpPr>
-              <a:grpSpLocks/>
-            </p:cNvGrpSpPr>
-            <p:nvPr/>
-          </p:nvGrpSpPr>
-          <p:grpSpPr bwMode="auto">
-            <a:xfrm>
-              <a:off x="3854450" y="3336925"/>
-              <a:ext cx="1462088" cy="730250"/>
-              <a:chOff x="624" y="2544"/>
-              <a:chExt cx="921" cy="460"/>
-            </a:xfrm>
-          </p:grpSpPr>
-          <p:grpSp>
-            <p:nvGrpSpPr>
-              <p:cNvPr id="31773" name="Group 17"/>
-              <p:cNvGrpSpPr>
-                <a:grpSpLocks/>
-              </p:cNvGrpSpPr>
-              <p:nvPr/>
-            </p:nvGrpSpPr>
-            <p:grpSpPr bwMode="auto">
-              <a:xfrm>
-                <a:off x="624" y="2544"/>
-                <a:ext cx="921" cy="460"/>
-                <a:chOff x="624" y="2544"/>
-                <a:chExt cx="921" cy="460"/>
-              </a:xfrm>
-            </p:grpSpPr>
-            <p:sp>
-              <p:nvSpPr>
-                <p:cNvPr id="31776" name="Line 18"/>
-                <p:cNvSpPr>
-                  <a:spLocks noChangeShapeType="1"/>
-                </p:cNvSpPr>
-                <p:nvPr/>
-              </p:nvSpPr>
-              <p:spPr bwMode="auto">
-                <a:xfrm>
-                  <a:off x="624" y="2544"/>
-                  <a:ext cx="921" cy="0"/>
-                </a:xfrm>
-                <a:prstGeom prst="line">
-                  <a:avLst/>
-                </a:prstGeom>
-                <a:noFill/>
-                <a:ln w="9525">
-                  <a:solidFill>
-                    <a:schemeClr val="tx1"/>
-                  </a:solidFill>
-                  <a:round/>
-                  <a:headEnd/>
-                  <a:tailEnd/>
-                </a:ln>
-              </p:spPr>
-              <p:txBody>
-                <a:bodyPr wrap="none" lIns="92075" tIns="46038" rIns="92075" bIns="46038" anchor="ctr"/>
-                <a:lstStyle/>
-                <a:p>
-                  <a:endParaRPr lang="en-US"/>
-                </a:p>
-              </p:txBody>
-            </p:sp>
-            <p:sp>
-              <p:nvSpPr>
-                <p:cNvPr id="31777" name="Line 19"/>
-                <p:cNvSpPr>
-                  <a:spLocks noChangeShapeType="1"/>
-                </p:cNvSpPr>
-                <p:nvPr/>
-              </p:nvSpPr>
-              <p:spPr bwMode="auto">
-                <a:xfrm>
-                  <a:off x="797" y="3004"/>
-                  <a:ext cx="576" cy="0"/>
-                </a:xfrm>
-                <a:prstGeom prst="line">
-                  <a:avLst/>
-                </a:prstGeom>
-                <a:noFill/>
-                <a:ln w="9525">
-                  <a:solidFill>
-                    <a:schemeClr val="tx1"/>
-                  </a:solidFill>
-                  <a:round/>
-                  <a:headEnd/>
-                  <a:tailEnd/>
-                </a:ln>
-              </p:spPr>
-              <p:txBody>
-                <a:bodyPr wrap="none" lIns="92075" tIns="46038" rIns="92075" bIns="46038" anchor="ctr"/>
-                <a:lstStyle/>
-                <a:p>
-                  <a:endParaRPr lang="en-US"/>
-                </a:p>
-              </p:txBody>
-            </p:sp>
-            <p:sp>
-              <p:nvSpPr>
-                <p:cNvPr id="31778" name="Line 20"/>
-                <p:cNvSpPr>
-                  <a:spLocks noChangeShapeType="1"/>
-                </p:cNvSpPr>
-                <p:nvPr/>
-              </p:nvSpPr>
-              <p:spPr bwMode="auto">
-                <a:xfrm>
-                  <a:off x="625" y="2544"/>
-                  <a:ext cx="0" cy="230"/>
-                </a:xfrm>
-                <a:prstGeom prst="line">
-                  <a:avLst/>
-                </a:prstGeom>
-                <a:noFill/>
-                <a:ln w="9525">
-                  <a:solidFill>
-                    <a:schemeClr val="tx1"/>
-                  </a:solidFill>
-                  <a:round/>
-                  <a:headEnd/>
-                  <a:tailEnd/>
-                </a:ln>
-              </p:spPr>
-              <p:txBody>
-                <a:bodyPr wrap="none" lIns="92075" tIns="46038" rIns="92075" bIns="46038" anchor="ctr"/>
-                <a:lstStyle/>
-                <a:p>
-                  <a:endParaRPr lang="en-US"/>
-                </a:p>
-              </p:txBody>
-            </p:sp>
-            <p:sp>
-              <p:nvSpPr>
-                <p:cNvPr id="31779" name="Line 21"/>
-                <p:cNvSpPr>
-                  <a:spLocks noChangeShapeType="1"/>
-                </p:cNvSpPr>
-                <p:nvPr/>
-              </p:nvSpPr>
-              <p:spPr bwMode="auto">
-                <a:xfrm>
-                  <a:off x="1545" y="2544"/>
-                  <a:ext cx="0" cy="230"/>
-                </a:xfrm>
-                <a:prstGeom prst="line">
-                  <a:avLst/>
-                </a:prstGeom>
-                <a:noFill/>
-                <a:ln w="9525">
-                  <a:solidFill>
-                    <a:schemeClr val="tx1"/>
-                  </a:solidFill>
-                  <a:round/>
-                  <a:headEnd/>
-                  <a:tailEnd/>
-                </a:ln>
-              </p:spPr>
-              <p:txBody>
-                <a:bodyPr wrap="none" lIns="92075" tIns="46038" rIns="92075" bIns="46038" anchor="ctr"/>
-                <a:lstStyle/>
-                <a:p>
-                  <a:endParaRPr lang="en-US"/>
-                </a:p>
-              </p:txBody>
-            </p:sp>
-            <p:sp>
-              <p:nvSpPr>
-                <p:cNvPr id="31780" name="Line 22"/>
-                <p:cNvSpPr>
-                  <a:spLocks noChangeShapeType="1"/>
-                </p:cNvSpPr>
-                <p:nvPr/>
-              </p:nvSpPr>
-              <p:spPr bwMode="auto">
-                <a:xfrm>
-                  <a:off x="797" y="2774"/>
-                  <a:ext cx="0" cy="230"/>
-                </a:xfrm>
-                <a:prstGeom prst="line">
-                  <a:avLst/>
-                </a:prstGeom>
-                <a:noFill/>
-                <a:ln w="9525">
-                  <a:solidFill>
-                    <a:schemeClr val="tx1"/>
-                  </a:solidFill>
-                  <a:round/>
-                  <a:headEnd/>
-                  <a:tailEnd/>
-                </a:ln>
-              </p:spPr>
-              <p:txBody>
-                <a:bodyPr wrap="none" lIns="92075" tIns="46038" rIns="92075" bIns="46038" anchor="ctr"/>
-                <a:lstStyle/>
-                <a:p>
-                  <a:endParaRPr lang="en-US"/>
-                </a:p>
-              </p:txBody>
-            </p:sp>
-            <p:sp>
-              <p:nvSpPr>
-                <p:cNvPr id="31781" name="Line 23"/>
-                <p:cNvSpPr>
-                  <a:spLocks noChangeShapeType="1"/>
-                </p:cNvSpPr>
-                <p:nvPr/>
-              </p:nvSpPr>
-              <p:spPr bwMode="auto">
-                <a:xfrm>
-                  <a:off x="1373" y="2774"/>
-                  <a:ext cx="0" cy="230"/>
-                </a:xfrm>
-                <a:prstGeom prst="line">
-                  <a:avLst/>
-                </a:prstGeom>
-                <a:noFill/>
-                <a:ln w="9525">
-                  <a:solidFill>
-                    <a:schemeClr val="tx1"/>
-                  </a:solidFill>
-                  <a:round/>
-                  <a:headEnd/>
-                  <a:tailEnd/>
-                </a:ln>
-              </p:spPr>
-              <p:txBody>
-                <a:bodyPr wrap="none" lIns="92075" tIns="46038" rIns="92075" bIns="46038" anchor="ctr"/>
-                <a:lstStyle/>
-                <a:p>
-                  <a:endParaRPr lang="en-US"/>
-                </a:p>
-              </p:txBody>
-            </p:sp>
-            <p:sp>
-              <p:nvSpPr>
-                <p:cNvPr id="31782" name="Line 24"/>
-                <p:cNvSpPr>
-                  <a:spLocks noChangeShapeType="1"/>
-                </p:cNvSpPr>
-                <p:nvPr/>
-              </p:nvSpPr>
-              <p:spPr bwMode="auto">
-                <a:xfrm>
-                  <a:off x="624" y="2774"/>
-                  <a:ext cx="173" cy="0"/>
-                </a:xfrm>
-                <a:prstGeom prst="line">
-                  <a:avLst/>
-                </a:prstGeom>
-                <a:noFill/>
-                <a:ln w="9525">
-                  <a:solidFill>
-                    <a:schemeClr val="tx1"/>
-                  </a:solidFill>
-                  <a:round/>
-                  <a:headEnd/>
-                  <a:tailEnd/>
-                </a:ln>
-              </p:spPr>
-              <p:txBody>
-                <a:bodyPr wrap="none" lIns="92075" tIns="46038" rIns="92075" bIns="46038" anchor="ctr"/>
-                <a:lstStyle/>
-                <a:p>
-                  <a:endParaRPr lang="en-US"/>
-                </a:p>
-              </p:txBody>
-            </p:sp>
-            <p:sp>
-              <p:nvSpPr>
-                <p:cNvPr id="31783" name="Line 25"/>
-                <p:cNvSpPr>
-                  <a:spLocks noChangeShapeType="1"/>
-                </p:cNvSpPr>
-                <p:nvPr/>
-              </p:nvSpPr>
-              <p:spPr bwMode="auto">
-                <a:xfrm>
-                  <a:off x="1372" y="2774"/>
-                  <a:ext cx="173" cy="0"/>
-                </a:xfrm>
-                <a:prstGeom prst="line">
-                  <a:avLst/>
-                </a:prstGeom>
-                <a:noFill/>
-                <a:ln w="9525">
-                  <a:solidFill>
-                    <a:schemeClr val="tx1"/>
-                  </a:solidFill>
-                  <a:round/>
-                  <a:headEnd/>
-                  <a:tailEnd/>
-                </a:ln>
-              </p:spPr>
-              <p:txBody>
-                <a:bodyPr wrap="none" lIns="92075" tIns="46038" rIns="92075" bIns="46038" anchor="ctr"/>
-                <a:lstStyle/>
-                <a:p>
-                  <a:endParaRPr lang="en-US"/>
-                </a:p>
-              </p:txBody>
-            </p:sp>
-          </p:grpSp>
-          <p:sp>
-            <p:nvSpPr>
-              <p:cNvPr id="31774" name="Text Box 26"/>
-              <p:cNvSpPr txBox="1">
-                <a:spLocks noChangeArrowheads="1"/>
-              </p:cNvSpPr>
-              <p:nvPr/>
-            </p:nvSpPr>
-            <p:spPr bwMode="auto">
-              <a:xfrm>
-                <a:off x="976" y="2784"/>
-                <a:ext cx="216" cy="202"/>
-              </a:xfrm>
-              <a:prstGeom prst="rect">
-                <a:avLst/>
-              </a:prstGeom>
-              <a:noFill/>
-              <a:ln w="9525">
-                <a:noFill/>
-                <a:miter lim="800000"/>
-                <a:headEnd/>
-                <a:tailEnd/>
-              </a:ln>
-            </p:spPr>
-            <p:txBody>
-              <a:bodyPr wrap="none" lIns="92075" tIns="46038" rIns="92075" bIns="46038">
-                <a:spAutoFit/>
-              </a:bodyPr>
-              <a:lstStyle/>
-              <a:p>
-                <a:r>
-                  <a:rPr lang="en-US" sz="1500"/>
-                  <a:t>M</a:t>
-                </a:r>
-              </a:p>
-            </p:txBody>
-          </p:sp>
-          <p:sp>
-            <p:nvSpPr>
-              <p:cNvPr id="31775" name="Text Box 27"/>
-              <p:cNvSpPr txBox="1">
-                <a:spLocks noChangeArrowheads="1"/>
-              </p:cNvSpPr>
-              <p:nvPr/>
-            </p:nvSpPr>
-            <p:spPr bwMode="auto">
-              <a:xfrm>
-                <a:off x="755" y="2557"/>
-                <a:ext cx="659" cy="204"/>
-              </a:xfrm>
-              <a:prstGeom prst="rect">
-                <a:avLst/>
-              </a:prstGeom>
-              <a:noFill/>
-              <a:ln w="9525">
-                <a:noFill/>
-                <a:miter lim="800000"/>
-                <a:headEnd/>
-                <a:tailEnd/>
-              </a:ln>
-            </p:spPr>
-            <p:txBody>
-              <a:bodyPr wrap="none" lIns="92075" tIns="46038" rIns="92075" bIns="46038">
-                <a:spAutoFit/>
-              </a:bodyPr>
-              <a:lstStyle/>
-              <a:p>
-                <a:r>
-                  <a:rPr lang="en-US" sz="1500" dirty="0"/>
-                  <a:t>C#/</a:t>
-                </a:r>
-                <a:r>
-                  <a:rPr lang="en-US" sz="1500" dirty="0">
-                    <a:latin typeface="Consolas" panose="020B0609020204030204" pitchFamily="49" charset="0"/>
-                  </a:rPr>
-                  <a:t>0</a:t>
-                </a:r>
-                <a:r>
-                  <a:rPr lang="en-US" sz="1500" dirty="0"/>
-                  <a:t> </a:t>
-                </a:r>
-                <a:r>
-                  <a:rPr lang="en-US" sz="1500" dirty="0">
-                    <a:sym typeface="Symbol" pitchFamily="18" charset="2"/>
-                  </a:rPr>
-                  <a:t> M</a:t>
-                </a:r>
-              </a:p>
-            </p:txBody>
-          </p:sp>
-        </p:grpSp>
-        <p:grpSp>
-          <p:nvGrpSpPr>
-            <p:cNvPr id="31752" name="Group 28"/>
-            <p:cNvGrpSpPr>
-              <a:grpSpLocks/>
-            </p:cNvGrpSpPr>
-            <p:nvPr/>
-          </p:nvGrpSpPr>
-          <p:grpSpPr bwMode="auto">
-            <a:xfrm>
-              <a:off x="5041900" y="2971800"/>
-              <a:ext cx="1462088" cy="730250"/>
-              <a:chOff x="624" y="2544"/>
-              <a:chExt cx="921" cy="460"/>
-            </a:xfrm>
-          </p:grpSpPr>
-          <p:grpSp>
-            <p:nvGrpSpPr>
-              <p:cNvPr id="31762" name="Group 29"/>
-              <p:cNvGrpSpPr>
-                <a:grpSpLocks/>
-              </p:cNvGrpSpPr>
-              <p:nvPr/>
-            </p:nvGrpSpPr>
-            <p:grpSpPr bwMode="auto">
-              <a:xfrm>
-                <a:off x="624" y="2544"/>
-                <a:ext cx="921" cy="460"/>
-                <a:chOff x="624" y="2544"/>
-                <a:chExt cx="921" cy="460"/>
-              </a:xfrm>
-            </p:grpSpPr>
-            <p:sp>
-              <p:nvSpPr>
-                <p:cNvPr id="31765" name="Line 30"/>
-                <p:cNvSpPr>
-                  <a:spLocks noChangeShapeType="1"/>
-                </p:cNvSpPr>
-                <p:nvPr/>
-              </p:nvSpPr>
-              <p:spPr bwMode="auto">
-                <a:xfrm>
-                  <a:off x="624" y="2544"/>
-                  <a:ext cx="921" cy="0"/>
-                </a:xfrm>
-                <a:prstGeom prst="line">
-                  <a:avLst/>
-                </a:prstGeom>
-                <a:noFill/>
-                <a:ln w="9525">
-                  <a:solidFill>
-                    <a:schemeClr val="tx1"/>
-                  </a:solidFill>
-                  <a:round/>
-                  <a:headEnd/>
-                  <a:tailEnd/>
-                </a:ln>
-              </p:spPr>
-              <p:txBody>
-                <a:bodyPr wrap="none" lIns="92075" tIns="46038" rIns="92075" bIns="46038" anchor="ctr"/>
-                <a:lstStyle/>
-                <a:p>
-                  <a:endParaRPr lang="en-US"/>
-                </a:p>
-              </p:txBody>
-            </p:sp>
-            <p:sp>
-              <p:nvSpPr>
-                <p:cNvPr id="31766" name="Line 31"/>
-                <p:cNvSpPr>
-                  <a:spLocks noChangeShapeType="1"/>
-                </p:cNvSpPr>
-                <p:nvPr/>
-              </p:nvSpPr>
-              <p:spPr bwMode="auto">
-                <a:xfrm>
-                  <a:off x="797" y="3004"/>
-                  <a:ext cx="576" cy="0"/>
-                </a:xfrm>
-                <a:prstGeom prst="line">
-                  <a:avLst/>
-                </a:prstGeom>
-                <a:noFill/>
-                <a:ln w="9525">
-                  <a:solidFill>
-                    <a:schemeClr val="tx1"/>
-                  </a:solidFill>
-                  <a:round/>
-                  <a:headEnd/>
-                  <a:tailEnd/>
-                </a:ln>
-              </p:spPr>
-              <p:txBody>
-                <a:bodyPr wrap="none" lIns="92075" tIns="46038" rIns="92075" bIns="46038" anchor="ctr"/>
-                <a:lstStyle/>
-                <a:p>
-                  <a:endParaRPr lang="en-US"/>
-                </a:p>
-              </p:txBody>
-            </p:sp>
-            <p:sp>
-              <p:nvSpPr>
-                <p:cNvPr id="31767" name="Line 32"/>
-                <p:cNvSpPr>
-                  <a:spLocks noChangeShapeType="1"/>
-                </p:cNvSpPr>
-                <p:nvPr/>
-              </p:nvSpPr>
-              <p:spPr bwMode="auto">
-                <a:xfrm>
-                  <a:off x="625" y="2544"/>
-                  <a:ext cx="0" cy="230"/>
-                </a:xfrm>
-                <a:prstGeom prst="line">
-                  <a:avLst/>
-                </a:prstGeom>
-                <a:noFill/>
-                <a:ln w="9525">
-                  <a:solidFill>
-                    <a:schemeClr val="tx1"/>
-                  </a:solidFill>
-                  <a:round/>
-                  <a:headEnd/>
-                  <a:tailEnd/>
-                </a:ln>
-              </p:spPr>
-              <p:txBody>
-                <a:bodyPr wrap="none" lIns="92075" tIns="46038" rIns="92075" bIns="46038" anchor="ctr"/>
-                <a:lstStyle/>
-                <a:p>
-                  <a:endParaRPr lang="en-US"/>
-                </a:p>
-              </p:txBody>
-            </p:sp>
-            <p:sp>
-              <p:nvSpPr>
-                <p:cNvPr id="31768" name="Line 33"/>
-                <p:cNvSpPr>
-                  <a:spLocks noChangeShapeType="1"/>
-                </p:cNvSpPr>
-                <p:nvPr/>
-              </p:nvSpPr>
-              <p:spPr bwMode="auto">
-                <a:xfrm>
-                  <a:off x="1545" y="2544"/>
-                  <a:ext cx="0" cy="230"/>
-                </a:xfrm>
-                <a:prstGeom prst="line">
-                  <a:avLst/>
-                </a:prstGeom>
-                <a:noFill/>
-                <a:ln w="9525">
-                  <a:solidFill>
-                    <a:schemeClr val="tx1"/>
-                  </a:solidFill>
-                  <a:round/>
-                  <a:headEnd/>
-                  <a:tailEnd/>
-                </a:ln>
-              </p:spPr>
-              <p:txBody>
-                <a:bodyPr wrap="none" lIns="92075" tIns="46038" rIns="92075" bIns="46038" anchor="ctr"/>
-                <a:lstStyle/>
-                <a:p>
-                  <a:endParaRPr lang="en-US"/>
-                </a:p>
-              </p:txBody>
-            </p:sp>
-            <p:sp>
-              <p:nvSpPr>
-                <p:cNvPr id="31769" name="Line 34"/>
-                <p:cNvSpPr>
-                  <a:spLocks noChangeShapeType="1"/>
-                </p:cNvSpPr>
-                <p:nvPr/>
-              </p:nvSpPr>
-              <p:spPr bwMode="auto">
-                <a:xfrm>
-                  <a:off x="797" y="2774"/>
-                  <a:ext cx="0" cy="230"/>
-                </a:xfrm>
-                <a:prstGeom prst="line">
-                  <a:avLst/>
-                </a:prstGeom>
-                <a:noFill/>
-                <a:ln w="9525">
-                  <a:solidFill>
-                    <a:schemeClr val="tx1"/>
-                  </a:solidFill>
-                  <a:round/>
-                  <a:headEnd/>
-                  <a:tailEnd/>
-                </a:ln>
-              </p:spPr>
-              <p:txBody>
-                <a:bodyPr wrap="none" lIns="92075" tIns="46038" rIns="92075" bIns="46038" anchor="ctr"/>
-                <a:lstStyle/>
-                <a:p>
-                  <a:endParaRPr lang="en-US"/>
-                </a:p>
-              </p:txBody>
-            </p:sp>
-            <p:sp>
-              <p:nvSpPr>
-                <p:cNvPr id="31770" name="Line 35"/>
-                <p:cNvSpPr>
-                  <a:spLocks noChangeShapeType="1"/>
-                </p:cNvSpPr>
-                <p:nvPr/>
-              </p:nvSpPr>
-              <p:spPr bwMode="auto">
-                <a:xfrm>
-                  <a:off x="1373" y="2774"/>
-                  <a:ext cx="0" cy="230"/>
-                </a:xfrm>
-                <a:prstGeom prst="line">
-                  <a:avLst/>
-                </a:prstGeom>
-                <a:noFill/>
-                <a:ln w="9525">
-                  <a:solidFill>
-                    <a:schemeClr val="tx1"/>
-                  </a:solidFill>
-                  <a:round/>
-                  <a:headEnd/>
-                  <a:tailEnd/>
-                </a:ln>
-              </p:spPr>
-              <p:txBody>
-                <a:bodyPr wrap="none" lIns="92075" tIns="46038" rIns="92075" bIns="46038" anchor="ctr"/>
-                <a:lstStyle/>
-                <a:p>
-                  <a:endParaRPr lang="en-US"/>
-                </a:p>
-              </p:txBody>
-            </p:sp>
-            <p:sp>
-              <p:nvSpPr>
-                <p:cNvPr id="31771" name="Line 36"/>
-                <p:cNvSpPr>
-                  <a:spLocks noChangeShapeType="1"/>
-                </p:cNvSpPr>
-                <p:nvPr/>
-              </p:nvSpPr>
-              <p:spPr bwMode="auto">
-                <a:xfrm>
-                  <a:off x="624" y="2774"/>
-                  <a:ext cx="173" cy="0"/>
-                </a:xfrm>
-                <a:prstGeom prst="line">
-                  <a:avLst/>
-                </a:prstGeom>
-                <a:noFill/>
-                <a:ln w="9525">
-                  <a:solidFill>
-                    <a:schemeClr val="tx1"/>
-                  </a:solidFill>
-                  <a:round/>
-                  <a:headEnd/>
-                  <a:tailEnd/>
-                </a:ln>
-              </p:spPr>
-              <p:txBody>
-                <a:bodyPr wrap="none" lIns="92075" tIns="46038" rIns="92075" bIns="46038" anchor="ctr"/>
-                <a:lstStyle/>
-                <a:p>
-                  <a:endParaRPr lang="en-US"/>
-                </a:p>
-              </p:txBody>
-            </p:sp>
-            <p:sp>
-              <p:nvSpPr>
-                <p:cNvPr id="31772" name="Line 37"/>
-                <p:cNvSpPr>
-                  <a:spLocks noChangeShapeType="1"/>
-                </p:cNvSpPr>
-                <p:nvPr/>
-              </p:nvSpPr>
-              <p:spPr bwMode="auto">
-                <a:xfrm>
-                  <a:off x="1372" y="2774"/>
-                  <a:ext cx="173" cy="0"/>
-                </a:xfrm>
-                <a:prstGeom prst="line">
-                  <a:avLst/>
-                </a:prstGeom>
-                <a:noFill/>
-                <a:ln w="9525">
-                  <a:solidFill>
-                    <a:schemeClr val="tx1"/>
-                  </a:solidFill>
-                  <a:round/>
-                  <a:headEnd/>
-                  <a:tailEnd/>
-                </a:ln>
-              </p:spPr>
-              <p:txBody>
-                <a:bodyPr wrap="none" lIns="92075" tIns="46038" rIns="92075" bIns="46038" anchor="ctr"/>
-                <a:lstStyle/>
-                <a:p>
-                  <a:endParaRPr lang="en-US"/>
-                </a:p>
-              </p:txBody>
-            </p:sp>
-          </p:grpSp>
-          <p:sp>
-            <p:nvSpPr>
-              <p:cNvPr id="31763" name="Text Box 38"/>
-              <p:cNvSpPr txBox="1">
-                <a:spLocks noChangeArrowheads="1"/>
-              </p:cNvSpPr>
-              <p:nvPr/>
-            </p:nvSpPr>
-            <p:spPr bwMode="auto">
-              <a:xfrm>
-                <a:off x="976" y="2784"/>
-                <a:ext cx="216" cy="202"/>
-              </a:xfrm>
-              <a:prstGeom prst="rect">
-                <a:avLst/>
-              </a:prstGeom>
-              <a:noFill/>
-              <a:ln w="9525">
-                <a:noFill/>
-                <a:miter lim="800000"/>
-                <a:headEnd/>
-                <a:tailEnd/>
-              </a:ln>
-            </p:spPr>
-            <p:txBody>
-              <a:bodyPr wrap="none" lIns="92075" tIns="46038" rIns="92075" bIns="46038">
-                <a:spAutoFit/>
-              </a:bodyPr>
-              <a:lstStyle/>
-              <a:p>
-                <a:r>
-                  <a:rPr lang="en-US" sz="1500"/>
-                  <a:t>M</a:t>
-                </a:r>
-              </a:p>
-            </p:txBody>
-          </p:sp>
-          <p:sp>
-            <p:nvSpPr>
-              <p:cNvPr id="31764" name="Text Box 39"/>
-              <p:cNvSpPr txBox="1">
-                <a:spLocks noChangeArrowheads="1"/>
-              </p:cNvSpPr>
-              <p:nvPr/>
-            </p:nvSpPr>
-            <p:spPr bwMode="auto">
-              <a:xfrm>
-                <a:off x="807" y="2557"/>
-                <a:ext cx="554" cy="202"/>
-              </a:xfrm>
-              <a:prstGeom prst="rect">
-                <a:avLst/>
-              </a:prstGeom>
-              <a:noFill/>
-              <a:ln w="9525">
-                <a:noFill/>
-                <a:miter lim="800000"/>
-                <a:headEnd/>
-                <a:tailEnd/>
-              </a:ln>
-            </p:spPr>
-            <p:txBody>
-              <a:bodyPr wrap="none" lIns="92075" tIns="46038" rIns="92075" bIns="46038">
-                <a:spAutoFit/>
-              </a:bodyPr>
-              <a:lstStyle/>
-              <a:p>
-                <a:r>
-                  <a:rPr lang="en-US" sz="1500"/>
-                  <a:t>C# </a:t>
-                </a:r>
-                <a:r>
-                  <a:rPr lang="en-US" sz="1500">
-                    <a:sym typeface="Symbol" pitchFamily="18" charset="2"/>
-                  </a:rPr>
-                  <a:t> M</a:t>
-                </a:r>
-              </a:p>
-            </p:txBody>
-          </p:sp>
-        </p:grpSp>
-        <p:sp>
-          <p:nvSpPr>
-            <p:cNvPr id="31753" name="Text Box 40"/>
-            <p:cNvSpPr txBox="1">
-              <a:spLocks noChangeArrowheads="1"/>
-            </p:cNvSpPr>
-            <p:nvPr/>
-          </p:nvSpPr>
-          <p:spPr bwMode="auto">
-            <a:xfrm>
-              <a:off x="1474209" y="3886200"/>
-              <a:ext cx="1248932" cy="400752"/>
-            </a:xfrm>
-            <a:prstGeom prst="rect">
-              <a:avLst/>
-            </a:prstGeom>
-            <a:noFill/>
-            <a:ln w="9525">
-              <a:noFill/>
-              <a:miter lim="800000"/>
-              <a:headEnd/>
-              <a:tailEnd/>
-            </a:ln>
-          </p:spPr>
-          <p:txBody>
-            <a:bodyPr wrap="none" lIns="92075" tIns="46038" rIns="92075" bIns="46038">
-              <a:spAutoFit/>
-            </a:bodyPr>
-            <a:lstStyle/>
-            <a:p>
-              <a:r>
-                <a:rPr lang="en-US" sz="2000" dirty="0"/>
-                <a:t>Write this</a:t>
-              </a:r>
-            </a:p>
-          </p:txBody>
-        </p:sp>
-        <p:sp>
-          <p:nvSpPr>
-            <p:cNvPr id="31755" name="Text Box 42"/>
-            <p:cNvSpPr txBox="1">
-              <a:spLocks noChangeArrowheads="1"/>
-            </p:cNvSpPr>
-            <p:nvPr/>
-          </p:nvSpPr>
-          <p:spPr bwMode="auto">
-            <a:xfrm>
-              <a:off x="6095583" y="3962400"/>
-              <a:ext cx="1353384" cy="400752"/>
-            </a:xfrm>
-            <a:prstGeom prst="rect">
-              <a:avLst/>
-            </a:prstGeom>
-            <a:noFill/>
-            <a:ln w="9525">
-              <a:noFill/>
-              <a:miter lim="800000"/>
-              <a:headEnd/>
-              <a:tailEnd/>
-            </a:ln>
-          </p:spPr>
-          <p:txBody>
-            <a:bodyPr wrap="none" lIns="92075" tIns="46038" rIns="92075" bIns="46038">
-              <a:spAutoFit/>
-            </a:bodyPr>
-            <a:lstStyle/>
-            <a:p>
-              <a:r>
-                <a:rPr lang="en-US" sz="2000" dirty="0"/>
-                <a:t>To get this</a:t>
-              </a:r>
-            </a:p>
-          </p:txBody>
-        </p:sp>
-        <p:sp>
-          <p:nvSpPr>
-            <p:cNvPr id="31756" name="AutoShape 43"/>
-            <p:cNvSpPr>
-              <a:spLocks noChangeArrowheads="1"/>
-            </p:cNvSpPr>
-            <p:nvPr/>
-          </p:nvSpPr>
-          <p:spPr bwMode="auto">
-            <a:xfrm>
-              <a:off x="4538663" y="3970338"/>
-              <a:ext cx="92075" cy="92075"/>
-            </a:xfrm>
-            <a:prstGeom prst="diamond">
-              <a:avLst/>
-            </a:prstGeom>
-            <a:noFill/>
-            <a:ln w="9525">
-              <a:noFill/>
-              <a:miter lim="800000"/>
-              <a:headEnd/>
-              <a:tailEnd/>
-            </a:ln>
-          </p:spPr>
-          <p:txBody>
-            <a:bodyPr wrap="none" lIns="92075" tIns="46038" rIns="92075" bIns="46038" anchor="ctr"/>
-            <a:lstStyle/>
-            <a:p>
-              <a:endParaRPr lang="en-US"/>
-            </a:p>
-          </p:txBody>
-        </p:sp>
-        <p:sp>
-          <p:nvSpPr>
-            <p:cNvPr id="31757" name="AutoShape 44"/>
-            <p:cNvSpPr>
-              <a:spLocks noChangeArrowheads="1"/>
-            </p:cNvSpPr>
-            <p:nvPr/>
-          </p:nvSpPr>
-          <p:spPr bwMode="auto">
-            <a:xfrm>
-              <a:off x="3352800" y="3613150"/>
-              <a:ext cx="92075" cy="92075"/>
-            </a:xfrm>
-            <a:prstGeom prst="diamond">
-              <a:avLst/>
-            </a:prstGeom>
-            <a:noFill/>
-            <a:ln w="9525">
-              <a:noFill/>
-              <a:miter lim="800000"/>
-              <a:headEnd/>
-              <a:tailEnd/>
-            </a:ln>
-          </p:spPr>
-          <p:txBody>
-            <a:bodyPr wrap="none" lIns="92075" tIns="46038" rIns="92075" bIns="46038" anchor="ctr"/>
-            <a:lstStyle/>
-            <a:p>
-              <a:endParaRPr lang="en-US"/>
-            </a:p>
-          </p:txBody>
-        </p:sp>
-        <p:sp>
-          <p:nvSpPr>
-            <p:cNvPr id="31758" name="AutoShape 45"/>
-            <p:cNvSpPr>
-              <a:spLocks noChangeArrowheads="1"/>
-            </p:cNvSpPr>
-            <p:nvPr/>
-          </p:nvSpPr>
-          <p:spPr bwMode="auto">
-            <a:xfrm>
-              <a:off x="5715000" y="3613150"/>
-              <a:ext cx="92075" cy="92075"/>
-            </a:xfrm>
-            <a:prstGeom prst="diamond">
-              <a:avLst/>
-            </a:prstGeom>
-            <a:noFill/>
-            <a:ln w="9525">
-              <a:noFill/>
-              <a:miter lim="800000"/>
-              <a:headEnd/>
-              <a:tailEnd/>
-            </a:ln>
-          </p:spPr>
-          <p:txBody>
-            <a:bodyPr wrap="none" lIns="92075" tIns="46038" rIns="92075" bIns="46038" anchor="ctr"/>
-            <a:lstStyle/>
-            <a:p>
-              <a:endParaRPr lang="en-US"/>
-            </a:p>
-          </p:txBody>
-        </p:sp>
-        <p:cxnSp>
-          <p:nvCxnSpPr>
-            <p:cNvPr id="31759" name="AutoShape 46"/>
-            <p:cNvCxnSpPr>
-              <a:cxnSpLocks noChangeShapeType="1"/>
-              <a:stCxn id="31753" idx="3"/>
-              <a:endCxn id="31757" idx="2"/>
-            </p:cNvCxnSpPr>
-            <p:nvPr/>
-          </p:nvCxnSpPr>
-          <p:spPr bwMode="auto">
-            <a:xfrm flipV="1">
-              <a:off x="2723141" y="3705225"/>
-              <a:ext cx="675697" cy="381351"/>
-            </a:xfrm>
-            <a:prstGeom prst="bentConnector2">
-              <a:avLst/>
-            </a:prstGeom>
-            <a:noFill/>
-            <a:ln w="9525">
-              <a:solidFill>
-                <a:schemeClr val="tx1"/>
-              </a:solidFill>
-              <a:miter lim="800000"/>
-              <a:headEnd/>
-              <a:tailEnd type="triangle" w="med" len="med"/>
-            </a:ln>
-          </p:spPr>
-        </p:cxnSp>
-        <p:cxnSp>
-          <p:nvCxnSpPr>
-            <p:cNvPr id="31760" name="AutoShape 47"/>
-            <p:cNvCxnSpPr>
-              <a:cxnSpLocks noChangeShapeType="1"/>
-              <a:stCxn id="53" idx="3"/>
-              <a:endCxn id="60" idx="2"/>
-            </p:cNvCxnSpPr>
-            <p:nvPr/>
-          </p:nvCxnSpPr>
-          <p:spPr bwMode="auto">
-            <a:xfrm flipV="1">
-              <a:off x="3961642" y="4800543"/>
-              <a:ext cx="624899" cy="279610"/>
-            </a:xfrm>
-            <a:prstGeom prst="bentConnector2">
-              <a:avLst/>
-            </a:prstGeom>
-            <a:noFill/>
-            <a:ln w="9525">
-              <a:solidFill>
-                <a:schemeClr val="tx1"/>
-              </a:solidFill>
-              <a:miter lim="800000"/>
-              <a:headEnd/>
-              <a:tailEnd type="triangle" w="med" len="med"/>
-            </a:ln>
-          </p:spPr>
-        </p:cxnSp>
-        <p:cxnSp>
-          <p:nvCxnSpPr>
-            <p:cNvPr id="31761" name="AutoShape 48"/>
-            <p:cNvCxnSpPr>
-              <a:cxnSpLocks noChangeShapeType="1"/>
-              <a:stCxn id="31755" idx="1"/>
-              <a:endCxn id="31758" idx="2"/>
-            </p:cNvCxnSpPr>
-            <p:nvPr/>
-          </p:nvCxnSpPr>
-          <p:spPr bwMode="auto">
-            <a:xfrm rot="10800000">
-              <a:off x="5761039" y="3705226"/>
-              <a:ext cx="334545" cy="457551"/>
-            </a:xfrm>
-            <a:prstGeom prst="bentConnector2">
-              <a:avLst/>
-            </a:prstGeom>
-            <a:noFill/>
-            <a:ln w="9525">
-              <a:solidFill>
-                <a:schemeClr val="tx1"/>
-              </a:solidFill>
-              <a:miter lim="800000"/>
-              <a:headEnd/>
-              <a:tailEnd type="triangle" w="med" len="med"/>
-            </a:ln>
-          </p:spPr>
-        </p:cxnSp>
-        <p:sp>
-          <p:nvSpPr>
-            <p:cNvPr id="60" name="Flowchart: Off-page Connector 59"/>
-            <p:cNvSpPr/>
-            <p:nvPr/>
-          </p:nvSpPr>
-          <p:spPr bwMode="auto">
-            <a:xfrm>
-              <a:off x="4129341" y="4069023"/>
-              <a:ext cx="914400" cy="731520"/>
-            </a:xfrm>
-            <a:prstGeom prst="flowChartOffpageConnector">
-              <a:avLst/>
-            </a:prstGeom>
-            <a:noFill/>
-            <a:ln w="9525">
-              <a:solidFill>
-                <a:schemeClr val="tx1"/>
-              </a:solidFill>
-              <a:round/>
-              <a:headEnd/>
-              <a:tailEnd/>
-            </a:ln>
-          </p:spPr>
-          <p:txBody>
-            <a:bodyPr wrap="none" lIns="92075" tIns="46038" rIns="92075" bIns="46038" rtlCol="0" anchor="ctr"/>
-            <a:lstStyle/>
-            <a:p>
-              <a:pPr algn="ctr"/>
-              <a:r>
-                <a:rPr lang="en-US" sz="1500" dirty="0"/>
-                <a:t>M</a:t>
-              </a:r>
-            </a:p>
-          </p:txBody>
-        </p:sp>
-        <p:sp>
-          <p:nvSpPr>
-            <p:cNvPr id="53" name="Text Box 41">
-              <a:extLst>
-                <a:ext uri="{FF2B5EF4-FFF2-40B4-BE49-F238E27FC236}">
-                  <a16:creationId xmlns:a16="http://schemas.microsoft.com/office/drawing/2014/main" id="{85FA7B70-01B0-4108-ACC7-CD355810AAE8}"/>
-                </a:ext>
-              </a:extLst>
-            </p:cNvPr>
-            <p:cNvSpPr txBox="1">
-              <a:spLocks noChangeArrowheads="1"/>
-            </p:cNvSpPr>
-            <p:nvPr/>
-          </p:nvSpPr>
-          <p:spPr bwMode="auto">
-            <a:xfrm>
-              <a:off x="2148646" y="4572000"/>
-              <a:ext cx="1812996" cy="1016305"/>
-            </a:xfrm>
-            <a:prstGeom prst="rect">
-              <a:avLst/>
-            </a:prstGeom>
-            <a:noFill/>
-            <a:ln w="9525">
-              <a:noFill/>
-              <a:miter lim="800000"/>
-              <a:headEnd/>
-              <a:tailEnd/>
-            </a:ln>
-          </p:spPr>
-          <p:txBody>
-            <a:bodyPr wrap="none" lIns="92075" tIns="46038" rIns="92075" bIns="46038">
-              <a:spAutoFit/>
-            </a:bodyPr>
-            <a:lstStyle/>
-            <a:p>
-              <a:r>
-                <a:rPr lang="en-US" sz="2000" dirty="0"/>
-                <a:t>Compile using</a:t>
-              </a:r>
-            </a:p>
-            <a:p>
-              <a:r>
-                <a:rPr lang="en-US" sz="2000" dirty="0"/>
-                <a:t>the compiler</a:t>
-              </a:r>
-            </a:p>
-            <a:p>
-              <a:r>
-                <a:rPr lang="en-US" sz="2000" dirty="0"/>
-                <a:t>from step 2</a:t>
-              </a:r>
-            </a:p>
-          </p:txBody>
-        </p:sp>
-      </p:grpSp>
-    </p:spTree>
-  </p:cSld>
-  <p:clrMapOvr>
-    <a:masterClrMapping/>
-  </p:clrMapOvr>
-</p:sld>
-</file>
-
-<file path=ppt/slides/slide32.xml><?xml version="1.0" encoding="utf-8"?>
-<p:sld xmlns:a="http://schemas.openxmlformats.org/drawingml/2006/main" xmlns:r="http://schemas.openxmlformats.org/officeDocument/2006/relationships" xmlns:p="http://schemas.openxmlformats.org/presentationml/2006/main">
-  <p:cSld>
-    <p:spTree>
-      <p:nvGrpSpPr>
-        <p:cNvPr id="1" name=""/>
-        <p:cNvGrpSpPr/>
-        <p:nvPr/>
-      </p:nvGrpSpPr>
-      <p:grpSpPr>
-        <a:xfrm>
-          <a:off x="0" y="0"/>
-          <a:ext cx="0" cy="0"/>
-          <a:chOff x="0" y="0"/>
-          <a:chExt cx="0" cy="0"/>
-        </a:xfrm>
-      </p:grpSpPr>
-      <p:sp>
-        <p:nvSpPr>
           <p:cNvPr id="32770" name="Footer Placeholder 3"/>
           <p:cNvSpPr>
             <a:spLocks noGrp="1"/>
@@ -31215,7 +29379,7 @@
             <a:fld id="{6C04F3E6-ED30-4455-B409-5033B564222C}" type="slidenum">
               <a:rPr lang="en-US" smtClean="0"/>
               <a:pPr/>
-              <a:t>32</a:t>
+              <a:t>31</a:t>
             </a:fld>
             <a:endParaRPr lang="en-US"/>
           </a:p>
@@ -31307,7 +29471,7 @@
 </p:sld>
 </file>
 
-<file path=ppt/slides/slide33.xml><?xml version="1.0" encoding="utf-8"?>
+<file path=ppt/slides/slide32.xml><?xml version="1.0" encoding="utf-8"?>
 <p:sld xmlns:a="http://schemas.openxmlformats.org/drawingml/2006/main" xmlns:r="http://schemas.openxmlformats.org/officeDocument/2006/relationships" xmlns:p="http://schemas.openxmlformats.org/presentationml/2006/main">
   <p:cSld>
     <p:spTree>
@@ -31372,7 +29536,7 @@
             <a:fld id="{6B892657-F6C6-4A90-B818-B298D3E265B8}" type="slidenum">
               <a:rPr lang="en-US" smtClean="0"/>
               <a:pPr/>
-              <a:t>33</a:t>
+              <a:t>32</a:t>
             </a:fld>
             <a:endParaRPr lang="en-US"/>
           </a:p>
@@ -33063,7 +31227,7 @@
 </p:sld>
 </file>
 
-<file path=ppt/slides/slide34.xml><?xml version="1.0" encoding="utf-8"?>
+<file path=ppt/slides/slide33.xml><?xml version="1.0" encoding="utf-8"?>
 <p:sld xmlns:a="http://schemas.openxmlformats.org/drawingml/2006/main" xmlns:r="http://schemas.openxmlformats.org/officeDocument/2006/relationships" xmlns:p="http://schemas.openxmlformats.org/presentationml/2006/main">
   <p:cSld>
     <p:spTree>
@@ -33128,7 +31292,7 @@
             <a:fld id="{380FA25E-8339-4B04-9CBA-5DFCC61268EA}" type="slidenum">
               <a:rPr lang="en-US" smtClean="0"/>
               <a:pPr/>
-              <a:t>34</a:t>
+              <a:t>33</a:t>
             </a:fld>
             <a:endParaRPr lang="en-US"/>
           </a:p>
@@ -33408,7 +31572,7 @@
 </p:sld>
 </file>
 
-<file path=ppt/slides/slide35.xml><?xml version="1.0" encoding="utf-8"?>
+<file path=ppt/slides/slide34.xml><?xml version="1.0" encoding="utf-8"?>
 <p:sld xmlns:a="http://schemas.openxmlformats.org/drawingml/2006/main" xmlns:r="http://schemas.openxmlformats.org/officeDocument/2006/relationships" xmlns:p="http://schemas.openxmlformats.org/presentationml/2006/main">
   <p:cSld>
     <p:spTree>
@@ -33473,7 +31637,7 @@
             <a:fld id="{664EEF59-2466-41B1-A25C-7DF9D683EC78}" type="slidenum">
               <a:rPr lang="en-US" smtClean="0"/>
               <a:pPr/>
-              <a:t>35</a:t>
+              <a:t>34</a:t>
             </a:fld>
             <a:endParaRPr lang="en-US"/>
           </a:p>
@@ -34292,7 +32456,7 @@
 </p:sld>
 </file>
 
-<file path=ppt/slides/slide36.xml><?xml version="1.0" encoding="utf-8"?>
+<file path=ppt/slides/slide35.xml><?xml version="1.0" encoding="utf-8"?>
 <p:sld xmlns:a="http://schemas.openxmlformats.org/drawingml/2006/main" xmlns:r="http://schemas.openxmlformats.org/officeDocument/2006/relationships" xmlns:p="http://schemas.openxmlformats.org/presentationml/2006/main">
   <p:cSld>
     <p:spTree>
@@ -34357,7 +32521,7 @@
             <a:fld id="{BA60C916-759F-41D1-AB4C-ACDEAA9E9251}" type="slidenum">
               <a:rPr lang="en-US" smtClean="0"/>
               <a:pPr/>
-              <a:t>36</a:t>
+              <a:t>35</a:t>
             </a:fld>
             <a:endParaRPr lang="en-US"/>
           </a:p>
@@ -36561,6 +34725,160 @@
 </p:sld>
 </file>
 
+<file path=ppt/slides/slide36.xml><?xml version="1.0" encoding="utf-8"?>
+<p:sld xmlns:a="http://schemas.openxmlformats.org/drawingml/2006/main" xmlns:r="http://schemas.openxmlformats.org/officeDocument/2006/relationships" xmlns:p="http://schemas.openxmlformats.org/presentationml/2006/main">
+  <p:cSld>
+    <p:spTree>
+      <p:nvGrpSpPr>
+        <p:cNvPr id="1" name=""/>
+        <p:cNvGrpSpPr/>
+        <p:nvPr/>
+      </p:nvGrpSpPr>
+      <p:grpSpPr>
+        <a:xfrm>
+          <a:off x="0" y="0"/>
+          <a:ext cx="0" cy="0"/>
+          <a:chOff x="0" y="0"/>
+          <a:chExt cx="0" cy="0"/>
+        </a:xfrm>
+      </p:grpSpPr>
+      <p:sp>
+        <p:nvSpPr>
+          <p:cNvPr id="37890" name="Footer Placeholder 3"/>
+          <p:cNvSpPr>
+            <a:spLocks noGrp="1"/>
+          </p:cNvSpPr>
+          <p:nvPr>
+            <p:ph type="ftr" sz="quarter" idx="10"/>
+          </p:nvPr>
+        </p:nvSpPr>
+        <p:spPr>
+          <a:noFill/>
+        </p:spPr>
+        <p:txBody>
+          <a:bodyPr/>
+          <a:lstStyle/>
+          <a:p>
+            <a:r>
+              <a:rPr lang="en-US"/>
+              <a:t>©SoftMoore Consulting</a:t>
+            </a:r>
+          </a:p>
+        </p:txBody>
+      </p:sp>
+      <p:sp>
+        <p:nvSpPr>
+          <p:cNvPr id="37891" name="Slide Number Placeholder 4"/>
+          <p:cNvSpPr>
+            <a:spLocks noGrp="1"/>
+          </p:cNvSpPr>
+          <p:nvPr>
+            <p:ph type="sldNum" sz="quarter" idx="11"/>
+          </p:nvPr>
+        </p:nvSpPr>
+        <p:spPr>
+          <a:noFill/>
+        </p:spPr>
+        <p:txBody>
+          <a:bodyPr/>
+          <a:lstStyle/>
+          <a:p>
+            <a:r>
+              <a:rPr lang="en-US"/>
+              <a:t>Slide </a:t>
+            </a:r>
+            <a:fld id="{7E969F8D-5909-4C9F-840E-A6F55F635B13}" type="slidenum">
+              <a:rPr lang="en-US" smtClean="0"/>
+              <a:pPr/>
+              <a:t>36</a:t>
+            </a:fld>
+            <a:endParaRPr lang="en-US"/>
+          </a:p>
+        </p:txBody>
+      </p:sp>
+      <p:sp>
+        <p:nvSpPr>
+          <p:cNvPr id="37892" name="Rectangle 2"/>
+          <p:cNvSpPr>
+            <a:spLocks noGrp="1" noChangeArrowheads="1"/>
+          </p:cNvSpPr>
+          <p:nvPr>
+            <p:ph type="title"/>
+          </p:nvPr>
+        </p:nvSpPr>
+        <p:spPr/>
+        <p:txBody>
+          <a:bodyPr/>
+          <a:lstStyle/>
+          <a:p>
+            <a:r>
+              <a:rPr lang="en-US"/>
+              <a:t>Compiler Project</a:t>
+            </a:r>
+          </a:p>
+        </p:txBody>
+      </p:sp>
+      <p:sp>
+        <p:nvSpPr>
+          <p:cNvPr id="37893" name="Rectangle 43"/>
+          <p:cNvSpPr>
+            <a:spLocks noGrp="1" noChangeArrowheads="1"/>
+          </p:cNvSpPr>
+          <p:nvPr>
+            <p:ph type="body" idx="1"/>
+          </p:nvPr>
+        </p:nvSpPr>
+        <p:spPr/>
+        <p:txBody>
+          <a:bodyPr/>
+          <a:lstStyle/>
+          <a:p>
+            <a:r>
+              <a:rPr lang="en-US" dirty="0"/>
+              <a:t>Source language: CPRL</a:t>
+            </a:r>
+          </a:p>
+          <a:p>
+            <a:r>
+              <a:rPr lang="en-US" dirty="0"/>
+              <a:t>Target language: CVM/A, assembly language for the CPRL Virtual Machine (CVM)</a:t>
+            </a:r>
+          </a:p>
+          <a:p>
+            <a:r>
+              <a:rPr lang="en-US" dirty="0"/>
+              <a:t>You will write a CPRL-to-CVM/A compiler in Java.</a:t>
+            </a:r>
+          </a:p>
+          <a:p>
+            <a:r>
+              <a:rPr lang="en-US" dirty="0"/>
+              <a:t>I will provide a CVM assembler.</a:t>
+            </a:r>
+          </a:p>
+          <a:p>
+            <a:r>
+              <a:rPr lang="en-US" dirty="0"/>
+              <a:t>When you compile your compiler, you will have a</a:t>
+            </a:r>
+            <a:br>
+              <a:rPr lang="en-US" dirty="0"/>
+            </a:br>
+            <a:r>
+              <a:rPr lang="en-US" dirty="0"/>
+              <a:t>CPRL-to-CVM/A compiler that runs on a Java virtual machine.</a:t>
+            </a:r>
+          </a:p>
+        </p:txBody>
+      </p:sp>
+    </p:spTree>
+  </p:cSld>
+  <p:clrMapOvr>
+    <a:masterClrMapping/>
+  </p:clrMapOvr>
+</p:sld>
+</file>
+
 <file path=ppt/slides/slide37.xml><?xml version="1.0" encoding="utf-8"?>
 <p:sld xmlns:a="http://schemas.openxmlformats.org/drawingml/2006/main" xmlns:r="http://schemas.openxmlformats.org/officeDocument/2006/relationships" xmlns:p="http://schemas.openxmlformats.org/presentationml/2006/main">
   <p:cSld>
@@ -36627,160 +34945,6 @@
               <a:rPr lang="en-US" smtClean="0"/>
               <a:pPr/>
               <a:t>37</a:t>
-            </a:fld>
-            <a:endParaRPr lang="en-US"/>
-          </a:p>
-        </p:txBody>
-      </p:sp>
-      <p:sp>
-        <p:nvSpPr>
-          <p:cNvPr id="37892" name="Rectangle 2"/>
-          <p:cNvSpPr>
-            <a:spLocks noGrp="1" noChangeArrowheads="1"/>
-          </p:cNvSpPr>
-          <p:nvPr>
-            <p:ph type="title"/>
-          </p:nvPr>
-        </p:nvSpPr>
-        <p:spPr/>
-        <p:txBody>
-          <a:bodyPr/>
-          <a:lstStyle/>
-          <a:p>
-            <a:r>
-              <a:rPr lang="en-US"/>
-              <a:t>Compiler Project</a:t>
-            </a:r>
-          </a:p>
-        </p:txBody>
-      </p:sp>
-      <p:sp>
-        <p:nvSpPr>
-          <p:cNvPr id="37893" name="Rectangle 43"/>
-          <p:cNvSpPr>
-            <a:spLocks noGrp="1" noChangeArrowheads="1"/>
-          </p:cNvSpPr>
-          <p:nvPr>
-            <p:ph type="body" idx="1"/>
-          </p:nvPr>
-        </p:nvSpPr>
-        <p:spPr/>
-        <p:txBody>
-          <a:bodyPr/>
-          <a:lstStyle/>
-          <a:p>
-            <a:r>
-              <a:rPr lang="en-US" dirty="0"/>
-              <a:t>Source language: CPRL</a:t>
-            </a:r>
-          </a:p>
-          <a:p>
-            <a:r>
-              <a:rPr lang="en-US" dirty="0"/>
-              <a:t>Target language: CVM/A, assembly language for the CPRL Virtual Machine (CVM)</a:t>
-            </a:r>
-          </a:p>
-          <a:p>
-            <a:r>
-              <a:rPr lang="en-US" dirty="0"/>
-              <a:t>You will write a CPRL-to-CVM/A compiler in Java.</a:t>
-            </a:r>
-          </a:p>
-          <a:p>
-            <a:r>
-              <a:rPr lang="en-US" dirty="0"/>
-              <a:t>I will provide a CVM assembler.</a:t>
-            </a:r>
-          </a:p>
-          <a:p>
-            <a:r>
-              <a:rPr lang="en-US" dirty="0"/>
-              <a:t>When you compile your compiler, you will have a</a:t>
-            </a:r>
-            <a:br>
-              <a:rPr lang="en-US" dirty="0"/>
-            </a:br>
-            <a:r>
-              <a:rPr lang="en-US" dirty="0"/>
-              <a:t>CPRL-to-CVM/A compiler that runs on a Java virtual machine.</a:t>
-            </a:r>
-          </a:p>
-        </p:txBody>
-      </p:sp>
-    </p:spTree>
-  </p:cSld>
-  <p:clrMapOvr>
-    <a:masterClrMapping/>
-  </p:clrMapOvr>
-</p:sld>
-</file>
-
-<file path=ppt/slides/slide38.xml><?xml version="1.0" encoding="utf-8"?>
-<p:sld xmlns:a="http://schemas.openxmlformats.org/drawingml/2006/main" xmlns:r="http://schemas.openxmlformats.org/officeDocument/2006/relationships" xmlns:p="http://schemas.openxmlformats.org/presentationml/2006/main">
-  <p:cSld>
-    <p:spTree>
-      <p:nvGrpSpPr>
-        <p:cNvPr id="1" name=""/>
-        <p:cNvGrpSpPr/>
-        <p:nvPr/>
-      </p:nvGrpSpPr>
-      <p:grpSpPr>
-        <a:xfrm>
-          <a:off x="0" y="0"/>
-          <a:ext cx="0" cy="0"/>
-          <a:chOff x="0" y="0"/>
-          <a:chExt cx="0" cy="0"/>
-        </a:xfrm>
-      </p:grpSpPr>
-      <p:sp>
-        <p:nvSpPr>
-          <p:cNvPr id="37890" name="Footer Placeholder 3"/>
-          <p:cNvSpPr>
-            <a:spLocks noGrp="1"/>
-          </p:cNvSpPr>
-          <p:nvPr>
-            <p:ph type="ftr" sz="quarter" idx="10"/>
-          </p:nvPr>
-        </p:nvSpPr>
-        <p:spPr>
-          <a:noFill/>
-        </p:spPr>
-        <p:txBody>
-          <a:bodyPr/>
-          <a:lstStyle/>
-          <a:p>
-            <a:r>
-              <a:rPr lang="en-US"/>
-              <a:t>©SoftMoore Consulting</a:t>
-            </a:r>
-          </a:p>
-        </p:txBody>
-      </p:sp>
-      <p:sp>
-        <p:nvSpPr>
-          <p:cNvPr id="37891" name="Slide Number Placeholder 4"/>
-          <p:cNvSpPr>
-            <a:spLocks noGrp="1"/>
-          </p:cNvSpPr>
-          <p:nvPr>
-            <p:ph type="sldNum" sz="quarter" idx="11"/>
-          </p:nvPr>
-        </p:nvSpPr>
-        <p:spPr>
-          <a:noFill/>
-        </p:spPr>
-        <p:txBody>
-          <a:bodyPr/>
-          <a:lstStyle/>
-          <a:p>
-            <a:r>
-              <a:rPr lang="en-US"/>
-              <a:t>Slide </a:t>
-            </a:r>
-            <a:fld id="{7E969F8D-5909-4C9F-840E-A6F55F635B13}" type="slidenum">
-              <a:rPr lang="en-US" smtClean="0"/>
-              <a:pPr/>
-              <a:t>38</a:t>
             </a:fld>
             <a:endParaRPr lang="en-US"/>
           </a:p>
@@ -38206,7 +36370,7 @@
 </p:sld>
 </file>
 
-<file path=ppt/slides/slide39.xml><?xml version="1.0" encoding="utf-8"?>
+<file path=ppt/slides/slide38.xml><?xml version="1.0" encoding="utf-8"?>
 <p:sld xmlns:a="http://schemas.openxmlformats.org/drawingml/2006/main" xmlns:r="http://schemas.openxmlformats.org/officeDocument/2006/relationships" xmlns:p="http://schemas.openxmlformats.org/presentationml/2006/main">
   <p:cSld>
     <p:spTree>
@@ -38271,7 +36435,7 @@
             <a:fld id="{D9553B3F-2640-4B19-8022-F68A61F7EE86}" type="slidenum">
               <a:rPr lang="en-US" smtClean="0"/>
               <a:pPr/>
-              <a:t>39</a:t>
+              <a:t>38</a:t>
             </a:fld>
             <a:endParaRPr lang="en-US"/>
           </a:p>
@@ -40662,169 +38826,7 @@
 </p:sld>
 </file>
 
-<file path=ppt/slides/slide4.xml><?xml version="1.0" encoding="utf-8"?>
-<p:sld xmlns:a="http://schemas.openxmlformats.org/drawingml/2006/main" xmlns:r="http://schemas.openxmlformats.org/officeDocument/2006/relationships" xmlns:p="http://schemas.openxmlformats.org/presentationml/2006/main">
-  <p:cSld>
-    <p:spTree>
-      <p:nvGrpSpPr>
-        <p:cNvPr id="1" name=""/>
-        <p:cNvGrpSpPr/>
-        <p:nvPr/>
-      </p:nvGrpSpPr>
-      <p:grpSpPr>
-        <a:xfrm>
-          <a:off x="0" y="0"/>
-          <a:ext cx="0" cy="0"/>
-          <a:chOff x="0" y="0"/>
-          <a:chExt cx="0" cy="0"/>
-        </a:xfrm>
-      </p:grpSpPr>
-      <p:sp>
-        <p:nvSpPr>
-          <p:cNvPr id="6146" name="Footer Placeholder 3"/>
-          <p:cNvSpPr>
-            <a:spLocks noGrp="1"/>
-          </p:cNvSpPr>
-          <p:nvPr>
-            <p:ph type="ftr" sz="quarter" idx="10"/>
-          </p:nvPr>
-        </p:nvSpPr>
-        <p:spPr>
-          <a:noFill/>
-        </p:spPr>
-        <p:txBody>
-          <a:bodyPr/>
-          <a:lstStyle/>
-          <a:p>
-            <a:r>
-              <a:rPr lang="en-US"/>
-              <a:t>©SoftMoore Consulting</a:t>
-            </a:r>
-          </a:p>
-        </p:txBody>
-      </p:sp>
-      <p:sp>
-        <p:nvSpPr>
-          <p:cNvPr id="6147" name="Slide Number Placeholder 4"/>
-          <p:cNvSpPr>
-            <a:spLocks noGrp="1"/>
-          </p:cNvSpPr>
-          <p:nvPr>
-            <p:ph type="sldNum" sz="quarter" idx="11"/>
-          </p:nvPr>
-        </p:nvSpPr>
-        <p:spPr>
-          <a:noFill/>
-        </p:spPr>
-        <p:txBody>
-          <a:bodyPr/>
-          <a:lstStyle/>
-          <a:p>
-            <a:r>
-              <a:rPr lang="en-US"/>
-              <a:t>Slide </a:t>
-            </a:r>
-            <a:fld id="{EBB95295-D5E6-403B-8E1C-6C2DF886080A}" type="slidenum">
-              <a:rPr lang="en-US" smtClean="0"/>
-              <a:pPr/>
-              <a:t>4</a:t>
-            </a:fld>
-            <a:endParaRPr lang="en-US"/>
-          </a:p>
-        </p:txBody>
-      </p:sp>
-      <p:sp>
-        <p:nvSpPr>
-          <p:cNvPr id="6148" name="Rectangle 2"/>
-          <p:cNvSpPr>
-            <a:spLocks noGrp="1" noChangeArrowheads="1"/>
-          </p:cNvSpPr>
-          <p:nvPr>
-            <p:ph type="title"/>
-          </p:nvPr>
-        </p:nvSpPr>
-        <p:spPr/>
-        <p:txBody>
-          <a:bodyPr/>
-          <a:lstStyle/>
-          <a:p>
-            <a:r>
-              <a:rPr lang="en-US" dirty="0"/>
-              <a:t>Role of Programming Languages</a:t>
-            </a:r>
-          </a:p>
-        </p:txBody>
-      </p:sp>
-      <p:sp>
-        <p:nvSpPr>
-          <p:cNvPr id="6149" name="Rectangle 3"/>
-          <p:cNvSpPr>
-            <a:spLocks noGrp="1" noChangeArrowheads="1"/>
-          </p:cNvSpPr>
-          <p:nvPr>
-            <p:ph type="body" idx="1"/>
-          </p:nvPr>
-        </p:nvSpPr>
-        <p:spPr/>
-        <p:txBody>
-          <a:bodyPr/>
-          <a:lstStyle/>
-          <a:p>
-            <a:r>
-              <a:rPr lang="en-US"/>
-              <a:t>Machine independence</a:t>
-            </a:r>
-          </a:p>
-          <a:p>
-            <a:r>
-              <a:rPr lang="en-US"/>
-              <a:t>Portability</a:t>
-            </a:r>
-          </a:p>
-          <a:p>
-            <a:r>
-              <a:rPr lang="en-US"/>
-              <a:t>Reuse</a:t>
-            </a:r>
-          </a:p>
-          <a:p>
-            <a:r>
-              <a:rPr lang="en-US"/>
-              <a:t>Abstraction</a:t>
-            </a:r>
-          </a:p>
-          <a:p>
-            <a:r>
-              <a:rPr lang="en-US"/>
-              <a:t>Communication of ideas</a:t>
-            </a:r>
-          </a:p>
-          <a:p>
-            <a:r>
-              <a:rPr lang="en-US"/>
-              <a:t>Productivity</a:t>
-            </a:r>
-          </a:p>
-          <a:p>
-            <a:r>
-              <a:rPr lang="en-US"/>
-              <a:t>Reliability (error detection)</a:t>
-            </a:r>
-          </a:p>
-          <a:p>
-            <a:endParaRPr lang="en-US"/>
-          </a:p>
-        </p:txBody>
-      </p:sp>
-    </p:spTree>
-  </p:cSld>
-  <p:clrMapOvr>
-    <a:masterClrMapping/>
-  </p:clrMapOvr>
-</p:sld>
-</file>
-
-<file path=ppt/slides/slide40.xml><?xml version="1.0" encoding="utf-8"?>
+<file path=ppt/slides/slide39.xml><?xml version="1.0" encoding="utf-8"?>
 <p:sld xmlns:a="http://schemas.openxmlformats.org/drawingml/2006/main" xmlns:r="http://schemas.openxmlformats.org/officeDocument/2006/relationships" xmlns:p="http://schemas.openxmlformats.org/presentationml/2006/main">
   <p:cSld>
     <p:spTree>
@@ -40889,7 +38891,7 @@
             <a:fld id="{886EEF83-9573-4C6A-A1DA-4BBA5A4368E3}" type="slidenum">
               <a:rPr lang="en-US" smtClean="0"/>
               <a:pPr/>
-              <a:t>40</a:t>
+              <a:t>39</a:t>
             </a:fld>
             <a:endParaRPr lang="en-US"/>
           </a:p>
@@ -41629,6 +39631,168 @@
           </p:txBody>
         </p:sp>
       </p:grpSp>
+    </p:spTree>
+  </p:cSld>
+  <p:clrMapOvr>
+    <a:masterClrMapping/>
+  </p:clrMapOvr>
+</p:sld>
+</file>
+
+<file path=ppt/slides/slide4.xml><?xml version="1.0" encoding="utf-8"?>
+<p:sld xmlns:a="http://schemas.openxmlformats.org/drawingml/2006/main" xmlns:r="http://schemas.openxmlformats.org/officeDocument/2006/relationships" xmlns:p="http://schemas.openxmlformats.org/presentationml/2006/main">
+  <p:cSld>
+    <p:spTree>
+      <p:nvGrpSpPr>
+        <p:cNvPr id="1" name=""/>
+        <p:cNvGrpSpPr/>
+        <p:nvPr/>
+      </p:nvGrpSpPr>
+      <p:grpSpPr>
+        <a:xfrm>
+          <a:off x="0" y="0"/>
+          <a:ext cx="0" cy="0"/>
+          <a:chOff x="0" y="0"/>
+          <a:chExt cx="0" cy="0"/>
+        </a:xfrm>
+      </p:grpSpPr>
+      <p:sp>
+        <p:nvSpPr>
+          <p:cNvPr id="6146" name="Footer Placeholder 3"/>
+          <p:cNvSpPr>
+            <a:spLocks noGrp="1"/>
+          </p:cNvSpPr>
+          <p:nvPr>
+            <p:ph type="ftr" sz="quarter" idx="10"/>
+          </p:nvPr>
+        </p:nvSpPr>
+        <p:spPr>
+          <a:noFill/>
+        </p:spPr>
+        <p:txBody>
+          <a:bodyPr/>
+          <a:lstStyle/>
+          <a:p>
+            <a:r>
+              <a:rPr lang="en-US"/>
+              <a:t>©SoftMoore Consulting</a:t>
+            </a:r>
+          </a:p>
+        </p:txBody>
+      </p:sp>
+      <p:sp>
+        <p:nvSpPr>
+          <p:cNvPr id="6147" name="Slide Number Placeholder 4"/>
+          <p:cNvSpPr>
+            <a:spLocks noGrp="1"/>
+          </p:cNvSpPr>
+          <p:nvPr>
+            <p:ph type="sldNum" sz="quarter" idx="11"/>
+          </p:nvPr>
+        </p:nvSpPr>
+        <p:spPr>
+          <a:noFill/>
+        </p:spPr>
+        <p:txBody>
+          <a:bodyPr/>
+          <a:lstStyle/>
+          <a:p>
+            <a:r>
+              <a:rPr lang="en-US"/>
+              <a:t>Slide </a:t>
+            </a:r>
+            <a:fld id="{EBB95295-D5E6-403B-8E1C-6C2DF886080A}" type="slidenum">
+              <a:rPr lang="en-US" smtClean="0"/>
+              <a:pPr/>
+              <a:t>4</a:t>
+            </a:fld>
+            <a:endParaRPr lang="en-US"/>
+          </a:p>
+        </p:txBody>
+      </p:sp>
+      <p:sp>
+        <p:nvSpPr>
+          <p:cNvPr id="6148" name="Rectangle 2"/>
+          <p:cNvSpPr>
+            <a:spLocks noGrp="1" noChangeArrowheads="1"/>
+          </p:cNvSpPr>
+          <p:nvPr>
+            <p:ph type="title"/>
+          </p:nvPr>
+        </p:nvSpPr>
+        <p:spPr/>
+        <p:txBody>
+          <a:bodyPr/>
+          <a:lstStyle/>
+          <a:p>
+            <a:r>
+              <a:rPr lang="en-US" dirty="0"/>
+              <a:t>Role of Programming Languages</a:t>
+            </a:r>
+          </a:p>
+        </p:txBody>
+      </p:sp>
+      <p:sp>
+        <p:nvSpPr>
+          <p:cNvPr id="6149" name="Rectangle 3"/>
+          <p:cNvSpPr>
+            <a:spLocks noGrp="1" noChangeArrowheads="1"/>
+          </p:cNvSpPr>
+          <p:nvPr>
+            <p:ph type="body" idx="1"/>
+          </p:nvPr>
+        </p:nvSpPr>
+        <p:spPr/>
+        <p:txBody>
+          <a:bodyPr/>
+          <a:lstStyle/>
+          <a:p>
+            <a:r>
+              <a:rPr lang="en-US"/>
+              <a:t>Machine independence</a:t>
+            </a:r>
+          </a:p>
+          <a:p>
+            <a:r>
+              <a:rPr lang="en-US"/>
+              <a:t>Portability</a:t>
+            </a:r>
+          </a:p>
+          <a:p>
+            <a:r>
+              <a:rPr lang="en-US"/>
+              <a:t>Reuse</a:t>
+            </a:r>
+          </a:p>
+          <a:p>
+            <a:r>
+              <a:rPr lang="en-US"/>
+              <a:t>Abstraction</a:t>
+            </a:r>
+          </a:p>
+          <a:p>
+            <a:r>
+              <a:rPr lang="en-US"/>
+              <a:t>Communication of ideas</a:t>
+            </a:r>
+          </a:p>
+          <a:p>
+            <a:r>
+              <a:rPr lang="en-US"/>
+              <a:t>Productivity</a:t>
+            </a:r>
+          </a:p>
+          <a:p>
+            <a:r>
+              <a:rPr lang="en-US"/>
+              <a:t>Reliability (error detection)</a:t>
+            </a:r>
+          </a:p>
+          <a:p>
+            <a:endParaRPr lang="en-US"/>
+          </a:p>
+        </p:txBody>
+      </p:sp>
     </p:spTree>
   </p:cSld>
   <p:clrMapOvr>

--- a/PowerPoint Slides/01 - Overview of Compilers.pptx
+++ b/PowerPoint Slides/01 - Overview of Compilers.pptx
@@ -52,7 +52,7 @@
     <p:sldId id="286" r:id="rId40"/>
   </p:sldIdLst>
   <p:sldSz cx="9144000" cy="6858000" type="screen4x3"/>
-  <p:notesSz cx="6881813" cy="9296400"/>
+  <p:notesSz cx="7315200" cy="9601200"/>
   <p:defaultTextStyle>
     <a:defPPr>
       <a:defRPr lang="en-US"/>
@@ -195,12 +195,12 @@
     </p:ext>
     <p:ext uri="{2D200454-40CA-4A62-9FC3-DE9A4176ACB9}">
       <p15:notesGuideLst xmlns:p15="http://schemas.microsoft.com/office/powerpoint/2012/main">
-        <p15:guide id="1" orient="horz" pos="2928" userDrawn="1">
+        <p15:guide id="1" orient="horz" pos="3024" userDrawn="1">
           <p15:clr>
             <a:srgbClr val="A4A3A4"/>
           </p15:clr>
         </p15:guide>
-        <p15:guide id="2" pos="2168" userDrawn="1">
+        <p15:guide id="2" pos="2305" userDrawn="1">
           <p15:clr>
             <a:srgbClr val="A4A3A4"/>
           </p15:clr>
@@ -248,8 +248,8 @@
         </p:nvSpPr>
         <p:spPr bwMode="auto">
           <a:xfrm>
-            <a:off x="3899072" y="0"/>
-            <a:ext cx="2982743" cy="465138"/>
+            <a:off x="4144619" y="0"/>
+            <a:ext cx="3170583" cy="480388"/>
           </a:xfrm>
           <a:prstGeom prst="rect">
             <a:avLst/>
@@ -264,14 +264,14 @@
           <a:effectLst/>
         </p:spPr>
         <p:txBody>
-          <a:bodyPr vert="horz" wrap="square" lIns="92429" tIns="46215" rIns="92429" bIns="46215" numCol="1" anchor="t" anchorCtr="0" compatLnSpc="1">
+          <a:bodyPr vert="horz" wrap="square" lIns="96644" tIns="48322" rIns="96644" bIns="48322" numCol="1" anchor="t" anchorCtr="0" compatLnSpc="1">
             <a:prstTxWarp prst="textNoShape">
               <a:avLst/>
             </a:prstTxWarp>
           </a:bodyPr>
           <a:lstStyle>
-            <a:lvl1pPr algn="r" defTabSz="924380">
-              <a:defRPr sz="1100"/>
+            <a:lvl1pPr algn="r" defTabSz="966532">
+              <a:defRPr sz="1200"/>
             </a:lvl1pPr>
           </a:lstStyle>
           <a:p>
@@ -299,8 +299,8 @@
         </p:nvSpPr>
         <p:spPr bwMode="auto">
           <a:xfrm>
-            <a:off x="3899072" y="8831264"/>
-            <a:ext cx="2982743" cy="465137"/>
+            <a:off x="4144619" y="9120814"/>
+            <a:ext cx="3170583" cy="480387"/>
           </a:xfrm>
           <a:prstGeom prst="rect">
             <a:avLst/>
@@ -315,14 +315,14 @@
           <a:effectLst/>
         </p:spPr>
         <p:txBody>
-          <a:bodyPr vert="horz" wrap="square" lIns="92429" tIns="46215" rIns="92429" bIns="46215" numCol="1" anchor="b" anchorCtr="0" compatLnSpc="1">
+          <a:bodyPr vert="horz" wrap="square" lIns="96644" tIns="48322" rIns="96644" bIns="48322" numCol="1" anchor="b" anchorCtr="0" compatLnSpc="1">
             <a:prstTxWarp prst="textNoShape">
               <a:avLst/>
             </a:prstTxWarp>
           </a:bodyPr>
           <a:lstStyle>
-            <a:lvl1pPr algn="r" defTabSz="924380">
-              <a:defRPr sz="1100"/>
+            <a:lvl1pPr algn="r" defTabSz="966532">
+              <a:defRPr sz="1200"/>
             </a:lvl1pPr>
           </a:lstStyle>
           <a:p>
@@ -398,8 +398,8 @@
         </p:nvSpPr>
         <p:spPr bwMode="auto">
           <a:xfrm>
-            <a:off x="0" y="0"/>
-            <a:ext cx="2982743" cy="465138"/>
+            <a:off x="1" y="0"/>
+            <a:ext cx="3170583" cy="480388"/>
           </a:xfrm>
           <a:prstGeom prst="rect">
             <a:avLst/>
@@ -414,14 +414,14 @@
           <a:effectLst/>
         </p:spPr>
         <p:txBody>
-          <a:bodyPr vert="horz" wrap="square" lIns="92429" tIns="46215" rIns="92429" bIns="46215" numCol="1" anchor="t" anchorCtr="0" compatLnSpc="1">
+          <a:bodyPr vert="horz" wrap="square" lIns="96644" tIns="48322" rIns="96644" bIns="48322" numCol="1" anchor="t" anchorCtr="0" compatLnSpc="1">
             <a:prstTxWarp prst="textNoShape">
               <a:avLst/>
             </a:prstTxWarp>
           </a:bodyPr>
           <a:lstStyle>
-            <a:lvl1pPr algn="l" defTabSz="924380">
-              <a:defRPr sz="1100"/>
+            <a:lvl1pPr algn="l" defTabSz="966532">
+              <a:defRPr sz="1200"/>
             </a:lvl1pPr>
           </a:lstStyle>
           <a:p>
@@ -447,8 +447,8 @@
         </p:nvSpPr>
         <p:spPr bwMode="auto">
           <a:xfrm>
-            <a:off x="3899072" y="0"/>
-            <a:ext cx="2982743" cy="465138"/>
+            <a:off x="4144619" y="0"/>
+            <a:ext cx="3170583" cy="480388"/>
           </a:xfrm>
           <a:prstGeom prst="rect">
             <a:avLst/>
@@ -463,14 +463,14 @@
           <a:effectLst/>
         </p:spPr>
         <p:txBody>
-          <a:bodyPr vert="horz" wrap="square" lIns="92429" tIns="46215" rIns="92429" bIns="46215" numCol="1" anchor="t" anchorCtr="0" compatLnSpc="1">
+          <a:bodyPr vert="horz" wrap="square" lIns="96644" tIns="48322" rIns="96644" bIns="48322" numCol="1" anchor="t" anchorCtr="0" compatLnSpc="1">
             <a:prstTxWarp prst="textNoShape">
               <a:avLst/>
             </a:prstTxWarp>
           </a:bodyPr>
           <a:lstStyle>
-            <a:lvl1pPr algn="r" defTabSz="924380">
-              <a:defRPr sz="1100"/>
+            <a:lvl1pPr algn="r" defTabSz="966532">
+              <a:defRPr sz="1200"/>
             </a:lvl1pPr>
           </a:lstStyle>
           <a:p>
@@ -493,8 +493,8 @@
         </p:nvSpPr>
         <p:spPr bwMode="auto">
           <a:xfrm>
-            <a:off x="1117600" y="696913"/>
-            <a:ext cx="4646613" cy="3486150"/>
+            <a:off x="1257300" y="719138"/>
+            <a:ext cx="4800600" cy="3600450"/>
           </a:xfrm>
           <a:prstGeom prst="rect">
             <a:avLst/>
@@ -522,8 +522,8 @@
         </p:nvSpPr>
         <p:spPr bwMode="auto">
           <a:xfrm>
-            <a:off x="917889" y="4416426"/>
-            <a:ext cx="5046039" cy="4183063"/>
+            <a:off x="975694" y="4561227"/>
+            <a:ext cx="5363817" cy="4320213"/>
           </a:xfrm>
           <a:prstGeom prst="rect">
             <a:avLst/>
@@ -538,7 +538,7 @@
           <a:effectLst/>
         </p:spPr>
         <p:txBody>
-          <a:bodyPr vert="horz" wrap="square" lIns="92429" tIns="46215" rIns="92429" bIns="46215" numCol="1" anchor="t" anchorCtr="0" compatLnSpc="1">
+          <a:bodyPr vert="horz" wrap="square" lIns="96644" tIns="48322" rIns="96644" bIns="48322" numCol="1" anchor="t" anchorCtr="0" compatLnSpc="1">
             <a:prstTxWarp prst="textNoShape">
               <a:avLst/>
             </a:prstTxWarp>
@@ -593,8 +593,8 @@
         </p:nvSpPr>
         <p:spPr bwMode="auto">
           <a:xfrm>
-            <a:off x="0" y="8831264"/>
-            <a:ext cx="2982743" cy="465137"/>
+            <a:off x="1" y="9120814"/>
+            <a:ext cx="3170583" cy="480387"/>
           </a:xfrm>
           <a:prstGeom prst="rect">
             <a:avLst/>
@@ -609,14 +609,14 @@
           <a:effectLst/>
         </p:spPr>
         <p:txBody>
-          <a:bodyPr vert="horz" wrap="square" lIns="92429" tIns="46215" rIns="92429" bIns="46215" numCol="1" anchor="b" anchorCtr="0" compatLnSpc="1">
+          <a:bodyPr vert="horz" wrap="square" lIns="96644" tIns="48322" rIns="96644" bIns="48322" numCol="1" anchor="b" anchorCtr="0" compatLnSpc="1">
             <a:prstTxWarp prst="textNoShape">
               <a:avLst/>
             </a:prstTxWarp>
           </a:bodyPr>
           <a:lstStyle>
-            <a:lvl1pPr algn="l" defTabSz="924380">
-              <a:defRPr sz="1100"/>
+            <a:lvl1pPr algn="l" defTabSz="966532">
+              <a:defRPr sz="1200"/>
             </a:lvl1pPr>
           </a:lstStyle>
           <a:p>
@@ -639,8 +639,8 @@
         </p:nvSpPr>
         <p:spPr bwMode="auto">
           <a:xfrm>
-            <a:off x="3899072" y="8831264"/>
-            <a:ext cx="2982743" cy="465137"/>
+            <a:off x="4144619" y="9120814"/>
+            <a:ext cx="3170583" cy="480387"/>
           </a:xfrm>
           <a:prstGeom prst="rect">
             <a:avLst/>
@@ -655,14 +655,14 @@
           <a:effectLst/>
         </p:spPr>
         <p:txBody>
-          <a:bodyPr vert="horz" wrap="square" lIns="92429" tIns="46215" rIns="92429" bIns="46215" numCol="1" anchor="b" anchorCtr="0" compatLnSpc="1">
+          <a:bodyPr vert="horz" wrap="square" lIns="96644" tIns="48322" rIns="96644" bIns="48322" numCol="1" anchor="b" anchorCtr="0" compatLnSpc="1">
             <a:prstTxWarp prst="textNoShape">
               <a:avLst/>
             </a:prstTxWarp>
           </a:bodyPr>
           <a:lstStyle>
-            <a:lvl1pPr algn="r" defTabSz="924380">
-              <a:defRPr sz="1100"/>
+            <a:lvl1pPr algn="r" defTabSz="966532">
+              <a:defRPr sz="1200"/>
             </a:lvl1pPr>
           </a:lstStyle>
           <a:p>
@@ -6927,7 +6927,7 @@
           <a:bodyPr/>
           <a:lstStyle/>
           <a:p>
-            <a:endParaRPr lang="en-US"/>
+            <a:endParaRPr lang="en-US" dirty="0"/>
           </a:p>
         </p:txBody>
       </p:sp>
@@ -7790,12 +7790,24 @@
           <a:p>
             <a:pPr lvl="1"/>
             <a:r>
+              <a:rPr lang="en-US" sz="1950" dirty="0"/>
+              <a:t>e.g., </a:t>
+            </a:r>
+            <a:r>
               <a:rPr lang="en-US" sz="1950" dirty="0" err="1"/>
               <a:t>JShell</a:t>
             </a:r>
             <a:r>
               <a:rPr lang="en-US" sz="1950" dirty="0"/>
-              <a:t> for Java 9</a:t>
+              <a:t> for Java or </a:t>
+            </a:r>
+            <a:r>
+              <a:rPr lang="en-US" sz="1950" dirty="0" err="1"/>
+              <a:t>kotlinc-jvm</a:t>
+            </a:r>
+            <a:r>
+              <a:rPr lang="en-US" sz="1950" dirty="0"/>
+              <a:t> for Kotlin</a:t>
             </a:r>
           </a:p>
           <a:p>
@@ -8804,12 +8816,8 @@
           <a:p>
             <a:pPr lvl="1"/>
             <a:r>
-              <a:rPr lang="en-US" dirty="0" err="1"/>
-              <a:t>e.g</a:t>
-            </a:r>
-            <a:r>
               <a:rPr lang="en-US" dirty="0"/>
-              <a:t>, C++ or Java</a:t>
+              <a:t>e.g., C++, Kotlin, or Java</a:t>
             </a:r>
           </a:p>
           <a:p>
@@ -10936,8 +10944,8 @@
             </p:nvSpPr>
             <p:spPr bwMode="auto">
               <a:xfrm>
-                <a:off x="1578" y="3479"/>
-                <a:ext cx="495" cy="204"/>
+                <a:off x="1616" y="3479"/>
+                <a:ext cx="421" cy="204"/>
               </a:xfrm>
               <a:prstGeom prst="rect">
                 <a:avLst/>
@@ -10958,7 +10966,7 @@
               <a:p>
                 <a:r>
                   <a:rPr lang="en-US" sz="1500" dirty="0"/>
-                  <a:t>Python</a:t>
+                  <a:t>Kotlin</a:t>
                 </a:r>
               </a:p>
             </p:txBody>
@@ -21720,57 +21728,63 @@
           </a:p>
         </p:txBody>
       </p:sp>
+      <p:sp>
+        <p:nvSpPr>
+          <p:cNvPr id="27653" name="Text Box 38"/>
+          <p:cNvSpPr txBox="1">
+            <a:spLocks noChangeArrowheads="1"/>
+          </p:cNvSpPr>
+          <p:nvPr/>
+        </p:nvSpPr>
+        <p:spPr bwMode="auto">
+          <a:xfrm>
+            <a:off x="1729075" y="3609908"/>
+            <a:ext cx="5685851" cy="400752"/>
+          </a:xfrm>
+          <a:prstGeom prst="rect">
+            <a:avLst/>
+          </a:prstGeom>
+          <a:noFill/>
+          <a:ln w="9525">
+            <a:noFill/>
+            <a:miter lim="800000"/>
+            <a:headEnd/>
+            <a:tailEnd/>
+          </a:ln>
+        </p:spPr>
+        <p:txBody>
+          <a:bodyPr wrap="none" lIns="92075" tIns="46038" rIns="92075" bIns="46038">
+            <a:spAutoFit/>
+          </a:bodyPr>
+          <a:lstStyle/>
+          <a:p>
+            <a:r>
+              <a:rPr lang="en-US" sz="2000" dirty="0"/>
+              <a:t>Functionally equivalent to a C++-to-x86 compiler</a:t>
+            </a:r>
+          </a:p>
+        </p:txBody>
+      </p:sp>
       <p:grpSp>
         <p:nvGrpSpPr>
-          <p:cNvPr id="3" name="Group 2"/>
+          <p:cNvPr id="4" name="Group 3">
+            <a:extLst>
+              <a:ext uri="{FF2B5EF4-FFF2-40B4-BE49-F238E27FC236}">
+                <a16:creationId xmlns:a16="http://schemas.microsoft.com/office/drawing/2014/main" id="{290D0392-C4B9-41DC-89D6-8E1FB2614D4F}"/>
+              </a:ext>
+            </a:extLst>
+          </p:cNvPr>
           <p:cNvGrpSpPr/>
           <p:nvPr/>
         </p:nvGrpSpPr>
         <p:grpSpPr>
           <a:xfrm>
-            <a:off x="1557338" y="2286000"/>
-            <a:ext cx="6032500" cy="2610552"/>
-            <a:chOff x="1557338" y="2286000"/>
-            <a:chExt cx="6032500" cy="2610552"/>
+            <a:off x="1555750" y="1524000"/>
+            <a:ext cx="6032500" cy="1829368"/>
+            <a:chOff x="1555750" y="1524000"/>
+            <a:chExt cx="6032500" cy="1829368"/>
           </a:xfrm>
         </p:grpSpPr>
-        <p:sp>
-          <p:nvSpPr>
-            <p:cNvPr id="27653" name="Text Box 38"/>
-            <p:cNvSpPr txBox="1">
-              <a:spLocks noChangeArrowheads="1"/>
-            </p:cNvSpPr>
-            <p:nvPr/>
-          </p:nvSpPr>
-          <p:spPr bwMode="auto">
-            <a:xfrm>
-              <a:off x="1729075" y="4495800"/>
-              <a:ext cx="5685851" cy="400752"/>
-            </a:xfrm>
-            <a:prstGeom prst="rect">
-              <a:avLst/>
-            </a:prstGeom>
-            <a:noFill/>
-            <a:ln w="9525">
-              <a:noFill/>
-              <a:miter lim="800000"/>
-              <a:headEnd/>
-              <a:tailEnd/>
-            </a:ln>
-          </p:spPr>
-          <p:txBody>
-            <a:bodyPr wrap="none" lIns="92075" tIns="46038" rIns="92075" bIns="46038">
-              <a:spAutoFit/>
-            </a:bodyPr>
-            <a:lstStyle/>
-            <a:p>
-              <a:r>
-                <a:rPr lang="en-US" sz="2000" dirty="0"/>
-                <a:t>Functionally equivalent to a C++-to-x86 compiler</a:t>
-              </a:r>
-            </a:p>
-          </p:txBody>
-        </p:sp>
         <p:grpSp>
           <p:nvGrpSpPr>
             <p:cNvPr id="27655" name="Group 52"/>
@@ -21781,7 +21795,7 @@
           </p:nvGrpSpPr>
           <p:grpSpPr bwMode="auto">
             <a:xfrm>
-              <a:off x="2654300" y="2652713"/>
+              <a:off x="2652712" y="1890713"/>
               <a:ext cx="1462088" cy="730250"/>
               <a:chOff x="624" y="2544"/>
               <a:chExt cx="921" cy="460"/>
@@ -22167,7 +22181,7 @@
           </p:nvGrpSpPr>
           <p:grpSpPr bwMode="auto">
             <a:xfrm>
-              <a:off x="1557338" y="2286000"/>
+              <a:off x="1555750" y="1524000"/>
               <a:ext cx="1281112" cy="731838"/>
               <a:chOff x="1420" y="3235"/>
               <a:chExt cx="807" cy="461"/>
@@ -22627,7 +22641,7 @@
           </p:nvGrpSpPr>
           <p:grpSpPr bwMode="auto">
             <a:xfrm>
-              <a:off x="3932238" y="2286000"/>
+              <a:off x="3930650" y="1524000"/>
               <a:ext cx="1281112" cy="731838"/>
               <a:chOff x="1420" y="3235"/>
               <a:chExt cx="807" cy="461"/>
@@ -23087,7 +23101,7 @@
           </p:nvGrpSpPr>
           <p:grpSpPr bwMode="auto">
             <a:xfrm>
-              <a:off x="5030788" y="2654300"/>
+              <a:off x="5029200" y="1892300"/>
               <a:ext cx="1462087" cy="730250"/>
               <a:chOff x="624" y="2544"/>
               <a:chExt cx="921" cy="460"/>
@@ -23473,7 +23487,7 @@
           </p:nvGrpSpPr>
           <p:grpSpPr bwMode="auto">
             <a:xfrm>
-              <a:off x="6308725" y="2287588"/>
+              <a:off x="6307137" y="1525588"/>
               <a:ext cx="1281113" cy="731837"/>
               <a:chOff x="1420" y="3235"/>
               <a:chExt cx="807" cy="461"/>
@@ -23925,76 +23939,13 @@
         </p:grpSp>
         <p:sp>
           <p:nvSpPr>
-            <p:cNvPr id="2" name="Left Brace 1"/>
-            <p:cNvSpPr/>
-            <p:nvPr/>
-          </p:nvSpPr>
-          <p:spPr bwMode="auto">
-            <a:xfrm rot="16200000">
-              <a:off x="4389120" y="2484120"/>
-              <a:ext cx="365760" cy="3657600"/>
-            </a:xfrm>
-            <a:prstGeom prst="leftBrace">
-              <a:avLst/>
-            </a:prstGeom>
-            <a:noFill/>
-            <a:ln w="9525" cap="flat" cmpd="sng" algn="ctr">
-              <a:solidFill>
-                <a:schemeClr val="tx1"/>
-              </a:solidFill>
-              <a:prstDash val="solid"/>
-              <a:round/>
-              <a:headEnd type="none" w="med" len="med"/>
-              <a:tailEnd type="none" w="med" len="med"/>
-            </a:ln>
-            <a:effectLst/>
-          </p:spPr>
-          <p:txBody>
-            <a:bodyPr vert="horz" wrap="none" lIns="92075" tIns="46038" rIns="92075" bIns="46038" numCol="1" rtlCol="0" anchor="ctr" anchorCtr="0" compatLnSpc="1">
-              <a:prstTxWarp prst="textNoShape">
-                <a:avLst/>
-              </a:prstTxWarp>
-            </a:bodyPr>
-            <a:lstStyle/>
-            <a:p>
-              <a:pPr marL="0" marR="0" indent="0" algn="ctr" defTabSz="914400" rtl="0" eaLnBrk="0" fontAlgn="base" latinLnBrk="0" hangingPunct="0">
-                <a:lnSpc>
-                  <a:spcPct val="100000"/>
-                </a:lnSpc>
-                <a:spcBef>
-                  <a:spcPct val="0"/>
-                </a:spcBef>
-                <a:spcAft>
-                  <a:spcPct val="0"/>
-                </a:spcAft>
-                <a:buClrTx/>
-                <a:buSzTx/>
-                <a:buFontTx/>
-                <a:buNone/>
-                <a:tabLst/>
-              </a:pPr>
-              <a:endParaRPr kumimoji="0" lang="en-US" sz="2400" b="0" i="0" u="none" strike="noStrike" cap="none" normalizeH="0" baseline="0">
-                <a:ln>
-                  <a:noFill/>
-                </a:ln>
-                <a:solidFill>
-                  <a:schemeClr val="tx1"/>
-                </a:solidFill>
-                <a:effectLst/>
-                <a:latin typeface="Arial" charset="0"/>
-              </a:endParaRPr>
-            </a:p>
-          </p:txBody>
-        </p:sp>
-        <p:sp>
-          <p:nvSpPr>
             <p:cNvPr id="80" name="Flowchart: Off-page Connector 79"/>
             <p:cNvSpPr/>
             <p:nvPr/>
           </p:nvSpPr>
           <p:spPr bwMode="auto">
             <a:xfrm>
-              <a:off x="2929890" y="3383280"/>
+              <a:off x="2928302" y="2621280"/>
               <a:ext cx="914400" cy="731520"/>
             </a:xfrm>
             <a:prstGeom prst="flowChartOffpageConnector">
@@ -24030,7 +23981,7 @@
           </p:nvSpPr>
           <p:spPr bwMode="auto">
             <a:xfrm>
-              <a:off x="5305780" y="3383848"/>
+              <a:off x="5304192" y="2621848"/>
               <a:ext cx="914400" cy="731520"/>
             </a:xfrm>
             <a:prstGeom prst="flowChartOffpageConnector">
@@ -24059,6 +24010,2729 @@
           </p:txBody>
         </p:sp>
       </p:grpSp>
+      <p:grpSp>
+        <p:nvGrpSpPr>
+          <p:cNvPr id="65" name="Group 64">
+            <a:extLst>
+              <a:ext uri="{FF2B5EF4-FFF2-40B4-BE49-F238E27FC236}">
+                <a16:creationId xmlns:a16="http://schemas.microsoft.com/office/drawing/2014/main" id="{BDCEFDEC-60CE-45AC-A7CE-80953E729666}"/>
+              </a:ext>
+            </a:extLst>
+          </p:cNvPr>
+          <p:cNvGrpSpPr/>
+          <p:nvPr/>
+        </p:nvGrpSpPr>
+        <p:grpSpPr>
+          <a:xfrm>
+            <a:off x="1555750" y="4267200"/>
+            <a:ext cx="6032500" cy="1829368"/>
+            <a:chOff x="1555750" y="1524000"/>
+            <a:chExt cx="6032500" cy="1829368"/>
+          </a:xfrm>
+        </p:grpSpPr>
+        <p:grpSp>
+          <p:nvGrpSpPr>
+            <p:cNvPr id="66" name="Group 52">
+              <a:extLst>
+                <a:ext uri="{FF2B5EF4-FFF2-40B4-BE49-F238E27FC236}">
+                  <a16:creationId xmlns:a16="http://schemas.microsoft.com/office/drawing/2014/main" id="{99D4CAE3-1240-4B81-87A2-970038E2154B}"/>
+                </a:ext>
+              </a:extLst>
+            </p:cNvPr>
+            <p:cNvGrpSpPr>
+              <a:grpSpLocks/>
+            </p:cNvGrpSpPr>
+            <p:nvPr/>
+          </p:nvGrpSpPr>
+          <p:grpSpPr bwMode="auto">
+            <a:xfrm>
+              <a:off x="2652712" y="1890713"/>
+              <a:ext cx="1462088" cy="730250"/>
+              <a:chOff x="624" y="2544"/>
+              <a:chExt cx="921" cy="460"/>
+            </a:xfrm>
+          </p:grpSpPr>
+          <p:grpSp>
+            <p:nvGrpSpPr>
+              <p:cNvPr id="113" name="Group 53">
+                <a:extLst>
+                  <a:ext uri="{FF2B5EF4-FFF2-40B4-BE49-F238E27FC236}">
+                    <a16:creationId xmlns:a16="http://schemas.microsoft.com/office/drawing/2014/main" id="{EC8B6B93-C7AD-4B70-B8D5-4838487CCBB7}"/>
+                  </a:ext>
+                </a:extLst>
+              </p:cNvPr>
+              <p:cNvGrpSpPr>
+                <a:grpSpLocks/>
+              </p:cNvGrpSpPr>
+              <p:nvPr/>
+            </p:nvGrpSpPr>
+            <p:grpSpPr bwMode="auto">
+              <a:xfrm>
+                <a:off x="624" y="2544"/>
+                <a:ext cx="921" cy="460"/>
+                <a:chOff x="624" y="2544"/>
+                <a:chExt cx="921" cy="460"/>
+              </a:xfrm>
+            </p:grpSpPr>
+            <p:sp>
+              <p:nvSpPr>
+                <p:cNvPr id="116" name="Line 54">
+                  <a:extLst>
+                    <a:ext uri="{FF2B5EF4-FFF2-40B4-BE49-F238E27FC236}">
+                      <a16:creationId xmlns:a16="http://schemas.microsoft.com/office/drawing/2014/main" id="{2BE406F5-49F9-479C-A735-32E2B97536D0}"/>
+                    </a:ext>
+                  </a:extLst>
+                </p:cNvPr>
+                <p:cNvSpPr>
+                  <a:spLocks noChangeShapeType="1"/>
+                </p:cNvSpPr>
+                <p:nvPr/>
+              </p:nvSpPr>
+              <p:spPr bwMode="auto">
+                <a:xfrm>
+                  <a:off x="624" y="2544"/>
+                  <a:ext cx="921" cy="0"/>
+                </a:xfrm>
+                <a:prstGeom prst="line">
+                  <a:avLst/>
+                </a:prstGeom>
+                <a:noFill/>
+                <a:ln w="9525">
+                  <a:solidFill>
+                    <a:schemeClr val="tx1"/>
+                  </a:solidFill>
+                  <a:round/>
+                  <a:headEnd/>
+                  <a:tailEnd/>
+                </a:ln>
+              </p:spPr>
+              <p:txBody>
+                <a:bodyPr wrap="none" lIns="92075" tIns="46038" rIns="92075" bIns="46038" anchor="ctr"/>
+                <a:lstStyle/>
+                <a:p>
+                  <a:endParaRPr lang="en-US"/>
+                </a:p>
+              </p:txBody>
+            </p:sp>
+            <p:sp>
+              <p:nvSpPr>
+                <p:cNvPr id="117" name="Line 55">
+                  <a:extLst>
+                    <a:ext uri="{FF2B5EF4-FFF2-40B4-BE49-F238E27FC236}">
+                      <a16:creationId xmlns:a16="http://schemas.microsoft.com/office/drawing/2014/main" id="{96D1A439-BB78-4BE5-8E43-3C0470EA14AC}"/>
+                    </a:ext>
+                  </a:extLst>
+                </p:cNvPr>
+                <p:cNvSpPr>
+                  <a:spLocks noChangeShapeType="1"/>
+                </p:cNvSpPr>
+                <p:nvPr/>
+              </p:nvSpPr>
+              <p:spPr bwMode="auto">
+                <a:xfrm>
+                  <a:off x="797" y="3004"/>
+                  <a:ext cx="576" cy="0"/>
+                </a:xfrm>
+                <a:prstGeom prst="line">
+                  <a:avLst/>
+                </a:prstGeom>
+                <a:noFill/>
+                <a:ln w="9525">
+                  <a:solidFill>
+                    <a:schemeClr val="tx1"/>
+                  </a:solidFill>
+                  <a:round/>
+                  <a:headEnd/>
+                  <a:tailEnd/>
+                </a:ln>
+              </p:spPr>
+              <p:txBody>
+                <a:bodyPr wrap="none" lIns="92075" tIns="46038" rIns="92075" bIns="46038" anchor="ctr"/>
+                <a:lstStyle/>
+                <a:p>
+                  <a:endParaRPr lang="en-US"/>
+                </a:p>
+              </p:txBody>
+            </p:sp>
+            <p:sp>
+              <p:nvSpPr>
+                <p:cNvPr id="118" name="Line 56">
+                  <a:extLst>
+                    <a:ext uri="{FF2B5EF4-FFF2-40B4-BE49-F238E27FC236}">
+                      <a16:creationId xmlns:a16="http://schemas.microsoft.com/office/drawing/2014/main" id="{EAADC89F-3F80-4E8C-97A4-64DEF980C901}"/>
+                    </a:ext>
+                  </a:extLst>
+                </p:cNvPr>
+                <p:cNvSpPr>
+                  <a:spLocks noChangeShapeType="1"/>
+                </p:cNvSpPr>
+                <p:nvPr/>
+              </p:nvSpPr>
+              <p:spPr bwMode="auto">
+                <a:xfrm>
+                  <a:off x="625" y="2544"/>
+                  <a:ext cx="0" cy="230"/>
+                </a:xfrm>
+                <a:prstGeom prst="line">
+                  <a:avLst/>
+                </a:prstGeom>
+                <a:noFill/>
+                <a:ln w="9525">
+                  <a:solidFill>
+                    <a:schemeClr val="tx1"/>
+                  </a:solidFill>
+                  <a:round/>
+                  <a:headEnd/>
+                  <a:tailEnd/>
+                </a:ln>
+              </p:spPr>
+              <p:txBody>
+                <a:bodyPr wrap="none" lIns="92075" tIns="46038" rIns="92075" bIns="46038" anchor="ctr"/>
+                <a:lstStyle/>
+                <a:p>
+                  <a:endParaRPr lang="en-US"/>
+                </a:p>
+              </p:txBody>
+            </p:sp>
+            <p:sp>
+              <p:nvSpPr>
+                <p:cNvPr id="119" name="Line 57">
+                  <a:extLst>
+                    <a:ext uri="{FF2B5EF4-FFF2-40B4-BE49-F238E27FC236}">
+                      <a16:creationId xmlns:a16="http://schemas.microsoft.com/office/drawing/2014/main" id="{60D9668F-FFFE-4B4D-BA30-FBB2537D24BA}"/>
+                    </a:ext>
+                  </a:extLst>
+                </p:cNvPr>
+                <p:cNvSpPr>
+                  <a:spLocks noChangeShapeType="1"/>
+                </p:cNvSpPr>
+                <p:nvPr/>
+              </p:nvSpPr>
+              <p:spPr bwMode="auto">
+                <a:xfrm>
+                  <a:off x="1545" y="2544"/>
+                  <a:ext cx="0" cy="230"/>
+                </a:xfrm>
+                <a:prstGeom prst="line">
+                  <a:avLst/>
+                </a:prstGeom>
+                <a:noFill/>
+                <a:ln w="9525">
+                  <a:solidFill>
+                    <a:schemeClr val="tx1"/>
+                  </a:solidFill>
+                  <a:round/>
+                  <a:headEnd/>
+                  <a:tailEnd/>
+                </a:ln>
+              </p:spPr>
+              <p:txBody>
+                <a:bodyPr wrap="none" lIns="92075" tIns="46038" rIns="92075" bIns="46038" anchor="ctr"/>
+                <a:lstStyle/>
+                <a:p>
+                  <a:endParaRPr lang="en-US"/>
+                </a:p>
+              </p:txBody>
+            </p:sp>
+            <p:sp>
+              <p:nvSpPr>
+                <p:cNvPr id="120" name="Line 58">
+                  <a:extLst>
+                    <a:ext uri="{FF2B5EF4-FFF2-40B4-BE49-F238E27FC236}">
+                      <a16:creationId xmlns:a16="http://schemas.microsoft.com/office/drawing/2014/main" id="{560CBA45-D2C3-425E-8840-D89134BBFA0C}"/>
+                    </a:ext>
+                  </a:extLst>
+                </p:cNvPr>
+                <p:cNvSpPr>
+                  <a:spLocks noChangeShapeType="1"/>
+                </p:cNvSpPr>
+                <p:nvPr/>
+              </p:nvSpPr>
+              <p:spPr bwMode="auto">
+                <a:xfrm>
+                  <a:off x="797" y="2774"/>
+                  <a:ext cx="0" cy="230"/>
+                </a:xfrm>
+                <a:prstGeom prst="line">
+                  <a:avLst/>
+                </a:prstGeom>
+                <a:noFill/>
+                <a:ln w="9525">
+                  <a:solidFill>
+                    <a:schemeClr val="tx1"/>
+                  </a:solidFill>
+                  <a:round/>
+                  <a:headEnd/>
+                  <a:tailEnd/>
+                </a:ln>
+              </p:spPr>
+              <p:txBody>
+                <a:bodyPr wrap="none" lIns="92075" tIns="46038" rIns="92075" bIns="46038" anchor="ctr"/>
+                <a:lstStyle/>
+                <a:p>
+                  <a:endParaRPr lang="en-US"/>
+                </a:p>
+              </p:txBody>
+            </p:sp>
+            <p:sp>
+              <p:nvSpPr>
+                <p:cNvPr id="121" name="Line 59">
+                  <a:extLst>
+                    <a:ext uri="{FF2B5EF4-FFF2-40B4-BE49-F238E27FC236}">
+                      <a16:creationId xmlns:a16="http://schemas.microsoft.com/office/drawing/2014/main" id="{D1D55937-F835-4D08-BD7E-3C54D1D61314}"/>
+                    </a:ext>
+                  </a:extLst>
+                </p:cNvPr>
+                <p:cNvSpPr>
+                  <a:spLocks noChangeShapeType="1"/>
+                </p:cNvSpPr>
+                <p:nvPr/>
+              </p:nvSpPr>
+              <p:spPr bwMode="auto">
+                <a:xfrm>
+                  <a:off x="1373" y="2774"/>
+                  <a:ext cx="0" cy="230"/>
+                </a:xfrm>
+                <a:prstGeom prst="line">
+                  <a:avLst/>
+                </a:prstGeom>
+                <a:noFill/>
+                <a:ln w="9525">
+                  <a:solidFill>
+                    <a:schemeClr val="tx1"/>
+                  </a:solidFill>
+                  <a:round/>
+                  <a:headEnd/>
+                  <a:tailEnd/>
+                </a:ln>
+              </p:spPr>
+              <p:txBody>
+                <a:bodyPr wrap="none" lIns="92075" tIns="46038" rIns="92075" bIns="46038" anchor="ctr"/>
+                <a:lstStyle/>
+                <a:p>
+                  <a:endParaRPr lang="en-US"/>
+                </a:p>
+              </p:txBody>
+            </p:sp>
+            <p:sp>
+              <p:nvSpPr>
+                <p:cNvPr id="122" name="Line 60">
+                  <a:extLst>
+                    <a:ext uri="{FF2B5EF4-FFF2-40B4-BE49-F238E27FC236}">
+                      <a16:creationId xmlns:a16="http://schemas.microsoft.com/office/drawing/2014/main" id="{F922C897-D65A-47A2-A1A1-1967F4663E6F}"/>
+                    </a:ext>
+                  </a:extLst>
+                </p:cNvPr>
+                <p:cNvSpPr>
+                  <a:spLocks noChangeShapeType="1"/>
+                </p:cNvSpPr>
+                <p:nvPr/>
+              </p:nvSpPr>
+              <p:spPr bwMode="auto">
+                <a:xfrm>
+                  <a:off x="624" y="2774"/>
+                  <a:ext cx="173" cy="0"/>
+                </a:xfrm>
+                <a:prstGeom prst="line">
+                  <a:avLst/>
+                </a:prstGeom>
+                <a:noFill/>
+                <a:ln w="9525">
+                  <a:solidFill>
+                    <a:schemeClr val="tx1"/>
+                  </a:solidFill>
+                  <a:round/>
+                  <a:headEnd/>
+                  <a:tailEnd/>
+                </a:ln>
+              </p:spPr>
+              <p:txBody>
+                <a:bodyPr wrap="none" lIns="92075" tIns="46038" rIns="92075" bIns="46038" anchor="ctr"/>
+                <a:lstStyle/>
+                <a:p>
+                  <a:endParaRPr lang="en-US"/>
+                </a:p>
+              </p:txBody>
+            </p:sp>
+            <p:sp>
+              <p:nvSpPr>
+                <p:cNvPr id="123" name="Line 61">
+                  <a:extLst>
+                    <a:ext uri="{FF2B5EF4-FFF2-40B4-BE49-F238E27FC236}">
+                      <a16:creationId xmlns:a16="http://schemas.microsoft.com/office/drawing/2014/main" id="{965DB5A6-4422-425E-925C-9375A6140A99}"/>
+                    </a:ext>
+                  </a:extLst>
+                </p:cNvPr>
+                <p:cNvSpPr>
+                  <a:spLocks noChangeShapeType="1"/>
+                </p:cNvSpPr>
+                <p:nvPr/>
+              </p:nvSpPr>
+              <p:spPr bwMode="auto">
+                <a:xfrm>
+                  <a:off x="1372" y="2774"/>
+                  <a:ext cx="173" cy="0"/>
+                </a:xfrm>
+                <a:prstGeom prst="line">
+                  <a:avLst/>
+                </a:prstGeom>
+                <a:noFill/>
+                <a:ln w="9525">
+                  <a:solidFill>
+                    <a:schemeClr val="tx1"/>
+                  </a:solidFill>
+                  <a:round/>
+                  <a:headEnd/>
+                  <a:tailEnd/>
+                </a:ln>
+              </p:spPr>
+              <p:txBody>
+                <a:bodyPr wrap="none" lIns="92075" tIns="46038" rIns="92075" bIns="46038" anchor="ctr"/>
+                <a:lstStyle/>
+                <a:p>
+                  <a:endParaRPr lang="en-US"/>
+                </a:p>
+              </p:txBody>
+            </p:sp>
+          </p:grpSp>
+          <p:sp>
+            <p:nvSpPr>
+              <p:cNvPr id="114" name="Text Box 62">
+                <a:extLst>
+                  <a:ext uri="{FF2B5EF4-FFF2-40B4-BE49-F238E27FC236}">
+                    <a16:creationId xmlns:a16="http://schemas.microsoft.com/office/drawing/2014/main" id="{D1EE8970-3BCD-45BC-BF07-14CA41CF7474}"/>
+                  </a:ext>
+                </a:extLst>
+              </p:cNvPr>
+              <p:cNvSpPr txBox="1">
+                <a:spLocks noChangeArrowheads="1"/>
+              </p:cNvSpPr>
+              <p:nvPr/>
+            </p:nvSpPr>
+            <p:spPr bwMode="auto">
+              <a:xfrm>
+                <a:off x="930" y="2784"/>
+                <a:ext cx="310" cy="202"/>
+              </a:xfrm>
+              <a:prstGeom prst="rect">
+                <a:avLst/>
+              </a:prstGeom>
+              <a:noFill/>
+              <a:ln w="9525">
+                <a:noFill/>
+                <a:miter lim="800000"/>
+                <a:headEnd/>
+                <a:tailEnd/>
+              </a:ln>
+            </p:spPr>
+            <p:txBody>
+              <a:bodyPr wrap="none" lIns="92075" tIns="46038" rIns="92075" bIns="46038">
+                <a:spAutoFit/>
+              </a:bodyPr>
+              <a:lstStyle/>
+              <a:p>
+                <a:r>
+                  <a:rPr lang="en-US" sz="1500"/>
+                  <a:t>x86</a:t>
+                </a:r>
+              </a:p>
+            </p:txBody>
+          </p:sp>
+          <p:sp>
+            <p:nvSpPr>
+              <p:cNvPr id="115" name="Text Box 63">
+                <a:extLst>
+                  <a:ext uri="{FF2B5EF4-FFF2-40B4-BE49-F238E27FC236}">
+                    <a16:creationId xmlns:a16="http://schemas.microsoft.com/office/drawing/2014/main" id="{5E5FA99D-1316-4604-947A-9D615AE72BE9}"/>
+                  </a:ext>
+                </a:extLst>
+              </p:cNvPr>
+              <p:cNvSpPr txBox="1">
+                <a:spLocks noChangeArrowheads="1"/>
+              </p:cNvSpPr>
+              <p:nvPr/>
+            </p:nvSpPr>
+            <p:spPr bwMode="auto">
+              <a:xfrm>
+                <a:off x="661" y="2557"/>
+                <a:ext cx="842" cy="204"/>
+              </a:xfrm>
+              <a:prstGeom prst="rect">
+                <a:avLst/>
+              </a:prstGeom>
+              <a:noFill/>
+              <a:ln w="9525">
+                <a:noFill/>
+                <a:miter lim="800000"/>
+                <a:headEnd/>
+                <a:tailEnd/>
+              </a:ln>
+            </p:spPr>
+            <p:txBody>
+              <a:bodyPr wrap="none" lIns="92075" tIns="46038" rIns="92075" bIns="46038">
+                <a:spAutoFit/>
+              </a:bodyPr>
+              <a:lstStyle/>
+              <a:p>
+                <a:r>
+                  <a:rPr lang="en-US" sz="1500" dirty="0"/>
+                  <a:t>C++ </a:t>
+                </a:r>
+                <a:r>
+                  <a:rPr lang="en-US" sz="1500" dirty="0">
+                    <a:sym typeface="Symbol" pitchFamily="18" charset="2"/>
+                  </a:rPr>
+                  <a:t> x86/A</a:t>
+                </a:r>
+              </a:p>
+            </p:txBody>
+          </p:sp>
+        </p:grpSp>
+        <p:grpSp>
+          <p:nvGrpSpPr>
+            <p:cNvPr id="67" name="Group 64">
+              <a:extLst>
+                <a:ext uri="{FF2B5EF4-FFF2-40B4-BE49-F238E27FC236}">
+                  <a16:creationId xmlns:a16="http://schemas.microsoft.com/office/drawing/2014/main" id="{4E97884F-1CEE-42E5-99E1-D4FA535CF567}"/>
+                </a:ext>
+              </a:extLst>
+            </p:cNvPr>
+            <p:cNvGrpSpPr>
+              <a:grpSpLocks/>
+            </p:cNvGrpSpPr>
+            <p:nvPr/>
+          </p:nvGrpSpPr>
+          <p:grpSpPr bwMode="auto">
+            <a:xfrm>
+              <a:off x="1555750" y="1524000"/>
+              <a:ext cx="1281112" cy="731838"/>
+              <a:chOff x="1420" y="3235"/>
+              <a:chExt cx="807" cy="461"/>
+            </a:xfrm>
+          </p:grpSpPr>
+          <p:grpSp>
+            <p:nvGrpSpPr>
+              <p:cNvPr id="104" name="Group 65">
+                <a:extLst>
+                  <a:ext uri="{FF2B5EF4-FFF2-40B4-BE49-F238E27FC236}">
+                    <a16:creationId xmlns:a16="http://schemas.microsoft.com/office/drawing/2014/main" id="{01F2BD13-C914-4C7E-8A3C-4FC7EFF11916}"/>
+                  </a:ext>
+                </a:extLst>
+              </p:cNvPr>
+              <p:cNvGrpSpPr>
+                <a:grpSpLocks/>
+              </p:cNvGrpSpPr>
+              <p:nvPr/>
+            </p:nvGrpSpPr>
+            <p:grpSpPr bwMode="auto">
+              <a:xfrm>
+                <a:off x="1420" y="3235"/>
+                <a:ext cx="807" cy="461"/>
+                <a:chOff x="1420" y="3235"/>
+                <a:chExt cx="807" cy="461"/>
+              </a:xfrm>
+            </p:grpSpPr>
+            <p:sp>
+              <p:nvSpPr>
+                <p:cNvPr id="107" name="Line 66">
+                  <a:extLst>
+                    <a:ext uri="{FF2B5EF4-FFF2-40B4-BE49-F238E27FC236}">
+                      <a16:creationId xmlns:a16="http://schemas.microsoft.com/office/drawing/2014/main" id="{FD135D4E-90BB-4949-9F9D-333962618A01}"/>
+                    </a:ext>
+                  </a:extLst>
+                </p:cNvPr>
+                <p:cNvSpPr>
+                  <a:spLocks noChangeShapeType="1"/>
+                </p:cNvSpPr>
+                <p:nvPr/>
+              </p:nvSpPr>
+              <p:spPr bwMode="auto">
+                <a:xfrm>
+                  <a:off x="1536" y="3696"/>
+                  <a:ext cx="576" cy="0"/>
+                </a:xfrm>
+                <a:prstGeom prst="line">
+                  <a:avLst/>
+                </a:prstGeom>
+                <a:noFill/>
+                <a:ln w="9525">
+                  <a:solidFill>
+                    <a:schemeClr val="tx1"/>
+                  </a:solidFill>
+                  <a:round/>
+                  <a:headEnd/>
+                  <a:tailEnd/>
+                </a:ln>
+              </p:spPr>
+              <p:txBody>
+                <a:bodyPr wrap="none" lIns="92075" tIns="46038" rIns="92075" bIns="46038" anchor="ctr"/>
+                <a:lstStyle/>
+                <a:p>
+                  <a:endParaRPr lang="en-US"/>
+                </a:p>
+              </p:txBody>
+            </p:sp>
+            <p:sp>
+              <p:nvSpPr>
+                <p:cNvPr id="108" name="Line 67">
+                  <a:extLst>
+                    <a:ext uri="{FF2B5EF4-FFF2-40B4-BE49-F238E27FC236}">
+                      <a16:creationId xmlns:a16="http://schemas.microsoft.com/office/drawing/2014/main" id="{6E304C68-B0AA-4436-978B-D9DF90DEF4D3}"/>
+                    </a:ext>
+                  </a:extLst>
+                </p:cNvPr>
+                <p:cNvSpPr>
+                  <a:spLocks noChangeShapeType="1"/>
+                </p:cNvSpPr>
+                <p:nvPr/>
+              </p:nvSpPr>
+              <p:spPr bwMode="auto">
+                <a:xfrm>
+                  <a:off x="1536" y="3466"/>
+                  <a:ext cx="0" cy="230"/>
+                </a:xfrm>
+                <a:prstGeom prst="line">
+                  <a:avLst/>
+                </a:prstGeom>
+                <a:noFill/>
+                <a:ln w="9525">
+                  <a:solidFill>
+                    <a:schemeClr val="tx1"/>
+                  </a:solidFill>
+                  <a:round/>
+                  <a:headEnd/>
+                  <a:tailEnd/>
+                </a:ln>
+              </p:spPr>
+              <p:txBody>
+                <a:bodyPr wrap="none" lIns="92075" tIns="46038" rIns="92075" bIns="46038" anchor="ctr"/>
+                <a:lstStyle/>
+                <a:p>
+                  <a:endParaRPr lang="en-US"/>
+                </a:p>
+              </p:txBody>
+            </p:sp>
+            <p:sp>
+              <p:nvSpPr>
+                <p:cNvPr id="109" name="Line 68">
+                  <a:extLst>
+                    <a:ext uri="{FF2B5EF4-FFF2-40B4-BE49-F238E27FC236}">
+                      <a16:creationId xmlns:a16="http://schemas.microsoft.com/office/drawing/2014/main" id="{32F52F25-AE74-418B-939C-13C552DD6EDD}"/>
+                    </a:ext>
+                  </a:extLst>
+                </p:cNvPr>
+                <p:cNvSpPr>
+                  <a:spLocks noChangeShapeType="1"/>
+                </p:cNvSpPr>
+                <p:nvPr/>
+              </p:nvSpPr>
+              <p:spPr bwMode="auto">
+                <a:xfrm>
+                  <a:off x="2112" y="3466"/>
+                  <a:ext cx="0" cy="230"/>
+                </a:xfrm>
+                <a:prstGeom prst="line">
+                  <a:avLst/>
+                </a:prstGeom>
+                <a:noFill/>
+                <a:ln w="9525">
+                  <a:solidFill>
+                    <a:schemeClr val="tx1"/>
+                  </a:solidFill>
+                  <a:round/>
+                  <a:headEnd/>
+                  <a:tailEnd/>
+                </a:ln>
+              </p:spPr>
+              <p:txBody>
+                <a:bodyPr wrap="none" lIns="92075" tIns="46038" rIns="92075" bIns="46038" anchor="ctr"/>
+                <a:lstStyle/>
+                <a:p>
+                  <a:endParaRPr lang="en-US"/>
+                </a:p>
+              </p:txBody>
+            </p:sp>
+            <p:sp>
+              <p:nvSpPr>
+                <p:cNvPr id="110" name="Line 69">
+                  <a:extLst>
+                    <a:ext uri="{FF2B5EF4-FFF2-40B4-BE49-F238E27FC236}">
+                      <a16:creationId xmlns:a16="http://schemas.microsoft.com/office/drawing/2014/main" id="{519FCB5C-FCC3-41DD-B565-31000509BF18}"/>
+                    </a:ext>
+                  </a:extLst>
+                </p:cNvPr>
+                <p:cNvSpPr>
+                  <a:spLocks noChangeShapeType="1"/>
+                </p:cNvSpPr>
+                <p:nvPr/>
+              </p:nvSpPr>
+              <p:spPr bwMode="auto">
+                <a:xfrm>
+                  <a:off x="1536" y="3235"/>
+                  <a:ext cx="576" cy="0"/>
+                </a:xfrm>
+                <a:prstGeom prst="line">
+                  <a:avLst/>
+                </a:prstGeom>
+                <a:noFill/>
+                <a:ln w="9525">
+                  <a:solidFill>
+                    <a:schemeClr val="tx1"/>
+                  </a:solidFill>
+                  <a:round/>
+                  <a:headEnd/>
+                  <a:tailEnd/>
+                </a:ln>
+              </p:spPr>
+              <p:txBody>
+                <a:bodyPr wrap="none" lIns="92075" tIns="46038" rIns="92075" bIns="46038" anchor="ctr"/>
+                <a:lstStyle/>
+                <a:p>
+                  <a:endParaRPr lang="en-US"/>
+                </a:p>
+              </p:txBody>
+            </p:sp>
+            <p:sp>
+              <p:nvSpPr>
+                <p:cNvPr id="111" name="Arc 70">
+                  <a:extLst>
+                    <a:ext uri="{FF2B5EF4-FFF2-40B4-BE49-F238E27FC236}">
+                      <a16:creationId xmlns:a16="http://schemas.microsoft.com/office/drawing/2014/main" id="{A1B886A4-291B-4232-A8FE-46D0AB0A2E89}"/>
+                    </a:ext>
+                  </a:extLst>
+                </p:cNvPr>
+                <p:cNvSpPr>
+                  <a:spLocks/>
+                </p:cNvSpPr>
+                <p:nvPr/>
+              </p:nvSpPr>
+              <p:spPr bwMode="auto">
+                <a:xfrm>
+                  <a:off x="2112" y="3235"/>
+                  <a:ext cx="115" cy="230"/>
+                </a:xfrm>
+                <a:custGeom>
+                  <a:avLst/>
+                  <a:gdLst>
+                    <a:gd name="T0" fmla="*/ 0 w 22048"/>
+                    <a:gd name="T1" fmla="*/ 0 h 43200"/>
+                    <a:gd name="T2" fmla="*/ 0 w 22048"/>
+                    <a:gd name="T3" fmla="*/ 1 h 43200"/>
+                    <a:gd name="T4" fmla="*/ 0 w 22048"/>
+                    <a:gd name="T5" fmla="*/ 1 h 43200"/>
+                    <a:gd name="T6" fmla="*/ 0 60000 65536"/>
+                    <a:gd name="T7" fmla="*/ 0 60000 65536"/>
+                    <a:gd name="T8" fmla="*/ 0 60000 65536"/>
+                    <a:gd name="T9" fmla="*/ 0 w 22048"/>
+                    <a:gd name="T10" fmla="*/ 0 h 43200"/>
+                    <a:gd name="T11" fmla="*/ 22048 w 22048"/>
+                    <a:gd name="T12" fmla="*/ 43200 h 43200"/>
+                  </a:gdLst>
+                  <a:ahLst/>
+                  <a:cxnLst>
+                    <a:cxn ang="T6">
+                      <a:pos x="T0" y="T1"/>
+                    </a:cxn>
+                    <a:cxn ang="T7">
+                      <a:pos x="T2" y="T3"/>
+                    </a:cxn>
+                    <a:cxn ang="T8">
+                      <a:pos x="T4" y="T5"/>
+                    </a:cxn>
+                  </a:cxnLst>
+                  <a:rect l="T9" t="T10" r="T11" b="T12"/>
+                  <a:pathLst>
+                    <a:path w="22048" h="43200" fill="none" extrusionOk="0">
+                      <a:moveTo>
+                        <a:pt x="447" y="0"/>
+                      </a:moveTo>
+                      <a:cubicBezTo>
+                        <a:pt x="12377" y="0"/>
+                        <a:pt x="22048" y="9670"/>
+                        <a:pt x="22048" y="21600"/>
+                      </a:cubicBezTo>
+                      <a:cubicBezTo>
+                        <a:pt x="22048" y="33529"/>
+                        <a:pt x="12377" y="43200"/>
+                        <a:pt x="448" y="43200"/>
+                      </a:cubicBezTo>
+                      <a:cubicBezTo>
+                        <a:pt x="298" y="43200"/>
+                        <a:pt x="149" y="43198"/>
+                        <a:pt x="-1" y="43195"/>
+                      </a:cubicBezTo>
+                    </a:path>
+                    <a:path w="22048" h="43200" stroke="0" extrusionOk="0">
+                      <a:moveTo>
+                        <a:pt x="447" y="0"/>
+                      </a:moveTo>
+                      <a:cubicBezTo>
+                        <a:pt x="12377" y="0"/>
+                        <a:pt x="22048" y="9670"/>
+                        <a:pt x="22048" y="21600"/>
+                      </a:cubicBezTo>
+                      <a:cubicBezTo>
+                        <a:pt x="22048" y="33529"/>
+                        <a:pt x="12377" y="43200"/>
+                        <a:pt x="448" y="43200"/>
+                      </a:cubicBezTo>
+                      <a:cubicBezTo>
+                        <a:pt x="298" y="43200"/>
+                        <a:pt x="149" y="43198"/>
+                        <a:pt x="-1" y="43195"/>
+                      </a:cubicBezTo>
+                      <a:lnTo>
+                        <a:pt x="448" y="21600"/>
+                      </a:lnTo>
+                      <a:close/>
+                    </a:path>
+                  </a:pathLst>
+                </a:custGeom>
+                <a:noFill/>
+                <a:ln w="9525">
+                  <a:solidFill>
+                    <a:schemeClr val="tx1"/>
+                  </a:solidFill>
+                  <a:round/>
+                  <a:headEnd/>
+                  <a:tailEnd/>
+                </a:ln>
+              </p:spPr>
+              <p:txBody>
+                <a:bodyPr wrap="none" lIns="92075" tIns="46038" rIns="92075" bIns="46038" anchor="ctr"/>
+                <a:lstStyle/>
+                <a:p>
+                  <a:endParaRPr lang="en-US"/>
+                </a:p>
+              </p:txBody>
+            </p:sp>
+            <p:sp>
+              <p:nvSpPr>
+                <p:cNvPr id="112" name="Arc 71">
+                  <a:extLst>
+                    <a:ext uri="{FF2B5EF4-FFF2-40B4-BE49-F238E27FC236}">
+                      <a16:creationId xmlns:a16="http://schemas.microsoft.com/office/drawing/2014/main" id="{6FE5BC5F-251D-48BF-9F80-9BC823720FAD}"/>
+                    </a:ext>
+                  </a:extLst>
+                </p:cNvPr>
+                <p:cNvSpPr>
+                  <a:spLocks/>
+                </p:cNvSpPr>
+                <p:nvPr/>
+              </p:nvSpPr>
+              <p:spPr bwMode="auto">
+                <a:xfrm flipH="1">
+                  <a:off x="1420" y="3235"/>
+                  <a:ext cx="115" cy="230"/>
+                </a:xfrm>
+                <a:custGeom>
+                  <a:avLst/>
+                  <a:gdLst>
+                    <a:gd name="T0" fmla="*/ 0 w 22048"/>
+                    <a:gd name="T1" fmla="*/ 0 h 43200"/>
+                    <a:gd name="T2" fmla="*/ 0 w 22048"/>
+                    <a:gd name="T3" fmla="*/ 1 h 43200"/>
+                    <a:gd name="T4" fmla="*/ 0 w 22048"/>
+                    <a:gd name="T5" fmla="*/ 1 h 43200"/>
+                    <a:gd name="T6" fmla="*/ 0 60000 65536"/>
+                    <a:gd name="T7" fmla="*/ 0 60000 65536"/>
+                    <a:gd name="T8" fmla="*/ 0 60000 65536"/>
+                    <a:gd name="T9" fmla="*/ 0 w 22048"/>
+                    <a:gd name="T10" fmla="*/ 0 h 43200"/>
+                    <a:gd name="T11" fmla="*/ 22048 w 22048"/>
+                    <a:gd name="T12" fmla="*/ 43200 h 43200"/>
+                  </a:gdLst>
+                  <a:ahLst/>
+                  <a:cxnLst>
+                    <a:cxn ang="T6">
+                      <a:pos x="T0" y="T1"/>
+                    </a:cxn>
+                    <a:cxn ang="T7">
+                      <a:pos x="T2" y="T3"/>
+                    </a:cxn>
+                    <a:cxn ang="T8">
+                      <a:pos x="T4" y="T5"/>
+                    </a:cxn>
+                  </a:cxnLst>
+                  <a:rect l="T9" t="T10" r="T11" b="T12"/>
+                  <a:pathLst>
+                    <a:path w="22048" h="43200" fill="none" extrusionOk="0">
+                      <a:moveTo>
+                        <a:pt x="447" y="0"/>
+                      </a:moveTo>
+                      <a:cubicBezTo>
+                        <a:pt x="12377" y="0"/>
+                        <a:pt x="22048" y="9670"/>
+                        <a:pt x="22048" y="21600"/>
+                      </a:cubicBezTo>
+                      <a:cubicBezTo>
+                        <a:pt x="22048" y="33529"/>
+                        <a:pt x="12377" y="43200"/>
+                        <a:pt x="448" y="43200"/>
+                      </a:cubicBezTo>
+                      <a:cubicBezTo>
+                        <a:pt x="298" y="43200"/>
+                        <a:pt x="149" y="43198"/>
+                        <a:pt x="-1" y="43195"/>
+                      </a:cubicBezTo>
+                    </a:path>
+                    <a:path w="22048" h="43200" stroke="0" extrusionOk="0">
+                      <a:moveTo>
+                        <a:pt x="447" y="0"/>
+                      </a:moveTo>
+                      <a:cubicBezTo>
+                        <a:pt x="12377" y="0"/>
+                        <a:pt x="22048" y="9670"/>
+                        <a:pt x="22048" y="21600"/>
+                      </a:cubicBezTo>
+                      <a:cubicBezTo>
+                        <a:pt x="22048" y="33529"/>
+                        <a:pt x="12377" y="43200"/>
+                        <a:pt x="448" y="43200"/>
+                      </a:cubicBezTo>
+                      <a:cubicBezTo>
+                        <a:pt x="298" y="43200"/>
+                        <a:pt x="149" y="43198"/>
+                        <a:pt x="-1" y="43195"/>
+                      </a:cubicBezTo>
+                      <a:lnTo>
+                        <a:pt x="448" y="21600"/>
+                      </a:lnTo>
+                      <a:close/>
+                    </a:path>
+                  </a:pathLst>
+                </a:custGeom>
+                <a:noFill/>
+                <a:ln w="9525">
+                  <a:solidFill>
+                    <a:schemeClr val="tx1"/>
+                  </a:solidFill>
+                  <a:round/>
+                  <a:headEnd/>
+                  <a:tailEnd/>
+                </a:ln>
+              </p:spPr>
+              <p:txBody>
+                <a:bodyPr wrap="none" lIns="92075" tIns="46038" rIns="92075" bIns="46038" anchor="ctr"/>
+                <a:lstStyle/>
+                <a:p>
+                  <a:endParaRPr lang="en-US"/>
+                </a:p>
+              </p:txBody>
+            </p:sp>
+          </p:grpSp>
+          <p:sp>
+            <p:nvSpPr>
+              <p:cNvPr id="105" name="Text Box 72">
+                <a:extLst>
+                  <a:ext uri="{FF2B5EF4-FFF2-40B4-BE49-F238E27FC236}">
+                    <a16:creationId xmlns:a16="http://schemas.microsoft.com/office/drawing/2014/main" id="{8ED86492-3335-4892-B7DE-9707BF60CC24}"/>
+                  </a:ext>
+                </a:extLst>
+              </p:cNvPr>
+              <p:cNvSpPr txBox="1">
+                <a:spLocks noChangeArrowheads="1"/>
+              </p:cNvSpPr>
+              <p:nvPr/>
+            </p:nvSpPr>
+            <p:spPr bwMode="auto">
+              <a:xfrm>
+                <a:off x="1653" y="3479"/>
+                <a:ext cx="343" cy="202"/>
+              </a:xfrm>
+              <a:prstGeom prst="rect">
+                <a:avLst/>
+              </a:prstGeom>
+              <a:noFill/>
+              <a:ln w="9525">
+                <a:noFill/>
+                <a:miter lim="800000"/>
+                <a:headEnd/>
+                <a:tailEnd/>
+              </a:ln>
+            </p:spPr>
+            <p:txBody>
+              <a:bodyPr wrap="none" lIns="92075" tIns="46038" rIns="92075" bIns="46038">
+                <a:spAutoFit/>
+              </a:bodyPr>
+              <a:lstStyle/>
+              <a:p>
+                <a:r>
+                  <a:rPr lang="en-US" sz="1500"/>
+                  <a:t>C++</a:t>
+                </a:r>
+              </a:p>
+            </p:txBody>
+          </p:sp>
+          <p:sp>
+            <p:nvSpPr>
+              <p:cNvPr id="106" name="Text Box 73">
+                <a:extLst>
+                  <a:ext uri="{FF2B5EF4-FFF2-40B4-BE49-F238E27FC236}">
+                    <a16:creationId xmlns:a16="http://schemas.microsoft.com/office/drawing/2014/main" id="{23FA9783-9729-4DCE-8766-BCDA11E0C620}"/>
+                  </a:ext>
+                </a:extLst>
+              </p:cNvPr>
+              <p:cNvSpPr txBox="1">
+                <a:spLocks noChangeArrowheads="1"/>
+              </p:cNvSpPr>
+              <p:nvPr/>
+            </p:nvSpPr>
+            <p:spPr bwMode="auto">
+              <a:xfrm>
+                <a:off x="1665" y="3251"/>
+                <a:ext cx="316" cy="202"/>
+              </a:xfrm>
+              <a:prstGeom prst="rect">
+                <a:avLst/>
+              </a:prstGeom>
+              <a:noFill/>
+              <a:ln w="9525">
+                <a:noFill/>
+                <a:miter lim="800000"/>
+                <a:headEnd/>
+                <a:tailEnd/>
+              </a:ln>
+            </p:spPr>
+            <p:txBody>
+              <a:bodyPr wrap="none" lIns="92075" tIns="46038" rIns="92075" bIns="46038">
+                <a:spAutoFit/>
+              </a:bodyPr>
+              <a:lstStyle/>
+              <a:p>
+                <a:r>
+                  <a:rPr lang="en-US" sz="1500"/>
+                  <a:t>sort</a:t>
+                </a:r>
+              </a:p>
+            </p:txBody>
+          </p:sp>
+        </p:grpSp>
+        <p:grpSp>
+          <p:nvGrpSpPr>
+            <p:cNvPr id="68" name="Group 74">
+              <a:extLst>
+                <a:ext uri="{FF2B5EF4-FFF2-40B4-BE49-F238E27FC236}">
+                  <a16:creationId xmlns:a16="http://schemas.microsoft.com/office/drawing/2014/main" id="{404CD5DA-BA72-431A-8D73-0F41CDF25A1D}"/>
+                </a:ext>
+              </a:extLst>
+            </p:cNvPr>
+            <p:cNvGrpSpPr>
+              <a:grpSpLocks/>
+            </p:cNvGrpSpPr>
+            <p:nvPr/>
+          </p:nvGrpSpPr>
+          <p:grpSpPr bwMode="auto">
+            <a:xfrm>
+              <a:off x="3930650" y="1524000"/>
+              <a:ext cx="1281112" cy="731838"/>
+              <a:chOff x="1420" y="3235"/>
+              <a:chExt cx="807" cy="461"/>
+            </a:xfrm>
+          </p:grpSpPr>
+          <p:grpSp>
+            <p:nvGrpSpPr>
+              <p:cNvPr id="95" name="Group 75">
+                <a:extLst>
+                  <a:ext uri="{FF2B5EF4-FFF2-40B4-BE49-F238E27FC236}">
+                    <a16:creationId xmlns:a16="http://schemas.microsoft.com/office/drawing/2014/main" id="{BEA2CFE3-3EBA-41E8-BA38-C0755476BE2A}"/>
+                  </a:ext>
+                </a:extLst>
+              </p:cNvPr>
+              <p:cNvGrpSpPr>
+                <a:grpSpLocks/>
+              </p:cNvGrpSpPr>
+              <p:nvPr/>
+            </p:nvGrpSpPr>
+            <p:grpSpPr bwMode="auto">
+              <a:xfrm>
+                <a:off x="1420" y="3235"/>
+                <a:ext cx="807" cy="461"/>
+                <a:chOff x="1420" y="3235"/>
+                <a:chExt cx="807" cy="461"/>
+              </a:xfrm>
+            </p:grpSpPr>
+            <p:sp>
+              <p:nvSpPr>
+                <p:cNvPr id="98" name="Line 76">
+                  <a:extLst>
+                    <a:ext uri="{FF2B5EF4-FFF2-40B4-BE49-F238E27FC236}">
+                      <a16:creationId xmlns:a16="http://schemas.microsoft.com/office/drawing/2014/main" id="{A6BD2F02-2BF7-4E3A-8072-8F1C38A55EE2}"/>
+                    </a:ext>
+                  </a:extLst>
+                </p:cNvPr>
+                <p:cNvSpPr>
+                  <a:spLocks noChangeShapeType="1"/>
+                </p:cNvSpPr>
+                <p:nvPr/>
+              </p:nvSpPr>
+              <p:spPr bwMode="auto">
+                <a:xfrm>
+                  <a:off x="1536" y="3696"/>
+                  <a:ext cx="576" cy="0"/>
+                </a:xfrm>
+                <a:prstGeom prst="line">
+                  <a:avLst/>
+                </a:prstGeom>
+                <a:noFill/>
+                <a:ln w="9525">
+                  <a:solidFill>
+                    <a:schemeClr val="tx1"/>
+                  </a:solidFill>
+                  <a:round/>
+                  <a:headEnd/>
+                  <a:tailEnd/>
+                </a:ln>
+              </p:spPr>
+              <p:txBody>
+                <a:bodyPr wrap="none" lIns="92075" tIns="46038" rIns="92075" bIns="46038" anchor="ctr"/>
+                <a:lstStyle/>
+                <a:p>
+                  <a:endParaRPr lang="en-US"/>
+                </a:p>
+              </p:txBody>
+            </p:sp>
+            <p:sp>
+              <p:nvSpPr>
+                <p:cNvPr id="99" name="Line 77">
+                  <a:extLst>
+                    <a:ext uri="{FF2B5EF4-FFF2-40B4-BE49-F238E27FC236}">
+                      <a16:creationId xmlns:a16="http://schemas.microsoft.com/office/drawing/2014/main" id="{258621E0-16C7-4CEC-8F02-9B19F5943F02}"/>
+                    </a:ext>
+                  </a:extLst>
+                </p:cNvPr>
+                <p:cNvSpPr>
+                  <a:spLocks noChangeShapeType="1"/>
+                </p:cNvSpPr>
+                <p:nvPr/>
+              </p:nvSpPr>
+              <p:spPr bwMode="auto">
+                <a:xfrm>
+                  <a:off x="1536" y="3466"/>
+                  <a:ext cx="0" cy="230"/>
+                </a:xfrm>
+                <a:prstGeom prst="line">
+                  <a:avLst/>
+                </a:prstGeom>
+                <a:noFill/>
+                <a:ln w="9525">
+                  <a:solidFill>
+                    <a:schemeClr val="tx1"/>
+                  </a:solidFill>
+                  <a:round/>
+                  <a:headEnd/>
+                  <a:tailEnd/>
+                </a:ln>
+              </p:spPr>
+              <p:txBody>
+                <a:bodyPr wrap="none" lIns="92075" tIns="46038" rIns="92075" bIns="46038" anchor="ctr"/>
+                <a:lstStyle/>
+                <a:p>
+                  <a:endParaRPr lang="en-US"/>
+                </a:p>
+              </p:txBody>
+            </p:sp>
+            <p:sp>
+              <p:nvSpPr>
+                <p:cNvPr id="100" name="Line 78">
+                  <a:extLst>
+                    <a:ext uri="{FF2B5EF4-FFF2-40B4-BE49-F238E27FC236}">
+                      <a16:creationId xmlns:a16="http://schemas.microsoft.com/office/drawing/2014/main" id="{523A94F4-BF1D-4BA3-8BD0-A336D5D4D56D}"/>
+                    </a:ext>
+                  </a:extLst>
+                </p:cNvPr>
+                <p:cNvSpPr>
+                  <a:spLocks noChangeShapeType="1"/>
+                </p:cNvSpPr>
+                <p:nvPr/>
+              </p:nvSpPr>
+              <p:spPr bwMode="auto">
+                <a:xfrm>
+                  <a:off x="2112" y="3466"/>
+                  <a:ext cx="0" cy="230"/>
+                </a:xfrm>
+                <a:prstGeom prst="line">
+                  <a:avLst/>
+                </a:prstGeom>
+                <a:noFill/>
+                <a:ln w="9525">
+                  <a:solidFill>
+                    <a:schemeClr val="tx1"/>
+                  </a:solidFill>
+                  <a:round/>
+                  <a:headEnd/>
+                  <a:tailEnd/>
+                </a:ln>
+              </p:spPr>
+              <p:txBody>
+                <a:bodyPr wrap="none" lIns="92075" tIns="46038" rIns="92075" bIns="46038" anchor="ctr"/>
+                <a:lstStyle/>
+                <a:p>
+                  <a:endParaRPr lang="en-US"/>
+                </a:p>
+              </p:txBody>
+            </p:sp>
+            <p:sp>
+              <p:nvSpPr>
+                <p:cNvPr id="101" name="Line 79">
+                  <a:extLst>
+                    <a:ext uri="{FF2B5EF4-FFF2-40B4-BE49-F238E27FC236}">
+                      <a16:creationId xmlns:a16="http://schemas.microsoft.com/office/drawing/2014/main" id="{E812126B-7A6F-4836-9B70-F2F06DAD493E}"/>
+                    </a:ext>
+                  </a:extLst>
+                </p:cNvPr>
+                <p:cNvSpPr>
+                  <a:spLocks noChangeShapeType="1"/>
+                </p:cNvSpPr>
+                <p:nvPr/>
+              </p:nvSpPr>
+              <p:spPr bwMode="auto">
+                <a:xfrm>
+                  <a:off x="1536" y="3235"/>
+                  <a:ext cx="576" cy="0"/>
+                </a:xfrm>
+                <a:prstGeom prst="line">
+                  <a:avLst/>
+                </a:prstGeom>
+                <a:noFill/>
+                <a:ln w="9525">
+                  <a:solidFill>
+                    <a:schemeClr val="tx1"/>
+                  </a:solidFill>
+                  <a:round/>
+                  <a:headEnd/>
+                  <a:tailEnd/>
+                </a:ln>
+              </p:spPr>
+              <p:txBody>
+                <a:bodyPr wrap="none" lIns="92075" tIns="46038" rIns="92075" bIns="46038" anchor="ctr"/>
+                <a:lstStyle/>
+                <a:p>
+                  <a:endParaRPr lang="en-US"/>
+                </a:p>
+              </p:txBody>
+            </p:sp>
+            <p:sp>
+              <p:nvSpPr>
+                <p:cNvPr id="102" name="Arc 80">
+                  <a:extLst>
+                    <a:ext uri="{FF2B5EF4-FFF2-40B4-BE49-F238E27FC236}">
+                      <a16:creationId xmlns:a16="http://schemas.microsoft.com/office/drawing/2014/main" id="{050DF74E-530B-483E-A313-E40A06D92EA5}"/>
+                    </a:ext>
+                  </a:extLst>
+                </p:cNvPr>
+                <p:cNvSpPr>
+                  <a:spLocks/>
+                </p:cNvSpPr>
+                <p:nvPr/>
+              </p:nvSpPr>
+              <p:spPr bwMode="auto">
+                <a:xfrm>
+                  <a:off x="2112" y="3235"/>
+                  <a:ext cx="115" cy="230"/>
+                </a:xfrm>
+                <a:custGeom>
+                  <a:avLst/>
+                  <a:gdLst>
+                    <a:gd name="T0" fmla="*/ 0 w 22048"/>
+                    <a:gd name="T1" fmla="*/ 0 h 43200"/>
+                    <a:gd name="T2" fmla="*/ 0 w 22048"/>
+                    <a:gd name="T3" fmla="*/ 1 h 43200"/>
+                    <a:gd name="T4" fmla="*/ 0 w 22048"/>
+                    <a:gd name="T5" fmla="*/ 1 h 43200"/>
+                    <a:gd name="T6" fmla="*/ 0 60000 65536"/>
+                    <a:gd name="T7" fmla="*/ 0 60000 65536"/>
+                    <a:gd name="T8" fmla="*/ 0 60000 65536"/>
+                    <a:gd name="T9" fmla="*/ 0 w 22048"/>
+                    <a:gd name="T10" fmla="*/ 0 h 43200"/>
+                    <a:gd name="T11" fmla="*/ 22048 w 22048"/>
+                    <a:gd name="T12" fmla="*/ 43200 h 43200"/>
+                  </a:gdLst>
+                  <a:ahLst/>
+                  <a:cxnLst>
+                    <a:cxn ang="T6">
+                      <a:pos x="T0" y="T1"/>
+                    </a:cxn>
+                    <a:cxn ang="T7">
+                      <a:pos x="T2" y="T3"/>
+                    </a:cxn>
+                    <a:cxn ang="T8">
+                      <a:pos x="T4" y="T5"/>
+                    </a:cxn>
+                  </a:cxnLst>
+                  <a:rect l="T9" t="T10" r="T11" b="T12"/>
+                  <a:pathLst>
+                    <a:path w="22048" h="43200" fill="none" extrusionOk="0">
+                      <a:moveTo>
+                        <a:pt x="447" y="0"/>
+                      </a:moveTo>
+                      <a:cubicBezTo>
+                        <a:pt x="12377" y="0"/>
+                        <a:pt x="22048" y="9670"/>
+                        <a:pt x="22048" y="21600"/>
+                      </a:cubicBezTo>
+                      <a:cubicBezTo>
+                        <a:pt x="22048" y="33529"/>
+                        <a:pt x="12377" y="43200"/>
+                        <a:pt x="448" y="43200"/>
+                      </a:cubicBezTo>
+                      <a:cubicBezTo>
+                        <a:pt x="298" y="43200"/>
+                        <a:pt x="149" y="43198"/>
+                        <a:pt x="-1" y="43195"/>
+                      </a:cubicBezTo>
+                    </a:path>
+                    <a:path w="22048" h="43200" stroke="0" extrusionOk="0">
+                      <a:moveTo>
+                        <a:pt x="447" y="0"/>
+                      </a:moveTo>
+                      <a:cubicBezTo>
+                        <a:pt x="12377" y="0"/>
+                        <a:pt x="22048" y="9670"/>
+                        <a:pt x="22048" y="21600"/>
+                      </a:cubicBezTo>
+                      <a:cubicBezTo>
+                        <a:pt x="22048" y="33529"/>
+                        <a:pt x="12377" y="43200"/>
+                        <a:pt x="448" y="43200"/>
+                      </a:cubicBezTo>
+                      <a:cubicBezTo>
+                        <a:pt x="298" y="43200"/>
+                        <a:pt x="149" y="43198"/>
+                        <a:pt x="-1" y="43195"/>
+                      </a:cubicBezTo>
+                      <a:lnTo>
+                        <a:pt x="448" y="21600"/>
+                      </a:lnTo>
+                      <a:close/>
+                    </a:path>
+                  </a:pathLst>
+                </a:custGeom>
+                <a:noFill/>
+                <a:ln w="9525">
+                  <a:solidFill>
+                    <a:schemeClr val="tx1"/>
+                  </a:solidFill>
+                  <a:round/>
+                  <a:headEnd/>
+                  <a:tailEnd/>
+                </a:ln>
+              </p:spPr>
+              <p:txBody>
+                <a:bodyPr wrap="none" lIns="92075" tIns="46038" rIns="92075" bIns="46038" anchor="ctr"/>
+                <a:lstStyle/>
+                <a:p>
+                  <a:endParaRPr lang="en-US"/>
+                </a:p>
+              </p:txBody>
+            </p:sp>
+            <p:sp>
+              <p:nvSpPr>
+                <p:cNvPr id="103" name="Arc 81">
+                  <a:extLst>
+                    <a:ext uri="{FF2B5EF4-FFF2-40B4-BE49-F238E27FC236}">
+                      <a16:creationId xmlns:a16="http://schemas.microsoft.com/office/drawing/2014/main" id="{3053E4E6-D2D7-4290-8E74-93899EB8E4BE}"/>
+                    </a:ext>
+                  </a:extLst>
+                </p:cNvPr>
+                <p:cNvSpPr>
+                  <a:spLocks/>
+                </p:cNvSpPr>
+                <p:nvPr/>
+              </p:nvSpPr>
+              <p:spPr bwMode="auto">
+                <a:xfrm flipH="1">
+                  <a:off x="1420" y="3235"/>
+                  <a:ext cx="115" cy="230"/>
+                </a:xfrm>
+                <a:custGeom>
+                  <a:avLst/>
+                  <a:gdLst>
+                    <a:gd name="T0" fmla="*/ 0 w 22048"/>
+                    <a:gd name="T1" fmla="*/ 0 h 43200"/>
+                    <a:gd name="T2" fmla="*/ 0 w 22048"/>
+                    <a:gd name="T3" fmla="*/ 1 h 43200"/>
+                    <a:gd name="T4" fmla="*/ 0 w 22048"/>
+                    <a:gd name="T5" fmla="*/ 1 h 43200"/>
+                    <a:gd name="T6" fmla="*/ 0 60000 65536"/>
+                    <a:gd name="T7" fmla="*/ 0 60000 65536"/>
+                    <a:gd name="T8" fmla="*/ 0 60000 65536"/>
+                    <a:gd name="T9" fmla="*/ 0 w 22048"/>
+                    <a:gd name="T10" fmla="*/ 0 h 43200"/>
+                    <a:gd name="T11" fmla="*/ 22048 w 22048"/>
+                    <a:gd name="T12" fmla="*/ 43200 h 43200"/>
+                  </a:gdLst>
+                  <a:ahLst/>
+                  <a:cxnLst>
+                    <a:cxn ang="T6">
+                      <a:pos x="T0" y="T1"/>
+                    </a:cxn>
+                    <a:cxn ang="T7">
+                      <a:pos x="T2" y="T3"/>
+                    </a:cxn>
+                    <a:cxn ang="T8">
+                      <a:pos x="T4" y="T5"/>
+                    </a:cxn>
+                  </a:cxnLst>
+                  <a:rect l="T9" t="T10" r="T11" b="T12"/>
+                  <a:pathLst>
+                    <a:path w="22048" h="43200" fill="none" extrusionOk="0">
+                      <a:moveTo>
+                        <a:pt x="447" y="0"/>
+                      </a:moveTo>
+                      <a:cubicBezTo>
+                        <a:pt x="12377" y="0"/>
+                        <a:pt x="22048" y="9670"/>
+                        <a:pt x="22048" y="21600"/>
+                      </a:cubicBezTo>
+                      <a:cubicBezTo>
+                        <a:pt x="22048" y="33529"/>
+                        <a:pt x="12377" y="43200"/>
+                        <a:pt x="448" y="43200"/>
+                      </a:cubicBezTo>
+                      <a:cubicBezTo>
+                        <a:pt x="298" y="43200"/>
+                        <a:pt x="149" y="43198"/>
+                        <a:pt x="-1" y="43195"/>
+                      </a:cubicBezTo>
+                    </a:path>
+                    <a:path w="22048" h="43200" stroke="0" extrusionOk="0">
+                      <a:moveTo>
+                        <a:pt x="447" y="0"/>
+                      </a:moveTo>
+                      <a:cubicBezTo>
+                        <a:pt x="12377" y="0"/>
+                        <a:pt x="22048" y="9670"/>
+                        <a:pt x="22048" y="21600"/>
+                      </a:cubicBezTo>
+                      <a:cubicBezTo>
+                        <a:pt x="22048" y="33529"/>
+                        <a:pt x="12377" y="43200"/>
+                        <a:pt x="448" y="43200"/>
+                      </a:cubicBezTo>
+                      <a:cubicBezTo>
+                        <a:pt x="298" y="43200"/>
+                        <a:pt x="149" y="43198"/>
+                        <a:pt x="-1" y="43195"/>
+                      </a:cubicBezTo>
+                      <a:lnTo>
+                        <a:pt x="448" y="21600"/>
+                      </a:lnTo>
+                      <a:close/>
+                    </a:path>
+                  </a:pathLst>
+                </a:custGeom>
+                <a:noFill/>
+                <a:ln w="9525">
+                  <a:solidFill>
+                    <a:schemeClr val="tx1"/>
+                  </a:solidFill>
+                  <a:round/>
+                  <a:headEnd/>
+                  <a:tailEnd/>
+                </a:ln>
+              </p:spPr>
+              <p:txBody>
+                <a:bodyPr wrap="none" lIns="92075" tIns="46038" rIns="92075" bIns="46038" anchor="ctr"/>
+                <a:lstStyle/>
+                <a:p>
+                  <a:endParaRPr lang="en-US"/>
+                </a:p>
+              </p:txBody>
+            </p:sp>
+          </p:grpSp>
+          <p:sp>
+            <p:nvSpPr>
+              <p:cNvPr id="96" name="Text Box 82">
+                <a:extLst>
+                  <a:ext uri="{FF2B5EF4-FFF2-40B4-BE49-F238E27FC236}">
+                    <a16:creationId xmlns:a16="http://schemas.microsoft.com/office/drawing/2014/main" id="{08717C3A-9CCD-42B5-95A7-4A309AA844EA}"/>
+                  </a:ext>
+                </a:extLst>
+              </p:cNvPr>
+              <p:cNvSpPr txBox="1">
+                <a:spLocks noChangeArrowheads="1"/>
+              </p:cNvSpPr>
+              <p:nvPr/>
+            </p:nvSpPr>
+            <p:spPr bwMode="auto">
+              <a:xfrm>
+                <a:off x="1601" y="3479"/>
+                <a:ext cx="447" cy="204"/>
+              </a:xfrm>
+              <a:prstGeom prst="rect">
+                <a:avLst/>
+              </a:prstGeom>
+              <a:noFill/>
+              <a:ln w="9525">
+                <a:noFill/>
+                <a:miter lim="800000"/>
+                <a:headEnd/>
+                <a:tailEnd/>
+              </a:ln>
+            </p:spPr>
+            <p:txBody>
+              <a:bodyPr wrap="none" lIns="92075" tIns="46038" rIns="92075" bIns="46038">
+                <a:spAutoFit/>
+              </a:bodyPr>
+              <a:lstStyle/>
+              <a:p>
+                <a:r>
+                  <a:rPr lang="en-US" sz="1500" dirty="0"/>
+                  <a:t>X86/A</a:t>
+                </a:r>
+              </a:p>
+            </p:txBody>
+          </p:sp>
+          <p:sp>
+            <p:nvSpPr>
+              <p:cNvPr id="97" name="Text Box 83">
+                <a:extLst>
+                  <a:ext uri="{FF2B5EF4-FFF2-40B4-BE49-F238E27FC236}">
+                    <a16:creationId xmlns:a16="http://schemas.microsoft.com/office/drawing/2014/main" id="{0A8C4B4C-B83E-49CF-BE5E-670FF077A51C}"/>
+                  </a:ext>
+                </a:extLst>
+              </p:cNvPr>
+              <p:cNvSpPr txBox="1">
+                <a:spLocks noChangeArrowheads="1"/>
+              </p:cNvSpPr>
+              <p:nvPr/>
+            </p:nvSpPr>
+            <p:spPr bwMode="auto">
+              <a:xfrm>
+                <a:off x="1665" y="3251"/>
+                <a:ext cx="316" cy="202"/>
+              </a:xfrm>
+              <a:prstGeom prst="rect">
+                <a:avLst/>
+              </a:prstGeom>
+              <a:noFill/>
+              <a:ln w="9525">
+                <a:noFill/>
+                <a:miter lim="800000"/>
+                <a:headEnd/>
+                <a:tailEnd/>
+              </a:ln>
+            </p:spPr>
+            <p:txBody>
+              <a:bodyPr wrap="none" lIns="92075" tIns="46038" rIns="92075" bIns="46038">
+                <a:spAutoFit/>
+              </a:bodyPr>
+              <a:lstStyle/>
+              <a:p>
+                <a:r>
+                  <a:rPr lang="en-US" sz="1500"/>
+                  <a:t>sort</a:t>
+                </a:r>
+              </a:p>
+            </p:txBody>
+          </p:sp>
+        </p:grpSp>
+        <p:grpSp>
+          <p:nvGrpSpPr>
+            <p:cNvPr id="69" name="Group 93">
+              <a:extLst>
+                <a:ext uri="{FF2B5EF4-FFF2-40B4-BE49-F238E27FC236}">
+                  <a16:creationId xmlns:a16="http://schemas.microsoft.com/office/drawing/2014/main" id="{7C39F9D9-82F6-461A-9BE5-A9EF0414FF4E}"/>
+                </a:ext>
+              </a:extLst>
+            </p:cNvPr>
+            <p:cNvGrpSpPr>
+              <a:grpSpLocks/>
+            </p:cNvGrpSpPr>
+            <p:nvPr/>
+          </p:nvGrpSpPr>
+          <p:grpSpPr bwMode="auto">
+            <a:xfrm>
+              <a:off x="5029200" y="1892300"/>
+              <a:ext cx="1462087" cy="730250"/>
+              <a:chOff x="624" y="2544"/>
+              <a:chExt cx="921" cy="460"/>
+            </a:xfrm>
+          </p:grpSpPr>
+          <p:grpSp>
+            <p:nvGrpSpPr>
+              <p:cNvPr id="84" name="Group 94">
+                <a:extLst>
+                  <a:ext uri="{FF2B5EF4-FFF2-40B4-BE49-F238E27FC236}">
+                    <a16:creationId xmlns:a16="http://schemas.microsoft.com/office/drawing/2014/main" id="{E88BFB3D-2453-481E-B43C-15F78DC73D6E}"/>
+                  </a:ext>
+                </a:extLst>
+              </p:cNvPr>
+              <p:cNvGrpSpPr>
+                <a:grpSpLocks/>
+              </p:cNvGrpSpPr>
+              <p:nvPr/>
+            </p:nvGrpSpPr>
+            <p:grpSpPr bwMode="auto">
+              <a:xfrm>
+                <a:off x="624" y="2544"/>
+                <a:ext cx="921" cy="460"/>
+                <a:chOff x="624" y="2544"/>
+                <a:chExt cx="921" cy="460"/>
+              </a:xfrm>
+            </p:grpSpPr>
+            <p:sp>
+              <p:nvSpPr>
+                <p:cNvPr id="87" name="Line 95">
+                  <a:extLst>
+                    <a:ext uri="{FF2B5EF4-FFF2-40B4-BE49-F238E27FC236}">
+                      <a16:creationId xmlns:a16="http://schemas.microsoft.com/office/drawing/2014/main" id="{9A90F384-9113-4F0E-850F-1AD8CC47137A}"/>
+                    </a:ext>
+                  </a:extLst>
+                </p:cNvPr>
+                <p:cNvSpPr>
+                  <a:spLocks noChangeShapeType="1"/>
+                </p:cNvSpPr>
+                <p:nvPr/>
+              </p:nvSpPr>
+              <p:spPr bwMode="auto">
+                <a:xfrm>
+                  <a:off x="624" y="2544"/>
+                  <a:ext cx="921" cy="0"/>
+                </a:xfrm>
+                <a:prstGeom prst="line">
+                  <a:avLst/>
+                </a:prstGeom>
+                <a:noFill/>
+                <a:ln w="9525">
+                  <a:solidFill>
+                    <a:schemeClr val="tx1"/>
+                  </a:solidFill>
+                  <a:round/>
+                  <a:headEnd/>
+                  <a:tailEnd/>
+                </a:ln>
+              </p:spPr>
+              <p:txBody>
+                <a:bodyPr wrap="none" lIns="92075" tIns="46038" rIns="92075" bIns="46038" anchor="ctr"/>
+                <a:lstStyle/>
+                <a:p>
+                  <a:endParaRPr lang="en-US"/>
+                </a:p>
+              </p:txBody>
+            </p:sp>
+            <p:sp>
+              <p:nvSpPr>
+                <p:cNvPr id="88" name="Line 96">
+                  <a:extLst>
+                    <a:ext uri="{FF2B5EF4-FFF2-40B4-BE49-F238E27FC236}">
+                      <a16:creationId xmlns:a16="http://schemas.microsoft.com/office/drawing/2014/main" id="{917EA0BA-318E-47B3-B183-158799729D0F}"/>
+                    </a:ext>
+                  </a:extLst>
+                </p:cNvPr>
+                <p:cNvSpPr>
+                  <a:spLocks noChangeShapeType="1"/>
+                </p:cNvSpPr>
+                <p:nvPr/>
+              </p:nvSpPr>
+              <p:spPr bwMode="auto">
+                <a:xfrm>
+                  <a:off x="797" y="3004"/>
+                  <a:ext cx="576" cy="0"/>
+                </a:xfrm>
+                <a:prstGeom prst="line">
+                  <a:avLst/>
+                </a:prstGeom>
+                <a:noFill/>
+                <a:ln w="9525">
+                  <a:solidFill>
+                    <a:schemeClr val="tx1"/>
+                  </a:solidFill>
+                  <a:round/>
+                  <a:headEnd/>
+                  <a:tailEnd/>
+                </a:ln>
+              </p:spPr>
+              <p:txBody>
+                <a:bodyPr wrap="none" lIns="92075" tIns="46038" rIns="92075" bIns="46038" anchor="ctr"/>
+                <a:lstStyle/>
+                <a:p>
+                  <a:endParaRPr lang="en-US"/>
+                </a:p>
+              </p:txBody>
+            </p:sp>
+            <p:sp>
+              <p:nvSpPr>
+                <p:cNvPr id="89" name="Line 97">
+                  <a:extLst>
+                    <a:ext uri="{FF2B5EF4-FFF2-40B4-BE49-F238E27FC236}">
+                      <a16:creationId xmlns:a16="http://schemas.microsoft.com/office/drawing/2014/main" id="{3BCDE4F5-9A26-4B2A-A2CB-06C1FE1B329C}"/>
+                    </a:ext>
+                  </a:extLst>
+                </p:cNvPr>
+                <p:cNvSpPr>
+                  <a:spLocks noChangeShapeType="1"/>
+                </p:cNvSpPr>
+                <p:nvPr/>
+              </p:nvSpPr>
+              <p:spPr bwMode="auto">
+                <a:xfrm>
+                  <a:off x="625" y="2544"/>
+                  <a:ext cx="0" cy="230"/>
+                </a:xfrm>
+                <a:prstGeom prst="line">
+                  <a:avLst/>
+                </a:prstGeom>
+                <a:noFill/>
+                <a:ln w="9525">
+                  <a:solidFill>
+                    <a:schemeClr val="tx1"/>
+                  </a:solidFill>
+                  <a:round/>
+                  <a:headEnd/>
+                  <a:tailEnd/>
+                </a:ln>
+              </p:spPr>
+              <p:txBody>
+                <a:bodyPr wrap="none" lIns="92075" tIns="46038" rIns="92075" bIns="46038" anchor="ctr"/>
+                <a:lstStyle/>
+                <a:p>
+                  <a:endParaRPr lang="en-US"/>
+                </a:p>
+              </p:txBody>
+            </p:sp>
+            <p:sp>
+              <p:nvSpPr>
+                <p:cNvPr id="90" name="Line 98">
+                  <a:extLst>
+                    <a:ext uri="{FF2B5EF4-FFF2-40B4-BE49-F238E27FC236}">
+                      <a16:creationId xmlns:a16="http://schemas.microsoft.com/office/drawing/2014/main" id="{1CCCC37E-CA1F-4A01-9B29-D6E371035B21}"/>
+                    </a:ext>
+                  </a:extLst>
+                </p:cNvPr>
+                <p:cNvSpPr>
+                  <a:spLocks noChangeShapeType="1"/>
+                </p:cNvSpPr>
+                <p:nvPr/>
+              </p:nvSpPr>
+              <p:spPr bwMode="auto">
+                <a:xfrm>
+                  <a:off x="1545" y="2544"/>
+                  <a:ext cx="0" cy="230"/>
+                </a:xfrm>
+                <a:prstGeom prst="line">
+                  <a:avLst/>
+                </a:prstGeom>
+                <a:noFill/>
+                <a:ln w="9525">
+                  <a:solidFill>
+                    <a:schemeClr val="tx1"/>
+                  </a:solidFill>
+                  <a:round/>
+                  <a:headEnd/>
+                  <a:tailEnd/>
+                </a:ln>
+              </p:spPr>
+              <p:txBody>
+                <a:bodyPr wrap="none" lIns="92075" tIns="46038" rIns="92075" bIns="46038" anchor="ctr"/>
+                <a:lstStyle/>
+                <a:p>
+                  <a:endParaRPr lang="en-US"/>
+                </a:p>
+              </p:txBody>
+            </p:sp>
+            <p:sp>
+              <p:nvSpPr>
+                <p:cNvPr id="91" name="Line 99">
+                  <a:extLst>
+                    <a:ext uri="{FF2B5EF4-FFF2-40B4-BE49-F238E27FC236}">
+                      <a16:creationId xmlns:a16="http://schemas.microsoft.com/office/drawing/2014/main" id="{6F4FA774-20DC-4D51-88A6-BA95C4F2C940}"/>
+                    </a:ext>
+                  </a:extLst>
+                </p:cNvPr>
+                <p:cNvSpPr>
+                  <a:spLocks noChangeShapeType="1"/>
+                </p:cNvSpPr>
+                <p:nvPr/>
+              </p:nvSpPr>
+              <p:spPr bwMode="auto">
+                <a:xfrm>
+                  <a:off x="797" y="2774"/>
+                  <a:ext cx="0" cy="230"/>
+                </a:xfrm>
+                <a:prstGeom prst="line">
+                  <a:avLst/>
+                </a:prstGeom>
+                <a:noFill/>
+                <a:ln w="9525">
+                  <a:solidFill>
+                    <a:schemeClr val="tx1"/>
+                  </a:solidFill>
+                  <a:round/>
+                  <a:headEnd/>
+                  <a:tailEnd/>
+                </a:ln>
+              </p:spPr>
+              <p:txBody>
+                <a:bodyPr wrap="none" lIns="92075" tIns="46038" rIns="92075" bIns="46038" anchor="ctr"/>
+                <a:lstStyle/>
+                <a:p>
+                  <a:endParaRPr lang="en-US"/>
+                </a:p>
+              </p:txBody>
+            </p:sp>
+            <p:sp>
+              <p:nvSpPr>
+                <p:cNvPr id="92" name="Line 100">
+                  <a:extLst>
+                    <a:ext uri="{FF2B5EF4-FFF2-40B4-BE49-F238E27FC236}">
+                      <a16:creationId xmlns:a16="http://schemas.microsoft.com/office/drawing/2014/main" id="{4BE0B3F6-00FF-4B52-93E5-F16B9D1F7341}"/>
+                    </a:ext>
+                  </a:extLst>
+                </p:cNvPr>
+                <p:cNvSpPr>
+                  <a:spLocks noChangeShapeType="1"/>
+                </p:cNvSpPr>
+                <p:nvPr/>
+              </p:nvSpPr>
+              <p:spPr bwMode="auto">
+                <a:xfrm>
+                  <a:off x="1373" y="2774"/>
+                  <a:ext cx="0" cy="230"/>
+                </a:xfrm>
+                <a:prstGeom prst="line">
+                  <a:avLst/>
+                </a:prstGeom>
+                <a:noFill/>
+                <a:ln w="9525">
+                  <a:solidFill>
+                    <a:schemeClr val="tx1"/>
+                  </a:solidFill>
+                  <a:round/>
+                  <a:headEnd/>
+                  <a:tailEnd/>
+                </a:ln>
+              </p:spPr>
+              <p:txBody>
+                <a:bodyPr wrap="none" lIns="92075" tIns="46038" rIns="92075" bIns="46038" anchor="ctr"/>
+                <a:lstStyle/>
+                <a:p>
+                  <a:endParaRPr lang="en-US"/>
+                </a:p>
+              </p:txBody>
+            </p:sp>
+            <p:sp>
+              <p:nvSpPr>
+                <p:cNvPr id="93" name="Line 101">
+                  <a:extLst>
+                    <a:ext uri="{FF2B5EF4-FFF2-40B4-BE49-F238E27FC236}">
+                      <a16:creationId xmlns:a16="http://schemas.microsoft.com/office/drawing/2014/main" id="{CF1C1C17-1481-43B8-9FE7-EE854A4C4C51}"/>
+                    </a:ext>
+                  </a:extLst>
+                </p:cNvPr>
+                <p:cNvSpPr>
+                  <a:spLocks noChangeShapeType="1"/>
+                </p:cNvSpPr>
+                <p:nvPr/>
+              </p:nvSpPr>
+              <p:spPr bwMode="auto">
+                <a:xfrm>
+                  <a:off x="624" y="2774"/>
+                  <a:ext cx="173" cy="0"/>
+                </a:xfrm>
+                <a:prstGeom prst="line">
+                  <a:avLst/>
+                </a:prstGeom>
+                <a:noFill/>
+                <a:ln w="9525">
+                  <a:solidFill>
+                    <a:schemeClr val="tx1"/>
+                  </a:solidFill>
+                  <a:round/>
+                  <a:headEnd/>
+                  <a:tailEnd/>
+                </a:ln>
+              </p:spPr>
+              <p:txBody>
+                <a:bodyPr wrap="none" lIns="92075" tIns="46038" rIns="92075" bIns="46038" anchor="ctr"/>
+                <a:lstStyle/>
+                <a:p>
+                  <a:endParaRPr lang="en-US"/>
+                </a:p>
+              </p:txBody>
+            </p:sp>
+            <p:sp>
+              <p:nvSpPr>
+                <p:cNvPr id="94" name="Line 102">
+                  <a:extLst>
+                    <a:ext uri="{FF2B5EF4-FFF2-40B4-BE49-F238E27FC236}">
+                      <a16:creationId xmlns:a16="http://schemas.microsoft.com/office/drawing/2014/main" id="{9D0CBED5-B446-4B2F-BCEE-D3A29977D2A9}"/>
+                    </a:ext>
+                  </a:extLst>
+                </p:cNvPr>
+                <p:cNvSpPr>
+                  <a:spLocks noChangeShapeType="1"/>
+                </p:cNvSpPr>
+                <p:nvPr/>
+              </p:nvSpPr>
+              <p:spPr bwMode="auto">
+                <a:xfrm>
+                  <a:off x="1372" y="2774"/>
+                  <a:ext cx="173" cy="0"/>
+                </a:xfrm>
+                <a:prstGeom prst="line">
+                  <a:avLst/>
+                </a:prstGeom>
+                <a:noFill/>
+                <a:ln w="9525">
+                  <a:solidFill>
+                    <a:schemeClr val="tx1"/>
+                  </a:solidFill>
+                  <a:round/>
+                  <a:headEnd/>
+                  <a:tailEnd/>
+                </a:ln>
+              </p:spPr>
+              <p:txBody>
+                <a:bodyPr wrap="none" lIns="92075" tIns="46038" rIns="92075" bIns="46038" anchor="ctr"/>
+                <a:lstStyle/>
+                <a:p>
+                  <a:endParaRPr lang="en-US"/>
+                </a:p>
+              </p:txBody>
+            </p:sp>
+          </p:grpSp>
+          <p:sp>
+            <p:nvSpPr>
+              <p:cNvPr id="85" name="Text Box 103">
+                <a:extLst>
+                  <a:ext uri="{FF2B5EF4-FFF2-40B4-BE49-F238E27FC236}">
+                    <a16:creationId xmlns:a16="http://schemas.microsoft.com/office/drawing/2014/main" id="{A2C33207-3E45-4A88-B570-55CA87458375}"/>
+                  </a:ext>
+                </a:extLst>
+              </p:cNvPr>
+              <p:cNvSpPr txBox="1">
+                <a:spLocks noChangeArrowheads="1"/>
+              </p:cNvSpPr>
+              <p:nvPr/>
+            </p:nvSpPr>
+            <p:spPr bwMode="auto">
+              <a:xfrm>
+                <a:off x="930" y="2784"/>
+                <a:ext cx="310" cy="202"/>
+              </a:xfrm>
+              <a:prstGeom prst="rect">
+                <a:avLst/>
+              </a:prstGeom>
+              <a:noFill/>
+              <a:ln w="9525">
+                <a:noFill/>
+                <a:miter lim="800000"/>
+                <a:headEnd/>
+                <a:tailEnd/>
+              </a:ln>
+            </p:spPr>
+            <p:txBody>
+              <a:bodyPr wrap="none" lIns="92075" tIns="46038" rIns="92075" bIns="46038">
+                <a:spAutoFit/>
+              </a:bodyPr>
+              <a:lstStyle/>
+              <a:p>
+                <a:r>
+                  <a:rPr lang="en-US" sz="1500"/>
+                  <a:t>x86</a:t>
+                </a:r>
+              </a:p>
+            </p:txBody>
+          </p:sp>
+          <p:sp>
+            <p:nvSpPr>
+              <p:cNvPr id="86" name="Text Box 104">
+                <a:extLst>
+                  <a:ext uri="{FF2B5EF4-FFF2-40B4-BE49-F238E27FC236}">
+                    <a16:creationId xmlns:a16="http://schemas.microsoft.com/office/drawing/2014/main" id="{B4E2D384-E751-4F75-8999-F2FF20F8C13A}"/>
+                  </a:ext>
+                </a:extLst>
+              </p:cNvPr>
+              <p:cNvSpPr txBox="1">
+                <a:spLocks noChangeArrowheads="1"/>
+              </p:cNvSpPr>
+              <p:nvPr/>
+            </p:nvSpPr>
+            <p:spPr bwMode="auto">
+              <a:xfrm>
+                <a:off x="672" y="2557"/>
+                <a:ext cx="822" cy="204"/>
+              </a:xfrm>
+              <a:prstGeom prst="rect">
+                <a:avLst/>
+              </a:prstGeom>
+              <a:noFill/>
+              <a:ln w="9525">
+                <a:noFill/>
+                <a:miter lim="800000"/>
+                <a:headEnd/>
+                <a:tailEnd/>
+              </a:ln>
+            </p:spPr>
+            <p:txBody>
+              <a:bodyPr wrap="none" lIns="92075" tIns="46038" rIns="92075" bIns="46038">
+                <a:spAutoFit/>
+              </a:bodyPr>
+              <a:lstStyle/>
+              <a:p>
+                <a:r>
+                  <a:rPr lang="en-US" sz="1500" dirty="0"/>
+                  <a:t>X86/A </a:t>
+                </a:r>
+                <a:r>
+                  <a:rPr lang="en-US" sz="1500" dirty="0">
+                    <a:sym typeface="Symbol" pitchFamily="18" charset="2"/>
+                  </a:rPr>
+                  <a:t> x86</a:t>
+                </a:r>
+              </a:p>
+            </p:txBody>
+          </p:sp>
+        </p:grpSp>
+        <p:grpSp>
+          <p:nvGrpSpPr>
+            <p:cNvPr id="70" name="Group 105">
+              <a:extLst>
+                <a:ext uri="{FF2B5EF4-FFF2-40B4-BE49-F238E27FC236}">
+                  <a16:creationId xmlns:a16="http://schemas.microsoft.com/office/drawing/2014/main" id="{EA6214B6-9D8E-483E-8C3B-D7331DD0206A}"/>
+                </a:ext>
+              </a:extLst>
+            </p:cNvPr>
+            <p:cNvGrpSpPr>
+              <a:grpSpLocks/>
+            </p:cNvGrpSpPr>
+            <p:nvPr/>
+          </p:nvGrpSpPr>
+          <p:grpSpPr bwMode="auto">
+            <a:xfrm>
+              <a:off x="6307137" y="1525588"/>
+              <a:ext cx="1281113" cy="731837"/>
+              <a:chOff x="1420" y="3235"/>
+              <a:chExt cx="807" cy="461"/>
+            </a:xfrm>
+          </p:grpSpPr>
+          <p:grpSp>
+            <p:nvGrpSpPr>
+              <p:cNvPr id="73" name="Group 106">
+                <a:extLst>
+                  <a:ext uri="{FF2B5EF4-FFF2-40B4-BE49-F238E27FC236}">
+                    <a16:creationId xmlns:a16="http://schemas.microsoft.com/office/drawing/2014/main" id="{9DACE4A3-791A-4EC7-AC65-A0CBBAFD2E37}"/>
+                  </a:ext>
+                </a:extLst>
+              </p:cNvPr>
+              <p:cNvGrpSpPr>
+                <a:grpSpLocks/>
+              </p:cNvGrpSpPr>
+              <p:nvPr/>
+            </p:nvGrpSpPr>
+            <p:grpSpPr bwMode="auto">
+              <a:xfrm>
+                <a:off x="1420" y="3235"/>
+                <a:ext cx="807" cy="461"/>
+                <a:chOff x="1420" y="3235"/>
+                <a:chExt cx="807" cy="461"/>
+              </a:xfrm>
+            </p:grpSpPr>
+            <p:sp>
+              <p:nvSpPr>
+                <p:cNvPr id="76" name="Line 107">
+                  <a:extLst>
+                    <a:ext uri="{FF2B5EF4-FFF2-40B4-BE49-F238E27FC236}">
+                      <a16:creationId xmlns:a16="http://schemas.microsoft.com/office/drawing/2014/main" id="{BFE6360D-EBE7-45CA-941D-B4BC1317EA41}"/>
+                    </a:ext>
+                  </a:extLst>
+                </p:cNvPr>
+                <p:cNvSpPr>
+                  <a:spLocks noChangeShapeType="1"/>
+                </p:cNvSpPr>
+                <p:nvPr/>
+              </p:nvSpPr>
+              <p:spPr bwMode="auto">
+                <a:xfrm>
+                  <a:off x="1536" y="3696"/>
+                  <a:ext cx="576" cy="0"/>
+                </a:xfrm>
+                <a:prstGeom prst="line">
+                  <a:avLst/>
+                </a:prstGeom>
+                <a:noFill/>
+                <a:ln w="9525">
+                  <a:solidFill>
+                    <a:schemeClr val="tx1"/>
+                  </a:solidFill>
+                  <a:round/>
+                  <a:headEnd/>
+                  <a:tailEnd/>
+                </a:ln>
+              </p:spPr>
+              <p:txBody>
+                <a:bodyPr wrap="none" lIns="92075" tIns="46038" rIns="92075" bIns="46038" anchor="ctr"/>
+                <a:lstStyle/>
+                <a:p>
+                  <a:endParaRPr lang="en-US"/>
+                </a:p>
+              </p:txBody>
+            </p:sp>
+            <p:sp>
+              <p:nvSpPr>
+                <p:cNvPr id="77" name="Line 108">
+                  <a:extLst>
+                    <a:ext uri="{FF2B5EF4-FFF2-40B4-BE49-F238E27FC236}">
+                      <a16:creationId xmlns:a16="http://schemas.microsoft.com/office/drawing/2014/main" id="{F96EBE36-D416-4F95-9DC7-EA7D6E0D6E4E}"/>
+                    </a:ext>
+                  </a:extLst>
+                </p:cNvPr>
+                <p:cNvSpPr>
+                  <a:spLocks noChangeShapeType="1"/>
+                </p:cNvSpPr>
+                <p:nvPr/>
+              </p:nvSpPr>
+              <p:spPr bwMode="auto">
+                <a:xfrm>
+                  <a:off x="1536" y="3466"/>
+                  <a:ext cx="0" cy="230"/>
+                </a:xfrm>
+                <a:prstGeom prst="line">
+                  <a:avLst/>
+                </a:prstGeom>
+                <a:noFill/>
+                <a:ln w="9525">
+                  <a:solidFill>
+                    <a:schemeClr val="tx1"/>
+                  </a:solidFill>
+                  <a:round/>
+                  <a:headEnd/>
+                  <a:tailEnd/>
+                </a:ln>
+              </p:spPr>
+              <p:txBody>
+                <a:bodyPr wrap="none" lIns="92075" tIns="46038" rIns="92075" bIns="46038" anchor="ctr"/>
+                <a:lstStyle/>
+                <a:p>
+                  <a:endParaRPr lang="en-US"/>
+                </a:p>
+              </p:txBody>
+            </p:sp>
+            <p:sp>
+              <p:nvSpPr>
+                <p:cNvPr id="78" name="Line 109">
+                  <a:extLst>
+                    <a:ext uri="{FF2B5EF4-FFF2-40B4-BE49-F238E27FC236}">
+                      <a16:creationId xmlns:a16="http://schemas.microsoft.com/office/drawing/2014/main" id="{1E955AB2-535E-4F19-A6C4-8240F5BEDB0D}"/>
+                    </a:ext>
+                  </a:extLst>
+                </p:cNvPr>
+                <p:cNvSpPr>
+                  <a:spLocks noChangeShapeType="1"/>
+                </p:cNvSpPr>
+                <p:nvPr/>
+              </p:nvSpPr>
+              <p:spPr bwMode="auto">
+                <a:xfrm>
+                  <a:off x="2112" y="3466"/>
+                  <a:ext cx="0" cy="230"/>
+                </a:xfrm>
+                <a:prstGeom prst="line">
+                  <a:avLst/>
+                </a:prstGeom>
+                <a:noFill/>
+                <a:ln w="9525">
+                  <a:solidFill>
+                    <a:schemeClr val="tx1"/>
+                  </a:solidFill>
+                  <a:round/>
+                  <a:headEnd/>
+                  <a:tailEnd/>
+                </a:ln>
+              </p:spPr>
+              <p:txBody>
+                <a:bodyPr wrap="none" lIns="92075" tIns="46038" rIns="92075" bIns="46038" anchor="ctr"/>
+                <a:lstStyle/>
+                <a:p>
+                  <a:endParaRPr lang="en-US"/>
+                </a:p>
+              </p:txBody>
+            </p:sp>
+            <p:sp>
+              <p:nvSpPr>
+                <p:cNvPr id="79" name="Line 110">
+                  <a:extLst>
+                    <a:ext uri="{FF2B5EF4-FFF2-40B4-BE49-F238E27FC236}">
+                      <a16:creationId xmlns:a16="http://schemas.microsoft.com/office/drawing/2014/main" id="{C05F7799-2FAB-4794-9F9D-75BA2C3CD1D6}"/>
+                    </a:ext>
+                  </a:extLst>
+                </p:cNvPr>
+                <p:cNvSpPr>
+                  <a:spLocks noChangeShapeType="1"/>
+                </p:cNvSpPr>
+                <p:nvPr/>
+              </p:nvSpPr>
+              <p:spPr bwMode="auto">
+                <a:xfrm>
+                  <a:off x="1536" y="3235"/>
+                  <a:ext cx="576" cy="0"/>
+                </a:xfrm>
+                <a:prstGeom prst="line">
+                  <a:avLst/>
+                </a:prstGeom>
+                <a:noFill/>
+                <a:ln w="9525">
+                  <a:solidFill>
+                    <a:schemeClr val="tx1"/>
+                  </a:solidFill>
+                  <a:round/>
+                  <a:headEnd/>
+                  <a:tailEnd/>
+                </a:ln>
+              </p:spPr>
+              <p:txBody>
+                <a:bodyPr wrap="none" lIns="92075" tIns="46038" rIns="92075" bIns="46038" anchor="ctr"/>
+                <a:lstStyle/>
+                <a:p>
+                  <a:endParaRPr lang="en-US"/>
+                </a:p>
+              </p:txBody>
+            </p:sp>
+            <p:sp>
+              <p:nvSpPr>
+                <p:cNvPr id="82" name="Arc 111">
+                  <a:extLst>
+                    <a:ext uri="{FF2B5EF4-FFF2-40B4-BE49-F238E27FC236}">
+                      <a16:creationId xmlns:a16="http://schemas.microsoft.com/office/drawing/2014/main" id="{56874D1A-C587-43F3-8ED0-CE5018B62F7A}"/>
+                    </a:ext>
+                  </a:extLst>
+                </p:cNvPr>
+                <p:cNvSpPr>
+                  <a:spLocks/>
+                </p:cNvSpPr>
+                <p:nvPr/>
+              </p:nvSpPr>
+              <p:spPr bwMode="auto">
+                <a:xfrm>
+                  <a:off x="2112" y="3235"/>
+                  <a:ext cx="115" cy="230"/>
+                </a:xfrm>
+                <a:custGeom>
+                  <a:avLst/>
+                  <a:gdLst>
+                    <a:gd name="T0" fmla="*/ 0 w 22048"/>
+                    <a:gd name="T1" fmla="*/ 0 h 43200"/>
+                    <a:gd name="T2" fmla="*/ 0 w 22048"/>
+                    <a:gd name="T3" fmla="*/ 1 h 43200"/>
+                    <a:gd name="T4" fmla="*/ 0 w 22048"/>
+                    <a:gd name="T5" fmla="*/ 1 h 43200"/>
+                    <a:gd name="T6" fmla="*/ 0 60000 65536"/>
+                    <a:gd name="T7" fmla="*/ 0 60000 65536"/>
+                    <a:gd name="T8" fmla="*/ 0 60000 65536"/>
+                    <a:gd name="T9" fmla="*/ 0 w 22048"/>
+                    <a:gd name="T10" fmla="*/ 0 h 43200"/>
+                    <a:gd name="T11" fmla="*/ 22048 w 22048"/>
+                    <a:gd name="T12" fmla="*/ 43200 h 43200"/>
+                  </a:gdLst>
+                  <a:ahLst/>
+                  <a:cxnLst>
+                    <a:cxn ang="T6">
+                      <a:pos x="T0" y="T1"/>
+                    </a:cxn>
+                    <a:cxn ang="T7">
+                      <a:pos x="T2" y="T3"/>
+                    </a:cxn>
+                    <a:cxn ang="T8">
+                      <a:pos x="T4" y="T5"/>
+                    </a:cxn>
+                  </a:cxnLst>
+                  <a:rect l="T9" t="T10" r="T11" b="T12"/>
+                  <a:pathLst>
+                    <a:path w="22048" h="43200" fill="none" extrusionOk="0">
+                      <a:moveTo>
+                        <a:pt x="447" y="0"/>
+                      </a:moveTo>
+                      <a:cubicBezTo>
+                        <a:pt x="12377" y="0"/>
+                        <a:pt x="22048" y="9670"/>
+                        <a:pt x="22048" y="21600"/>
+                      </a:cubicBezTo>
+                      <a:cubicBezTo>
+                        <a:pt x="22048" y="33529"/>
+                        <a:pt x="12377" y="43200"/>
+                        <a:pt x="448" y="43200"/>
+                      </a:cubicBezTo>
+                      <a:cubicBezTo>
+                        <a:pt x="298" y="43200"/>
+                        <a:pt x="149" y="43198"/>
+                        <a:pt x="-1" y="43195"/>
+                      </a:cubicBezTo>
+                    </a:path>
+                    <a:path w="22048" h="43200" stroke="0" extrusionOk="0">
+                      <a:moveTo>
+                        <a:pt x="447" y="0"/>
+                      </a:moveTo>
+                      <a:cubicBezTo>
+                        <a:pt x="12377" y="0"/>
+                        <a:pt x="22048" y="9670"/>
+                        <a:pt x="22048" y="21600"/>
+                      </a:cubicBezTo>
+                      <a:cubicBezTo>
+                        <a:pt x="22048" y="33529"/>
+                        <a:pt x="12377" y="43200"/>
+                        <a:pt x="448" y="43200"/>
+                      </a:cubicBezTo>
+                      <a:cubicBezTo>
+                        <a:pt x="298" y="43200"/>
+                        <a:pt x="149" y="43198"/>
+                        <a:pt x="-1" y="43195"/>
+                      </a:cubicBezTo>
+                      <a:lnTo>
+                        <a:pt x="448" y="21600"/>
+                      </a:lnTo>
+                      <a:close/>
+                    </a:path>
+                  </a:pathLst>
+                </a:custGeom>
+                <a:noFill/>
+                <a:ln w="9525">
+                  <a:solidFill>
+                    <a:schemeClr val="tx1"/>
+                  </a:solidFill>
+                  <a:round/>
+                  <a:headEnd/>
+                  <a:tailEnd/>
+                </a:ln>
+              </p:spPr>
+              <p:txBody>
+                <a:bodyPr wrap="none" lIns="92075" tIns="46038" rIns="92075" bIns="46038" anchor="ctr"/>
+                <a:lstStyle/>
+                <a:p>
+                  <a:endParaRPr lang="en-US"/>
+                </a:p>
+              </p:txBody>
+            </p:sp>
+            <p:sp>
+              <p:nvSpPr>
+                <p:cNvPr id="83" name="Arc 112">
+                  <a:extLst>
+                    <a:ext uri="{FF2B5EF4-FFF2-40B4-BE49-F238E27FC236}">
+                      <a16:creationId xmlns:a16="http://schemas.microsoft.com/office/drawing/2014/main" id="{EDF506B0-30FE-4E07-ABD3-6CA495F87752}"/>
+                    </a:ext>
+                  </a:extLst>
+                </p:cNvPr>
+                <p:cNvSpPr>
+                  <a:spLocks/>
+                </p:cNvSpPr>
+                <p:nvPr/>
+              </p:nvSpPr>
+              <p:spPr bwMode="auto">
+                <a:xfrm flipH="1">
+                  <a:off x="1420" y="3235"/>
+                  <a:ext cx="115" cy="230"/>
+                </a:xfrm>
+                <a:custGeom>
+                  <a:avLst/>
+                  <a:gdLst>
+                    <a:gd name="T0" fmla="*/ 0 w 22048"/>
+                    <a:gd name="T1" fmla="*/ 0 h 43200"/>
+                    <a:gd name="T2" fmla="*/ 0 w 22048"/>
+                    <a:gd name="T3" fmla="*/ 1 h 43200"/>
+                    <a:gd name="T4" fmla="*/ 0 w 22048"/>
+                    <a:gd name="T5" fmla="*/ 1 h 43200"/>
+                    <a:gd name="T6" fmla="*/ 0 60000 65536"/>
+                    <a:gd name="T7" fmla="*/ 0 60000 65536"/>
+                    <a:gd name="T8" fmla="*/ 0 60000 65536"/>
+                    <a:gd name="T9" fmla="*/ 0 w 22048"/>
+                    <a:gd name="T10" fmla="*/ 0 h 43200"/>
+                    <a:gd name="T11" fmla="*/ 22048 w 22048"/>
+                    <a:gd name="T12" fmla="*/ 43200 h 43200"/>
+                  </a:gdLst>
+                  <a:ahLst/>
+                  <a:cxnLst>
+                    <a:cxn ang="T6">
+                      <a:pos x="T0" y="T1"/>
+                    </a:cxn>
+                    <a:cxn ang="T7">
+                      <a:pos x="T2" y="T3"/>
+                    </a:cxn>
+                    <a:cxn ang="T8">
+                      <a:pos x="T4" y="T5"/>
+                    </a:cxn>
+                  </a:cxnLst>
+                  <a:rect l="T9" t="T10" r="T11" b="T12"/>
+                  <a:pathLst>
+                    <a:path w="22048" h="43200" fill="none" extrusionOk="0">
+                      <a:moveTo>
+                        <a:pt x="447" y="0"/>
+                      </a:moveTo>
+                      <a:cubicBezTo>
+                        <a:pt x="12377" y="0"/>
+                        <a:pt x="22048" y="9670"/>
+                        <a:pt x="22048" y="21600"/>
+                      </a:cubicBezTo>
+                      <a:cubicBezTo>
+                        <a:pt x="22048" y="33529"/>
+                        <a:pt x="12377" y="43200"/>
+                        <a:pt x="448" y="43200"/>
+                      </a:cubicBezTo>
+                      <a:cubicBezTo>
+                        <a:pt x="298" y="43200"/>
+                        <a:pt x="149" y="43198"/>
+                        <a:pt x="-1" y="43195"/>
+                      </a:cubicBezTo>
+                    </a:path>
+                    <a:path w="22048" h="43200" stroke="0" extrusionOk="0">
+                      <a:moveTo>
+                        <a:pt x="447" y="0"/>
+                      </a:moveTo>
+                      <a:cubicBezTo>
+                        <a:pt x="12377" y="0"/>
+                        <a:pt x="22048" y="9670"/>
+                        <a:pt x="22048" y="21600"/>
+                      </a:cubicBezTo>
+                      <a:cubicBezTo>
+                        <a:pt x="22048" y="33529"/>
+                        <a:pt x="12377" y="43200"/>
+                        <a:pt x="448" y="43200"/>
+                      </a:cubicBezTo>
+                      <a:cubicBezTo>
+                        <a:pt x="298" y="43200"/>
+                        <a:pt x="149" y="43198"/>
+                        <a:pt x="-1" y="43195"/>
+                      </a:cubicBezTo>
+                      <a:lnTo>
+                        <a:pt x="448" y="21600"/>
+                      </a:lnTo>
+                      <a:close/>
+                    </a:path>
+                  </a:pathLst>
+                </a:custGeom>
+                <a:noFill/>
+                <a:ln w="9525">
+                  <a:solidFill>
+                    <a:schemeClr val="tx1"/>
+                  </a:solidFill>
+                  <a:round/>
+                  <a:headEnd/>
+                  <a:tailEnd/>
+                </a:ln>
+              </p:spPr>
+              <p:txBody>
+                <a:bodyPr wrap="none" lIns="92075" tIns="46038" rIns="92075" bIns="46038" anchor="ctr"/>
+                <a:lstStyle/>
+                <a:p>
+                  <a:endParaRPr lang="en-US"/>
+                </a:p>
+              </p:txBody>
+            </p:sp>
+          </p:grpSp>
+          <p:sp>
+            <p:nvSpPr>
+              <p:cNvPr id="74" name="Text Box 113">
+                <a:extLst>
+                  <a:ext uri="{FF2B5EF4-FFF2-40B4-BE49-F238E27FC236}">
+                    <a16:creationId xmlns:a16="http://schemas.microsoft.com/office/drawing/2014/main" id="{57732BDA-FB6F-427B-BF7D-109BCDE6CF55}"/>
+                  </a:ext>
+                </a:extLst>
+              </p:cNvPr>
+              <p:cNvSpPr txBox="1">
+                <a:spLocks noChangeArrowheads="1"/>
+              </p:cNvSpPr>
+              <p:nvPr/>
+            </p:nvSpPr>
+            <p:spPr bwMode="auto">
+              <a:xfrm>
+                <a:off x="1670" y="3479"/>
+                <a:ext cx="310" cy="202"/>
+              </a:xfrm>
+              <a:prstGeom prst="rect">
+                <a:avLst/>
+              </a:prstGeom>
+              <a:noFill/>
+              <a:ln w="9525">
+                <a:noFill/>
+                <a:miter lim="800000"/>
+                <a:headEnd/>
+                <a:tailEnd/>
+              </a:ln>
+            </p:spPr>
+            <p:txBody>
+              <a:bodyPr wrap="none" lIns="92075" tIns="46038" rIns="92075" bIns="46038">
+                <a:spAutoFit/>
+              </a:bodyPr>
+              <a:lstStyle/>
+              <a:p>
+                <a:r>
+                  <a:rPr lang="en-US" sz="1500"/>
+                  <a:t>x86</a:t>
+                </a:r>
+              </a:p>
+            </p:txBody>
+          </p:sp>
+          <p:sp>
+            <p:nvSpPr>
+              <p:cNvPr id="75" name="Text Box 114">
+                <a:extLst>
+                  <a:ext uri="{FF2B5EF4-FFF2-40B4-BE49-F238E27FC236}">
+                    <a16:creationId xmlns:a16="http://schemas.microsoft.com/office/drawing/2014/main" id="{75C70EDE-F56E-4581-ABDD-3A1DA581F86E}"/>
+                  </a:ext>
+                </a:extLst>
+              </p:cNvPr>
+              <p:cNvSpPr txBox="1">
+                <a:spLocks noChangeArrowheads="1"/>
+              </p:cNvSpPr>
+              <p:nvPr/>
+            </p:nvSpPr>
+            <p:spPr bwMode="auto">
+              <a:xfrm>
+                <a:off x="1665" y="3251"/>
+                <a:ext cx="316" cy="202"/>
+              </a:xfrm>
+              <a:prstGeom prst="rect">
+                <a:avLst/>
+              </a:prstGeom>
+              <a:noFill/>
+              <a:ln w="9525">
+                <a:noFill/>
+                <a:miter lim="800000"/>
+                <a:headEnd/>
+                <a:tailEnd/>
+              </a:ln>
+            </p:spPr>
+            <p:txBody>
+              <a:bodyPr wrap="none" lIns="92075" tIns="46038" rIns="92075" bIns="46038">
+                <a:spAutoFit/>
+              </a:bodyPr>
+              <a:lstStyle/>
+              <a:p>
+                <a:r>
+                  <a:rPr lang="en-US" sz="1500"/>
+                  <a:t>sort</a:t>
+                </a:r>
+              </a:p>
+            </p:txBody>
+          </p:sp>
+        </p:grpSp>
+        <p:sp>
+          <p:nvSpPr>
+            <p:cNvPr id="71" name="Flowchart: Off-page Connector 70">
+              <a:extLst>
+                <a:ext uri="{FF2B5EF4-FFF2-40B4-BE49-F238E27FC236}">
+                  <a16:creationId xmlns:a16="http://schemas.microsoft.com/office/drawing/2014/main" id="{64A9CE68-7166-4E88-AEFE-1786490C00B7}"/>
+                </a:ext>
+              </a:extLst>
+            </p:cNvPr>
+            <p:cNvSpPr/>
+            <p:nvPr/>
+          </p:nvSpPr>
+          <p:spPr bwMode="auto">
+            <a:xfrm>
+              <a:off x="2928302" y="2621280"/>
+              <a:ext cx="914400" cy="731520"/>
+            </a:xfrm>
+            <a:prstGeom prst="flowChartOffpageConnector">
+              <a:avLst/>
+            </a:prstGeom>
+            <a:noFill/>
+            <a:ln w="9525">
+              <a:solidFill>
+                <a:schemeClr val="tx1"/>
+              </a:solidFill>
+              <a:round/>
+              <a:headEnd/>
+              <a:tailEnd/>
+            </a:ln>
+          </p:spPr>
+          <p:txBody>
+            <a:bodyPr wrap="none" lIns="92075" tIns="46038" rIns="92075" bIns="46038" rtlCol="0" anchor="ctr"/>
+            <a:lstStyle/>
+            <a:p>
+              <a:pPr algn="ctr"/>
+              <a:r>
+                <a:rPr lang="en-US" sz="1500" dirty="0"/>
+                <a:t>x86</a:t>
+              </a:r>
+            </a:p>
+          </p:txBody>
+        </p:sp>
+        <p:sp>
+          <p:nvSpPr>
+            <p:cNvPr id="72" name="Flowchart: Off-page Connector 71">
+              <a:extLst>
+                <a:ext uri="{FF2B5EF4-FFF2-40B4-BE49-F238E27FC236}">
+                  <a16:creationId xmlns:a16="http://schemas.microsoft.com/office/drawing/2014/main" id="{3FF77D8A-8A5E-4B63-BFC9-F3763609C385}"/>
+                </a:ext>
+              </a:extLst>
+            </p:cNvPr>
+            <p:cNvSpPr/>
+            <p:nvPr/>
+          </p:nvSpPr>
+          <p:spPr bwMode="auto">
+            <a:xfrm>
+              <a:off x="5304192" y="2621848"/>
+              <a:ext cx="914400" cy="731520"/>
+            </a:xfrm>
+            <a:prstGeom prst="flowChartOffpageConnector">
+              <a:avLst/>
+            </a:prstGeom>
+            <a:noFill/>
+            <a:ln w="9525">
+              <a:solidFill>
+                <a:schemeClr val="tx1"/>
+              </a:solidFill>
+              <a:round/>
+              <a:headEnd/>
+              <a:tailEnd/>
+            </a:ln>
+          </p:spPr>
+          <p:txBody>
+            <a:bodyPr wrap="none" lIns="92075" tIns="46038" rIns="92075" bIns="46038" rtlCol="0" anchor="ctr"/>
+            <a:lstStyle/>
+            <a:p>
+              <a:pPr algn="ctr"/>
+              <a:r>
+                <a:rPr lang="en-US" sz="1500" dirty="0"/>
+                <a:t>x86</a:t>
+              </a:r>
+            </a:p>
+          </p:txBody>
+        </p:sp>
+      </p:grpSp>
+      <p:sp>
+        <p:nvSpPr>
+          <p:cNvPr id="5" name="TextBox 4">
+            <a:extLst>
+              <a:ext uri="{FF2B5EF4-FFF2-40B4-BE49-F238E27FC236}">
+                <a16:creationId xmlns:a16="http://schemas.microsoft.com/office/drawing/2014/main" id="{E73CBC87-E42A-4DBF-AB93-7B9B212916B6}"/>
+              </a:ext>
+            </a:extLst>
+          </p:cNvPr>
+          <p:cNvSpPr txBox="1"/>
+          <p:nvPr/>
+        </p:nvSpPr>
+        <p:spPr>
+          <a:xfrm>
+            <a:off x="1066800" y="2647890"/>
+            <a:ext cx="1239442" cy="400110"/>
+          </a:xfrm>
+          <a:prstGeom prst="rect">
+            <a:avLst/>
+          </a:prstGeom>
+          <a:noFill/>
+        </p:spPr>
+        <p:txBody>
+          <a:bodyPr wrap="none" rtlCol="0">
+            <a:spAutoFit/>
+          </a:bodyPr>
+          <a:lstStyle/>
+          <a:p>
+            <a:r>
+              <a:rPr lang="en-US" sz="2000" dirty="0" err="1"/>
+              <a:t>transpiler</a:t>
+            </a:r>
+            <a:endParaRPr lang="en-US" sz="2000" dirty="0"/>
+          </a:p>
+        </p:txBody>
+      </p:sp>
+      <p:cxnSp>
+        <p:nvCxnSpPr>
+          <p:cNvPr id="7" name="Connector: Elbow 6">
+            <a:extLst>
+              <a:ext uri="{FF2B5EF4-FFF2-40B4-BE49-F238E27FC236}">
+                <a16:creationId xmlns:a16="http://schemas.microsoft.com/office/drawing/2014/main" id="{859D7178-6D60-4981-83CD-BFEE25E57F0D}"/>
+              </a:ext>
+            </a:extLst>
+          </p:cNvPr>
+          <p:cNvCxnSpPr>
+            <a:cxnSpLocks/>
+            <a:stCxn id="5" idx="3"/>
+          </p:cNvCxnSpPr>
+          <p:nvPr/>
+        </p:nvCxnSpPr>
+        <p:spPr bwMode="auto">
+          <a:xfrm flipV="1">
+            <a:off x="2306242" y="2485351"/>
+            <a:ext cx="620156" cy="362594"/>
+          </a:xfrm>
+          <a:prstGeom prst="bentConnector3">
+            <a:avLst/>
+          </a:prstGeom>
+          <a:noFill/>
+          <a:ln w="9525" cap="flat" cmpd="sng" algn="ctr">
+            <a:solidFill>
+              <a:schemeClr val="tx1"/>
+            </a:solidFill>
+            <a:prstDash val="solid"/>
+            <a:round/>
+            <a:headEnd type="none" w="med" len="med"/>
+            <a:tailEnd type="triangle"/>
+          </a:ln>
+          <a:effectLst/>
+        </p:spPr>
+      </p:cxnSp>
+      <p:sp>
+        <p:nvSpPr>
+          <p:cNvPr id="12" name="TextBox 11">
+            <a:extLst>
+              <a:ext uri="{FF2B5EF4-FFF2-40B4-BE49-F238E27FC236}">
+                <a16:creationId xmlns:a16="http://schemas.microsoft.com/office/drawing/2014/main" id="{CAB5306C-B1F5-415E-A64E-A7CC05D63C3F}"/>
+              </a:ext>
+            </a:extLst>
+          </p:cNvPr>
+          <p:cNvSpPr txBox="1"/>
+          <p:nvPr/>
+        </p:nvSpPr>
+        <p:spPr>
+          <a:xfrm>
+            <a:off x="6872359" y="5462019"/>
+            <a:ext cx="1367682" cy="400110"/>
+          </a:xfrm>
+          <a:prstGeom prst="rect">
+            <a:avLst/>
+          </a:prstGeom>
+          <a:noFill/>
+        </p:spPr>
+        <p:txBody>
+          <a:bodyPr wrap="none" rtlCol="0">
+            <a:spAutoFit/>
+          </a:bodyPr>
+          <a:lstStyle/>
+          <a:p>
+            <a:r>
+              <a:rPr lang="en-US" sz="2000" dirty="0"/>
+              <a:t>assembler</a:t>
+            </a:r>
+          </a:p>
+        </p:txBody>
+      </p:sp>
+      <p:cxnSp>
+        <p:nvCxnSpPr>
+          <p:cNvPr id="14" name="Connector: Elbow 13">
+            <a:extLst>
+              <a:ext uri="{FF2B5EF4-FFF2-40B4-BE49-F238E27FC236}">
+                <a16:creationId xmlns:a16="http://schemas.microsoft.com/office/drawing/2014/main" id="{2E25AD8B-688F-4BAA-B81D-DE0E964FA331}"/>
+              </a:ext>
+            </a:extLst>
+          </p:cNvPr>
+          <p:cNvCxnSpPr>
+            <a:stCxn id="12" idx="1"/>
+          </p:cNvCxnSpPr>
+          <p:nvPr/>
+        </p:nvCxnSpPr>
+        <p:spPr bwMode="auto">
+          <a:xfrm rot="10800000">
+            <a:off x="6216651" y="5250882"/>
+            <a:ext cx="655709" cy="411192"/>
+          </a:xfrm>
+          <a:prstGeom prst="bentConnector3">
+            <a:avLst/>
+          </a:prstGeom>
+          <a:noFill/>
+          <a:ln w="9525" cap="flat" cmpd="sng" algn="ctr">
+            <a:solidFill>
+              <a:schemeClr val="tx1"/>
+            </a:solidFill>
+            <a:prstDash val="solid"/>
+            <a:round/>
+            <a:headEnd type="none" w="med" len="med"/>
+            <a:tailEnd type="triangle"/>
+          </a:ln>
+          <a:effectLst/>
+        </p:spPr>
+      </p:cxnSp>
     </p:spTree>
   </p:cSld>
   <p:clrMapOvr>
@@ -35670,8 +38344,8 @@
           </p:nvSpPr>
           <p:spPr bwMode="auto">
             <a:xfrm>
-              <a:off x="3090863" y="2338705"/>
-              <a:ext cx="587375" cy="320675"/>
+              <a:off x="3087994" y="2338705"/>
+              <a:ext cx="593111" cy="323808"/>
             </a:xfrm>
             <a:prstGeom prst="rect">
               <a:avLst/>
@@ -36049,8 +38723,8 @@
             </p:nvSpPr>
             <p:spPr bwMode="auto">
               <a:xfrm>
-                <a:off x="687" y="2557"/>
-                <a:ext cx="794" cy="202"/>
+                <a:off x="681" y="2557"/>
+                <a:ext cx="802" cy="204"/>
               </a:xfrm>
               <a:prstGeom prst="rect">
                 <a:avLst/>
@@ -36070,11 +38744,11 @@
               <a:lstStyle/>
               <a:p>
                 <a:r>
-                  <a:rPr lang="en-US" sz="1500"/>
+                  <a:rPr lang="en-US" sz="1500" dirty="0"/>
                   <a:t>Java </a:t>
                 </a:r>
                 <a:r>
-                  <a:rPr lang="en-US" sz="1500">
+                  <a:rPr lang="en-US" sz="1500" dirty="0">
                     <a:sym typeface="Symbol" pitchFamily="18" charset="2"/>
                   </a:rPr>
                   <a:t> JVM</a:t>
@@ -38944,7 +41618,7 @@
           <a:p>
             <a:r>
               <a:rPr lang="en-US" dirty="0"/>
-              <a:t>I will provide a CVM interpreter (emulator) that runs on the JVM (since I wrote it in Java).  You can use the CVM interpreter to execute programs compiled using your compiler and assembled using the CVM assembler.</a:t>
+              <a:t>I will provide a CVM interpreter (emulator) that runs on the JVM.  You can use the CVM interpreter to execute programs compiled using your compiler and assembled using the CVM assembler.</a:t>
             </a:r>
           </a:p>
         </p:txBody>
@@ -38957,7 +41631,7 @@
         </p:nvGrpSpPr>
         <p:grpSpPr>
           <a:xfrm>
-            <a:off x="3886200" y="3022767"/>
+            <a:off x="3886200" y="2971800"/>
             <a:ext cx="3004776" cy="3292792"/>
             <a:chOff x="3932238" y="3022767"/>
             <a:chExt cx="3004776" cy="3292792"/>

--- a/PowerPoint Slides/01 - Overview of Compilers.pptx
+++ b/PowerPoint Slides/01 - Overview of Compilers.pptx
@@ -12765,10 +12765,9 @@
             <a:bodyPr wrap="none" lIns="92075" tIns="46038" rIns="92075" bIns="46038" rtlCol="0" anchor="ctr"/>
             <a:lstStyle/>
             <a:p>
-              <a:pPr algn="ctr"/>
               <a:r>
                 <a:rPr lang="en-US" sz="1500" dirty="0"/>
-                <a:t>MIPS</a:t>
+                <a:t>RISC-V</a:t>
               </a:r>
             </a:p>
           </p:txBody>
@@ -15567,10 +15566,9 @@
               <a:bodyPr wrap="none" lIns="92075" tIns="46038" rIns="92075" bIns="46038" rtlCol="0" anchor="ctr"/>
               <a:lstStyle/>
               <a:p>
-                <a:pPr algn="ctr"/>
                 <a:r>
                   <a:rPr lang="en-US" sz="1500" dirty="0"/>
-                  <a:t>MIPS</a:t>
+                  <a:t>RISC-V</a:t>
                 </a:r>
               </a:p>
             </p:txBody>
